--- a/Yard_and_Stockpile_SRS/yard-stockpile-flow.pptx
+++ b/Yard_and_Stockpile_SRS/yard-stockpile-flow.pptx
@@ -14,8 +14,6 @@
     <p:sldId id="259" r:id="rId9"/>
     <p:sldId id="260" r:id="rId10"/>
     <p:sldId id="261" r:id="rId11"/>
-    <p:sldId id="262" r:id="rId12"/>
-    <p:sldId id="263" r:id="rId13"/>
   </p:sldIdLst>
   <p:sldSz cy="5143500" cx="9144000"/>
   <p:notesSz cx="6858000" cy="9144000"/>
@@ -964,7 +962,7 @@
       </p:grpSpPr>
       <p:sp>
         <p:nvSpPr>
-          <p:cNvPr id="56" name="Google Shape;56;p2:notes"/>
+          <p:cNvPr id="56" name="Google Shape;56;gb23f527fdf_0_0:notes"/>
           <p:cNvSpPr/>
           <p:nvPr>
             <p:ph idx="2" type="sldImg"/>
@@ -995,21 +993,11 @@
               </a:path>
             </a:pathLst>
           </a:custGeom>
-          <a:noFill/>
-          <a:ln cap="flat" cmpd="sng" w="9525">
-            <a:solidFill>
-              <a:srgbClr val="000000"/>
-            </a:solidFill>
-            <a:prstDash val="solid"/>
-            <a:round/>
-            <a:headEnd len="sm" w="sm" type="none"/>
-            <a:tailEnd len="sm" w="sm" type="none"/>
-          </a:ln>
         </p:spPr>
       </p:sp>
       <p:sp>
         <p:nvSpPr>
-          <p:cNvPr id="57" name="Google Shape;57;p2:notes"/>
+          <p:cNvPr id="57" name="Google Shape;57;gb23f527fdf_0_0:notes"/>
           <p:cNvSpPr txBox="1"/>
           <p:nvPr>
             <p:ph idx="1" type="body"/>
@@ -1023,10 +1011,6 @@
           <a:prstGeom prst="rect">
             <a:avLst/>
           </a:prstGeom>
-          <a:noFill/>
-          <a:ln>
-            <a:noFill/>
-          </a:ln>
         </p:spPr>
         <p:txBody>
           <a:bodyPr anchorCtr="0" anchor="t" bIns="91425" lIns="91425" spcFirstLastPara="1" rIns="91425" wrap="square" tIns="91425">
@@ -1035,16 +1019,12 @@
           <a:lstStyle/>
           <a:p>
             <a:pPr indent="0" lvl="0" marL="0" rtl="0" algn="l">
-              <a:lnSpc>
-                <a:spcPct val="100000"/>
-              </a:lnSpc>
-              <a:spcBef>
-                <a:spcPts val="0"/>
-              </a:spcBef>
-              <a:spcAft>
-                <a:spcPts val="0"/>
-              </a:spcAft>
-              <a:buSzPts val="1100"/>
+              <a:spcBef>
+                <a:spcPts val="0"/>
+              </a:spcBef>
+              <a:spcAft>
+                <a:spcPts val="0"/>
+              </a:spcAft>
               <a:buNone/>
             </a:pPr>
             <a:r>
@@ -1067,7 +1047,7 @@
   <p:cSld>
     <p:spTree>
       <p:nvGrpSpPr>
-        <p:cNvPr id="67" name="Shape 67"/>
+        <p:cNvPr id="82" name="Shape 82"/>
         <p:cNvGrpSpPr/>
         <p:nvPr/>
       </p:nvGrpSpPr>
@@ -1081,7 +1061,7 @@
       </p:grpSpPr>
       <p:sp>
         <p:nvSpPr>
-          <p:cNvPr id="68" name="Google Shape;68;gb1c4bae67f_0_28:notes"/>
+          <p:cNvPr id="83" name="Google Shape;83;gb23f527fdf_0_19:notes"/>
           <p:cNvSpPr/>
           <p:nvPr>
             <p:ph idx="2" type="sldImg"/>
@@ -1116,7 +1096,7 @@
       </p:sp>
       <p:sp>
         <p:nvSpPr>
-          <p:cNvPr id="69" name="Google Shape;69;gb1c4bae67f_0_28:notes"/>
+          <p:cNvPr id="84" name="Google Shape;84;gb23f527fdf_0_19:notes"/>
           <p:cNvSpPr txBox="1"/>
           <p:nvPr>
             <p:ph idx="1" type="body"/>
@@ -1166,7 +1146,7 @@
   <p:cSld>
     <p:spTree>
       <p:nvGrpSpPr>
-        <p:cNvPr id="80" name="Shape 80"/>
+        <p:cNvPr id="109" name="Shape 109"/>
         <p:cNvGrpSpPr/>
         <p:nvPr/>
       </p:nvGrpSpPr>
@@ -1180,7 +1160,7 @@
       </p:grpSpPr>
       <p:sp>
         <p:nvSpPr>
-          <p:cNvPr id="81" name="Google Shape;81;p3:notes"/>
+          <p:cNvPr id="110" name="Google Shape;110;gb23f527fdf_0_53:notes"/>
           <p:cNvSpPr/>
           <p:nvPr>
             <p:ph idx="2" type="sldImg"/>
@@ -1211,21 +1191,11 @@
               </a:path>
             </a:pathLst>
           </a:custGeom>
-          <a:noFill/>
-          <a:ln cap="flat" cmpd="sng" w="9525">
-            <a:solidFill>
-              <a:srgbClr val="000000"/>
-            </a:solidFill>
-            <a:prstDash val="solid"/>
-            <a:round/>
-            <a:headEnd len="sm" w="sm" type="none"/>
-            <a:tailEnd len="sm" w="sm" type="none"/>
-          </a:ln>
         </p:spPr>
       </p:sp>
       <p:sp>
         <p:nvSpPr>
-          <p:cNvPr id="82" name="Google Shape;82;p3:notes"/>
+          <p:cNvPr id="111" name="Google Shape;111;gb23f527fdf_0_53:notes"/>
           <p:cNvSpPr txBox="1"/>
           <p:nvPr>
             <p:ph idx="1" type="body"/>
@@ -1239,10 +1209,6 @@
           <a:prstGeom prst="rect">
             <a:avLst/>
           </a:prstGeom>
-          <a:noFill/>
-          <a:ln>
-            <a:noFill/>
-          </a:ln>
         </p:spPr>
         <p:txBody>
           <a:bodyPr anchorCtr="0" anchor="t" bIns="91425" lIns="91425" spcFirstLastPara="1" rIns="91425" wrap="square" tIns="91425">
@@ -1251,16 +1217,12 @@
           <a:lstStyle/>
           <a:p>
             <a:pPr indent="0" lvl="0" marL="0" rtl="0" algn="l">
-              <a:lnSpc>
-                <a:spcPct val="100000"/>
-              </a:lnSpc>
-              <a:spcBef>
-                <a:spcPts val="0"/>
-              </a:spcBef>
-              <a:spcAft>
-                <a:spcPts val="0"/>
-              </a:spcAft>
-              <a:buSzPts val="1100"/>
+              <a:spcBef>
+                <a:spcPts val="0"/>
+              </a:spcBef>
+              <a:spcAft>
+                <a:spcPts val="0"/>
+              </a:spcAft>
               <a:buNone/>
             </a:pPr>
             <a:r>
@@ -1283,7 +1245,7 @@
   <p:cSld>
     <p:spTree>
       <p:nvGrpSpPr>
-        <p:cNvPr id="92" name="Shape 92"/>
+        <p:cNvPr id="134" name="Shape 134"/>
         <p:cNvGrpSpPr/>
         <p:nvPr/>
       </p:nvGrpSpPr>
@@ -1297,7 +1259,7 @@
       </p:grpSpPr>
       <p:sp>
         <p:nvSpPr>
-          <p:cNvPr id="93" name="Google Shape;93;gb1c4bae67f_0_45:notes"/>
+          <p:cNvPr id="135" name="Google Shape;135;gb23f527fdf_0_86:notes"/>
           <p:cNvSpPr/>
           <p:nvPr>
             <p:ph idx="2" type="sldImg"/>
@@ -1332,7 +1294,7 @@
       </p:sp>
       <p:sp>
         <p:nvSpPr>
-          <p:cNvPr id="94" name="Google Shape;94;gb1c4bae67f_0_45:notes"/>
+          <p:cNvPr id="136" name="Google Shape;136;gb23f527fdf_0_86:notes"/>
           <p:cNvSpPr txBox="1"/>
           <p:nvPr>
             <p:ph idx="1" type="body"/>
@@ -1382,7 +1344,7 @@
   <p:cSld>
     <p:spTree>
       <p:nvGrpSpPr>
-        <p:cNvPr id="105" name="Shape 105"/>
+        <p:cNvPr id="147" name="Shape 147"/>
         <p:cNvGrpSpPr/>
         <p:nvPr/>
       </p:nvGrpSpPr>
@@ -1396,7 +1358,7 @@
       </p:grpSpPr>
       <p:sp>
         <p:nvSpPr>
-          <p:cNvPr id="106" name="Google Shape;106;p4:notes"/>
+          <p:cNvPr id="148" name="Google Shape;148;gb23f528142_1_34:notes"/>
           <p:cNvSpPr/>
           <p:nvPr>
             <p:ph idx="2" type="sldImg"/>
@@ -1427,227 +1389,11 @@
               </a:path>
             </a:pathLst>
           </a:custGeom>
-          <a:noFill/>
-          <a:ln cap="flat" cmpd="sng" w="9525">
-            <a:solidFill>
-              <a:srgbClr val="000000"/>
-            </a:solidFill>
-            <a:prstDash val="solid"/>
-            <a:round/>
-            <a:headEnd len="sm" w="sm" type="none"/>
-            <a:tailEnd len="sm" w="sm" type="none"/>
-          </a:ln>
         </p:spPr>
       </p:sp>
       <p:sp>
         <p:nvSpPr>
-          <p:cNvPr id="107" name="Google Shape;107;p4:notes"/>
-          <p:cNvSpPr txBox="1"/>
-          <p:nvPr>
-            <p:ph idx="1" type="body"/>
-          </p:nvPr>
-        </p:nvSpPr>
-        <p:spPr>
-          <a:xfrm>
-            <a:off x="685800" y="4343400"/>
-            <a:ext cx="5486400" cy="4114800"/>
-          </a:xfrm>
-          <a:prstGeom prst="rect">
-            <a:avLst/>
-          </a:prstGeom>
-          <a:noFill/>
-          <a:ln>
-            <a:noFill/>
-          </a:ln>
-        </p:spPr>
-        <p:txBody>
-          <a:bodyPr anchorCtr="0" anchor="t" bIns="91425" lIns="91425" spcFirstLastPara="1" rIns="91425" wrap="square" tIns="91425">
-            <a:noAutofit/>
-          </a:bodyPr>
-          <a:lstStyle/>
-          <a:p>
-            <a:pPr indent="0" lvl="0" marL="0" rtl="0" algn="l">
-              <a:lnSpc>
-                <a:spcPct val="100000"/>
-              </a:lnSpc>
-              <a:spcBef>
-                <a:spcPts val="0"/>
-              </a:spcBef>
-              <a:spcAft>
-                <a:spcPts val="0"/>
-              </a:spcAft>
-              <a:buSzPts val="1100"/>
-              <a:buNone/>
-            </a:pPr>
-            <a:r>
-              <a:t/>
-            </a:r>
-            <a:endParaRPr/>
-          </a:p>
-        </p:txBody>
-      </p:sp>
-    </p:spTree>
-  </p:cSld>
-  <p:clrMapOvr>
-    <a:masterClrMapping/>
-  </p:clrMapOvr>
-</p:notes>
-</file>
-
-<file path=ppt/notesSlides/notesSlide7.xml><?xml version="1.0" encoding="utf-8"?>
-<p:notes xmlns:a="http://schemas.openxmlformats.org/drawingml/2006/main" xmlns:r="http://schemas.openxmlformats.org/officeDocument/2006/relationships" xmlns:mc="http://schemas.openxmlformats.org/markup-compatibility/2006" xmlns:mv="urn:schemas-microsoft-com:mac:vml" xmlns:p="http://schemas.openxmlformats.org/presentationml/2006/main" xmlns:c="http://schemas.openxmlformats.org/drawingml/2006/chart" xmlns:dgm="http://schemas.openxmlformats.org/drawingml/2006/diagram" xmlns:o="urn:schemas-microsoft-com:office:office" xmlns:v="urn:schemas-microsoft-com:vml" xmlns:pvml="urn:schemas-microsoft-com:office:powerpoint" xmlns:com="http://schemas.openxmlformats.org/drawingml/2006/compatibility" xmlns:p14="http://schemas.microsoft.com/office/powerpoint/2010/main" xmlns:p15="http://schemas.microsoft.com/office/powerpoint/2012/main" xmlns:ahyp="http://schemas.microsoft.com/office/drawing/2018/hyperlinkcolor" showMasterPhAnim="0" showMasterSp="0">
-  <p:cSld>
-    <p:spTree>
-      <p:nvGrpSpPr>
-        <p:cNvPr id="113" name="Shape 113"/>
-        <p:cNvGrpSpPr/>
-        <p:nvPr/>
-      </p:nvGrpSpPr>
-      <p:grpSpPr>
-        <a:xfrm>
-          <a:off x="0" y="0"/>
-          <a:ext cx="0" cy="0"/>
-          <a:chOff x="0" y="0"/>
-          <a:chExt cx="0" cy="0"/>
-        </a:xfrm>
-      </p:grpSpPr>
-      <p:sp>
-        <p:nvSpPr>
-          <p:cNvPr id="114" name="Google Shape;114;gb1c4bae67f_0_58:notes"/>
-          <p:cNvSpPr/>
-          <p:nvPr>
-            <p:ph idx="2" type="sldImg"/>
-          </p:nvPr>
-        </p:nvSpPr>
-        <p:spPr>
-          <a:xfrm>
-            <a:off x="381300" y="685800"/>
-            <a:ext cx="6096000" cy="3429000"/>
-          </a:xfrm>
-          <a:custGeom>
-            <a:rect b="b" l="l" r="r" t="t"/>
-            <a:pathLst>
-              <a:path extrusionOk="0" h="120000" w="120000">
-                <a:moveTo>
-                  <a:pt x="0" y="0"/>
-                </a:moveTo>
-                <a:lnTo>
-                  <a:pt x="120000" y="0"/>
-                </a:lnTo>
-                <a:lnTo>
-                  <a:pt x="120000" y="120000"/>
-                </a:lnTo>
-                <a:lnTo>
-                  <a:pt x="0" y="120000"/>
-                </a:lnTo>
-                <a:close/>
-              </a:path>
-            </a:pathLst>
-          </a:custGeom>
-        </p:spPr>
-      </p:sp>
-      <p:sp>
-        <p:nvSpPr>
-          <p:cNvPr id="115" name="Google Shape;115;gb1c4bae67f_0_58:notes"/>
-          <p:cNvSpPr txBox="1"/>
-          <p:nvPr>
-            <p:ph idx="1" type="body"/>
-          </p:nvPr>
-        </p:nvSpPr>
-        <p:spPr>
-          <a:xfrm>
-            <a:off x="685800" y="4343400"/>
-            <a:ext cx="5486400" cy="4114800"/>
-          </a:xfrm>
-          <a:prstGeom prst="rect">
-            <a:avLst/>
-          </a:prstGeom>
-        </p:spPr>
-        <p:txBody>
-          <a:bodyPr anchorCtr="0" anchor="t" bIns="91425" lIns="91425" spcFirstLastPara="1" rIns="91425" wrap="square" tIns="91425">
-            <a:noAutofit/>
-          </a:bodyPr>
-          <a:lstStyle/>
-          <a:p>
-            <a:pPr indent="0" lvl="0" marL="0" rtl="0" algn="l">
-              <a:spcBef>
-                <a:spcPts val="0"/>
-              </a:spcBef>
-              <a:spcAft>
-                <a:spcPts val="0"/>
-              </a:spcAft>
-              <a:buNone/>
-            </a:pPr>
-            <a:r>
-              <a:t/>
-            </a:r>
-            <a:endParaRPr/>
-          </a:p>
-        </p:txBody>
-      </p:sp>
-    </p:spTree>
-  </p:cSld>
-  <p:clrMapOvr>
-    <a:masterClrMapping/>
-  </p:clrMapOvr>
-</p:notes>
-</file>
-
-<file path=ppt/notesSlides/notesSlide8.xml><?xml version="1.0" encoding="utf-8"?>
-<p:notes xmlns:a="http://schemas.openxmlformats.org/drawingml/2006/main" xmlns:r="http://schemas.openxmlformats.org/officeDocument/2006/relationships" xmlns:mc="http://schemas.openxmlformats.org/markup-compatibility/2006" xmlns:mv="urn:schemas-microsoft-com:mac:vml" xmlns:p="http://schemas.openxmlformats.org/presentationml/2006/main" xmlns:c="http://schemas.openxmlformats.org/drawingml/2006/chart" xmlns:dgm="http://schemas.openxmlformats.org/drawingml/2006/diagram" xmlns:o="urn:schemas-microsoft-com:office:office" xmlns:v="urn:schemas-microsoft-com:vml" xmlns:pvml="urn:schemas-microsoft-com:office:powerpoint" xmlns:com="http://schemas.openxmlformats.org/drawingml/2006/compatibility" xmlns:p14="http://schemas.microsoft.com/office/powerpoint/2010/main" xmlns:p15="http://schemas.microsoft.com/office/powerpoint/2012/main" xmlns:ahyp="http://schemas.microsoft.com/office/drawing/2018/hyperlinkcolor" showMasterPhAnim="0" showMasterSp="0">
-  <p:cSld>
-    <p:spTree>
-      <p:nvGrpSpPr>
-        <p:cNvPr id="123" name="Shape 123"/>
-        <p:cNvGrpSpPr/>
-        <p:nvPr/>
-      </p:nvGrpSpPr>
-      <p:grpSpPr>
-        <a:xfrm>
-          <a:off x="0" y="0"/>
-          <a:ext cx="0" cy="0"/>
-          <a:chOff x="0" y="0"/>
-          <a:chExt cx="0" cy="0"/>
-        </a:xfrm>
-      </p:grpSpPr>
-      <p:sp>
-        <p:nvSpPr>
-          <p:cNvPr id="124" name="Google Shape;124;gb1c4bae67f_0_75:notes"/>
-          <p:cNvSpPr/>
-          <p:nvPr>
-            <p:ph idx="2" type="sldImg"/>
-          </p:nvPr>
-        </p:nvSpPr>
-        <p:spPr>
-          <a:xfrm>
-            <a:off x="381300" y="685800"/>
-            <a:ext cx="6096000" cy="3429000"/>
-          </a:xfrm>
-          <a:custGeom>
-            <a:rect b="b" l="l" r="r" t="t"/>
-            <a:pathLst>
-              <a:path extrusionOk="0" h="120000" w="120000">
-                <a:moveTo>
-                  <a:pt x="0" y="0"/>
-                </a:moveTo>
-                <a:lnTo>
-                  <a:pt x="120000" y="0"/>
-                </a:lnTo>
-                <a:lnTo>
-                  <a:pt x="120000" y="120000"/>
-                </a:lnTo>
-                <a:lnTo>
-                  <a:pt x="0" y="120000"/>
-                </a:lnTo>
-                <a:close/>
-              </a:path>
-            </a:pathLst>
-          </a:custGeom>
-        </p:spPr>
-      </p:sp>
-      <p:sp>
-        <p:nvSpPr>
-          <p:cNvPr id="125" name="Google Shape;125;gb1c4bae67f_0_75:notes"/>
+          <p:cNvPr id="149" name="Google Shape;149;gb23f528142_1_34:notes"/>
           <p:cNvSpPr txBox="1"/>
           <p:nvPr>
             <p:ph idx="1" type="body"/>
@@ -9433,8 +9179,8 @@
         </p:nvSpPr>
         <p:spPr>
           <a:xfrm>
-            <a:off x="402825" y="1141500"/>
-            <a:ext cx="1128000" cy="537300"/>
+            <a:off x="-80625" y="-183800"/>
+            <a:ext cx="1450500" cy="537300"/>
           </a:xfrm>
           <a:prstGeom prst="rect">
             <a:avLst/>
@@ -9468,16 +9214,8 @@
               <a:buNone/>
             </a:pPr>
             <a:r>
-              <a:rPr b="0" i="0" lang="en" sz="1400" u="none" cap="none" strike="noStrike">
-                <a:solidFill>
-                  <a:srgbClr val="000000"/>
-                </a:solidFill>
-                <a:latin typeface="Arial"/>
-                <a:ea typeface="Arial"/>
-                <a:cs typeface="Arial"/>
-                <a:sym typeface="Arial"/>
-              </a:rPr>
-              <a:t>Add yard</a:t>
+              <a:rPr lang="en"/>
+              <a:t>Add and edit yard</a:t>
             </a:r>
             <a:endParaRPr b="0" i="0" sz="1400" u="none" cap="none" strike="noStrike">
               <a:solidFill>
@@ -9499,8 +9237,755 @@
         </p:nvSpPr>
         <p:spPr>
           <a:xfrm>
-            <a:off x="308925" y="1742475"/>
+            <a:off x="0" y="353500"/>
             <a:ext cx="2121900" cy="1282500"/>
+          </a:xfrm>
+          <a:prstGeom prst="roundRect">
+            <a:avLst>
+              <a:gd fmla="val 16667" name="adj"/>
+            </a:avLst>
+          </a:prstGeom>
+          <a:solidFill>
+            <a:srgbClr val="6AA84F"/>
+          </a:solidFill>
+          <a:ln cap="flat" cmpd="sng" w="9525">
+            <a:solidFill>
+              <a:srgbClr val="595959"/>
+            </a:solidFill>
+            <a:prstDash val="solid"/>
+            <a:round/>
+            <a:headEnd len="sm" w="sm" type="none"/>
+            <a:tailEnd len="sm" w="sm" type="none"/>
+          </a:ln>
+        </p:spPr>
+        <p:txBody>
+          <a:bodyPr anchorCtr="0" anchor="ctr" bIns="91425" lIns="91425" spcFirstLastPara="1" rIns="91425" wrap="square" tIns="91425">
+            <a:noAutofit/>
+          </a:bodyPr>
+          <a:lstStyle/>
+          <a:p>
+            <a:pPr indent="0" lvl="0" marL="0" marR="0" rtl="0" algn="l">
+              <a:lnSpc>
+                <a:spcPct val="100000"/>
+              </a:lnSpc>
+              <a:spcBef>
+                <a:spcPts val="0"/>
+              </a:spcBef>
+              <a:spcAft>
+                <a:spcPts val="0"/>
+              </a:spcAft>
+              <a:buClr>
+                <a:srgbClr val="000000"/>
+              </a:buClr>
+              <a:buSzPts val="1400"/>
+              <a:buFont typeface="Arial"/>
+              <a:buNone/>
+            </a:pPr>
+            <a:r>
+              <a:rPr lang="en"/>
+              <a:t>Enter the yard parameters.</a:t>
+            </a:r>
+            <a:endParaRPr b="0" i="0" sz="1400" u="none" cap="none" strike="noStrike">
+              <a:solidFill>
+                <a:srgbClr val="000000"/>
+              </a:solidFill>
+              <a:latin typeface="Arial"/>
+              <a:ea typeface="Arial"/>
+              <a:cs typeface="Arial"/>
+              <a:sym typeface="Arial"/>
+            </a:endParaRPr>
+          </a:p>
+        </p:txBody>
+      </p:sp>
+      <p:cxnSp>
+        <p:nvCxnSpPr>
+          <p:cNvPr id="61" name="Google Shape;61;p14"/>
+          <p:cNvCxnSpPr>
+            <a:stCxn id="60" idx="3"/>
+            <a:endCxn id="62" idx="1"/>
+          </p:cNvCxnSpPr>
+          <p:nvPr/>
+        </p:nvCxnSpPr>
+        <p:spPr>
+          <a:xfrm flipH="1" rot="10800000">
+            <a:off x="2121900" y="920950"/>
+            <a:ext cx="684900" cy="73800"/>
+          </a:xfrm>
+          <a:prstGeom prst="straightConnector1">
+            <a:avLst/>
+          </a:prstGeom>
+          <a:noFill/>
+          <a:ln cap="flat" cmpd="sng" w="9525">
+            <a:solidFill>
+              <a:srgbClr val="595959"/>
+            </a:solidFill>
+            <a:prstDash val="solid"/>
+            <a:round/>
+            <a:headEnd len="sm" w="sm" type="none"/>
+            <a:tailEnd len="med" w="med" type="triangle"/>
+          </a:ln>
+        </p:spPr>
+      </p:cxnSp>
+      <p:sp>
+        <p:nvSpPr>
+          <p:cNvPr id="63" name="Google Shape;63;p14"/>
+          <p:cNvSpPr/>
+          <p:nvPr/>
+        </p:nvSpPr>
+        <p:spPr>
+          <a:xfrm>
+            <a:off x="5367350" y="2230050"/>
+            <a:ext cx="786000" cy="1057200"/>
+          </a:xfrm>
+          <a:prstGeom prst="can">
+            <a:avLst>
+              <a:gd fmla="val 25000" name="adj"/>
+            </a:avLst>
+          </a:prstGeom>
+          <a:solidFill>
+            <a:srgbClr val="A4C2F4"/>
+          </a:solidFill>
+          <a:ln cap="flat" cmpd="sng" w="9525">
+            <a:solidFill>
+              <a:srgbClr val="595959"/>
+            </a:solidFill>
+            <a:prstDash val="solid"/>
+            <a:round/>
+            <a:headEnd len="sm" w="sm" type="none"/>
+            <a:tailEnd len="sm" w="sm" type="none"/>
+          </a:ln>
+        </p:spPr>
+        <p:txBody>
+          <a:bodyPr anchorCtr="0" anchor="ctr" bIns="91425" lIns="91425" spcFirstLastPara="1" rIns="91425" wrap="square" tIns="91425">
+            <a:noAutofit/>
+          </a:bodyPr>
+          <a:lstStyle/>
+          <a:p>
+            <a:pPr indent="0" lvl="0" marL="0" marR="0" rtl="0" algn="ctr">
+              <a:lnSpc>
+                <a:spcPct val="100000"/>
+              </a:lnSpc>
+              <a:spcBef>
+                <a:spcPts val="0"/>
+              </a:spcBef>
+              <a:spcAft>
+                <a:spcPts val="0"/>
+              </a:spcAft>
+              <a:buClr>
+                <a:srgbClr val="000000"/>
+              </a:buClr>
+              <a:buSzPts val="1400"/>
+              <a:buFont typeface="Arial"/>
+              <a:buNone/>
+            </a:pPr>
+            <a:r>
+              <a:rPr b="0" i="0" lang="en" sz="1400" u="none" cap="none" strike="noStrike">
+                <a:solidFill>
+                  <a:srgbClr val="000000"/>
+                </a:solidFill>
+                <a:latin typeface="Arial"/>
+                <a:ea typeface="Arial"/>
+                <a:cs typeface="Arial"/>
+                <a:sym typeface="Arial"/>
+              </a:rPr>
+              <a:t>DB</a:t>
+            </a:r>
+            <a:endParaRPr b="0" i="0" sz="1400" u="none" cap="none" strike="noStrike">
+              <a:solidFill>
+                <a:srgbClr val="000000"/>
+              </a:solidFill>
+              <a:latin typeface="Arial"/>
+              <a:ea typeface="Arial"/>
+              <a:cs typeface="Arial"/>
+              <a:sym typeface="Arial"/>
+            </a:endParaRPr>
+          </a:p>
+        </p:txBody>
+      </p:sp>
+      <p:sp>
+        <p:nvSpPr>
+          <p:cNvPr id="64" name="Google Shape;64;p14"/>
+          <p:cNvSpPr/>
+          <p:nvPr/>
+        </p:nvSpPr>
+        <p:spPr>
+          <a:xfrm>
+            <a:off x="6453050" y="441775"/>
+            <a:ext cx="2003700" cy="1057200"/>
+          </a:xfrm>
+          <a:prstGeom prst="roundRect">
+            <a:avLst>
+              <a:gd fmla="val 16667" name="adj"/>
+            </a:avLst>
+          </a:prstGeom>
+          <a:solidFill>
+            <a:srgbClr val="6AA84F"/>
+          </a:solidFill>
+          <a:ln cap="flat" cmpd="sng" w="9525">
+            <a:solidFill>
+              <a:srgbClr val="595959"/>
+            </a:solidFill>
+            <a:prstDash val="solid"/>
+            <a:round/>
+            <a:headEnd len="sm" w="sm" type="none"/>
+            <a:tailEnd len="sm" w="sm" type="none"/>
+          </a:ln>
+        </p:spPr>
+        <p:txBody>
+          <a:bodyPr anchorCtr="0" anchor="ctr" bIns="91425" lIns="91425" spcFirstLastPara="1" rIns="91425" wrap="square" tIns="91425">
+            <a:noAutofit/>
+          </a:bodyPr>
+          <a:lstStyle/>
+          <a:p>
+            <a:pPr indent="0" lvl="0" marL="0" rtl="0" algn="l">
+              <a:spcBef>
+                <a:spcPts val="0"/>
+              </a:spcBef>
+              <a:spcAft>
+                <a:spcPts val="0"/>
+              </a:spcAft>
+              <a:buNone/>
+            </a:pPr>
+            <a:r>
+              <a:rPr lang="en"/>
+              <a:t>Error message with name “yard already exists”</a:t>
+            </a:r>
+            <a:r>
+              <a:rPr lang="en"/>
+              <a:t> </a:t>
+            </a:r>
+            <a:endParaRPr/>
+          </a:p>
+        </p:txBody>
+      </p:sp>
+      <p:cxnSp>
+        <p:nvCxnSpPr>
+          <p:cNvPr id="65" name="Google Shape;65;p14"/>
+          <p:cNvCxnSpPr>
+            <a:stCxn id="62" idx="3"/>
+            <a:endCxn id="64" idx="1"/>
+          </p:cNvCxnSpPr>
+          <p:nvPr/>
+        </p:nvCxnSpPr>
+        <p:spPr>
+          <a:xfrm>
+            <a:off x="5502350" y="920825"/>
+            <a:ext cx="950700" cy="49500"/>
+          </a:xfrm>
+          <a:prstGeom prst="straightConnector1">
+            <a:avLst/>
+          </a:prstGeom>
+          <a:noFill/>
+          <a:ln cap="flat" cmpd="sng" w="9525">
+            <a:solidFill>
+              <a:srgbClr val="595959"/>
+            </a:solidFill>
+            <a:prstDash val="solid"/>
+            <a:round/>
+            <a:headEnd len="med" w="med" type="none"/>
+            <a:tailEnd len="med" w="med" type="triangle"/>
+          </a:ln>
+        </p:spPr>
+      </p:cxnSp>
+      <p:sp>
+        <p:nvSpPr>
+          <p:cNvPr id="66" name="Google Shape;66;p14"/>
+          <p:cNvSpPr txBox="1"/>
+          <p:nvPr/>
+        </p:nvSpPr>
+        <p:spPr>
+          <a:xfrm>
+            <a:off x="5711500" y="362875"/>
+            <a:ext cx="684900" cy="410100"/>
+          </a:xfrm>
+          <a:prstGeom prst="rect">
+            <a:avLst/>
+          </a:prstGeom>
+          <a:noFill/>
+          <a:ln>
+            <a:noFill/>
+          </a:ln>
+        </p:spPr>
+        <p:txBody>
+          <a:bodyPr anchorCtr="0" anchor="t" bIns="91425" lIns="91425" spcFirstLastPara="1" rIns="91425" wrap="square" tIns="91425">
+            <a:noAutofit/>
+          </a:bodyPr>
+          <a:lstStyle/>
+          <a:p>
+            <a:pPr indent="0" lvl="0" marL="0" rtl="0" algn="l">
+              <a:spcBef>
+                <a:spcPts val="0"/>
+              </a:spcBef>
+              <a:spcAft>
+                <a:spcPts val="0"/>
+              </a:spcAft>
+              <a:buNone/>
+            </a:pPr>
+            <a:r>
+              <a:rPr lang="en"/>
+              <a:t>yes</a:t>
+            </a:r>
+            <a:endParaRPr/>
+          </a:p>
+        </p:txBody>
+      </p:sp>
+      <p:cxnSp>
+        <p:nvCxnSpPr>
+          <p:cNvPr id="67" name="Google Shape;67;p14"/>
+          <p:cNvCxnSpPr>
+            <a:stCxn id="62" idx="2"/>
+            <a:endCxn id="68" idx="0"/>
+          </p:cNvCxnSpPr>
+          <p:nvPr/>
+        </p:nvCxnSpPr>
+        <p:spPr>
+          <a:xfrm flipH="1">
+            <a:off x="4075675" y="1562075"/>
+            <a:ext cx="78900" cy="734400"/>
+          </a:xfrm>
+          <a:prstGeom prst="straightConnector1">
+            <a:avLst/>
+          </a:prstGeom>
+          <a:noFill/>
+          <a:ln cap="flat" cmpd="sng" w="9525">
+            <a:solidFill>
+              <a:srgbClr val="595959"/>
+            </a:solidFill>
+            <a:prstDash val="solid"/>
+            <a:round/>
+            <a:headEnd len="med" w="med" type="none"/>
+            <a:tailEnd len="med" w="med" type="triangle"/>
+          </a:ln>
+        </p:spPr>
+      </p:cxnSp>
+      <p:sp>
+        <p:nvSpPr>
+          <p:cNvPr id="69" name="Google Shape;69;p14"/>
+          <p:cNvSpPr txBox="1"/>
+          <p:nvPr/>
+        </p:nvSpPr>
+        <p:spPr>
+          <a:xfrm>
+            <a:off x="4154575" y="1660618"/>
+            <a:ext cx="567900" cy="537300"/>
+          </a:xfrm>
+          <a:prstGeom prst="rect">
+            <a:avLst/>
+          </a:prstGeom>
+          <a:noFill/>
+          <a:ln>
+            <a:noFill/>
+          </a:ln>
+        </p:spPr>
+        <p:txBody>
+          <a:bodyPr anchorCtr="0" anchor="t" bIns="91425" lIns="91425" spcFirstLastPara="1" rIns="91425" wrap="square" tIns="91425">
+            <a:noAutofit/>
+          </a:bodyPr>
+          <a:lstStyle/>
+          <a:p>
+            <a:pPr indent="0" lvl="0" marL="0" rtl="0" algn="l">
+              <a:spcBef>
+                <a:spcPts val="0"/>
+              </a:spcBef>
+              <a:spcAft>
+                <a:spcPts val="0"/>
+              </a:spcAft>
+              <a:buNone/>
+            </a:pPr>
+            <a:r>
+              <a:rPr lang="en"/>
+              <a:t>no</a:t>
+            </a:r>
+            <a:endParaRPr/>
+          </a:p>
+        </p:txBody>
+      </p:sp>
+      <p:sp>
+        <p:nvSpPr>
+          <p:cNvPr id="70" name="Google Shape;70;p14"/>
+          <p:cNvSpPr/>
+          <p:nvPr/>
+        </p:nvSpPr>
+        <p:spPr>
+          <a:xfrm>
+            <a:off x="120225" y="3616200"/>
+            <a:ext cx="2242800" cy="1396800"/>
+          </a:xfrm>
+          <a:prstGeom prst="roundRect">
+            <a:avLst>
+              <a:gd fmla="val 16667" name="adj"/>
+            </a:avLst>
+          </a:prstGeom>
+          <a:solidFill>
+            <a:srgbClr val="6AA84F"/>
+          </a:solidFill>
+          <a:ln cap="flat" cmpd="sng" w="9525">
+            <a:solidFill>
+              <a:srgbClr val="595959"/>
+            </a:solidFill>
+            <a:prstDash val="solid"/>
+            <a:round/>
+            <a:headEnd len="sm" w="sm" type="none"/>
+            <a:tailEnd len="sm" w="sm" type="none"/>
+          </a:ln>
+        </p:spPr>
+        <p:txBody>
+          <a:bodyPr anchorCtr="0" anchor="ctr" bIns="91425" lIns="91425" spcFirstLastPara="1" rIns="91425" wrap="square" tIns="91425">
+            <a:noAutofit/>
+          </a:bodyPr>
+          <a:lstStyle/>
+          <a:p>
+            <a:pPr indent="0" lvl="0" marL="0" marR="0" rtl="0" algn="l">
+              <a:lnSpc>
+                <a:spcPct val="100000"/>
+              </a:lnSpc>
+              <a:spcBef>
+                <a:spcPts val="0"/>
+              </a:spcBef>
+              <a:spcAft>
+                <a:spcPts val="0"/>
+              </a:spcAft>
+              <a:buClr>
+                <a:srgbClr val="000000"/>
+              </a:buClr>
+              <a:buSzPts val="1400"/>
+              <a:buFont typeface="Arial"/>
+              <a:buNone/>
+            </a:pPr>
+            <a:r>
+              <a:rPr lang="en"/>
+              <a:t>Edit the yard parameters</a:t>
+            </a:r>
+            <a:endParaRPr b="0" i="0" sz="1400" u="none" cap="none" strike="noStrike">
+              <a:solidFill>
+                <a:srgbClr val="000000"/>
+              </a:solidFill>
+              <a:latin typeface="Arial"/>
+              <a:ea typeface="Arial"/>
+              <a:cs typeface="Arial"/>
+              <a:sym typeface="Arial"/>
+            </a:endParaRPr>
+          </a:p>
+        </p:txBody>
+      </p:sp>
+      <p:sp>
+        <p:nvSpPr>
+          <p:cNvPr id="62" name="Google Shape;62;p14"/>
+          <p:cNvSpPr/>
+          <p:nvPr/>
+        </p:nvSpPr>
+        <p:spPr>
+          <a:xfrm>
+            <a:off x="2806800" y="279575"/>
+            <a:ext cx="2695550" cy="1282500"/>
+          </a:xfrm>
+          <a:prstGeom prst="flowChartDecision">
+            <a:avLst/>
+          </a:prstGeom>
+          <a:solidFill>
+            <a:srgbClr val="6D9EEB"/>
+          </a:solidFill>
+          <a:ln cap="flat" cmpd="sng" w="9525">
+            <a:solidFill>
+              <a:srgbClr val="595959"/>
+            </a:solidFill>
+            <a:prstDash val="solid"/>
+            <a:round/>
+            <a:headEnd len="sm" w="sm" type="none"/>
+            <a:tailEnd len="sm" w="sm" type="none"/>
+          </a:ln>
+        </p:spPr>
+        <p:txBody>
+          <a:bodyPr anchorCtr="0" anchor="ctr" bIns="91425" lIns="91425" spcFirstLastPara="1" rIns="91425" wrap="square" tIns="91425">
+            <a:noAutofit/>
+          </a:bodyPr>
+          <a:lstStyle/>
+          <a:p>
+            <a:pPr indent="0" lvl="0" marL="0" rtl="0" algn="l">
+              <a:spcBef>
+                <a:spcPts val="0"/>
+              </a:spcBef>
+              <a:spcAft>
+                <a:spcPts val="0"/>
+              </a:spcAft>
+              <a:buNone/>
+            </a:pPr>
+            <a:r>
+              <a:rPr lang="en"/>
+              <a:t>yard</a:t>
+            </a:r>
+            <a:r>
+              <a:rPr lang="en"/>
+              <a:t> name already exists and active</a:t>
+            </a:r>
+            <a:endParaRPr/>
+          </a:p>
+        </p:txBody>
+      </p:sp>
+      <p:sp>
+        <p:nvSpPr>
+          <p:cNvPr id="71" name="Google Shape;71;p14"/>
+          <p:cNvSpPr/>
+          <p:nvPr/>
+        </p:nvSpPr>
+        <p:spPr>
+          <a:xfrm>
+            <a:off x="7250700" y="2153950"/>
+            <a:ext cx="1893300" cy="1396800"/>
+          </a:xfrm>
+          <a:prstGeom prst="roundRect">
+            <a:avLst>
+              <a:gd fmla="val 16667" name="adj"/>
+            </a:avLst>
+          </a:prstGeom>
+          <a:solidFill>
+            <a:srgbClr val="6AA84F"/>
+          </a:solidFill>
+          <a:ln cap="flat" cmpd="sng" w="9525">
+            <a:solidFill>
+              <a:srgbClr val="595959"/>
+            </a:solidFill>
+            <a:prstDash val="solid"/>
+            <a:round/>
+            <a:headEnd len="sm" w="sm" type="none"/>
+            <a:tailEnd len="sm" w="sm" type="none"/>
+          </a:ln>
+        </p:spPr>
+        <p:txBody>
+          <a:bodyPr anchorCtr="0" anchor="ctr" bIns="91425" lIns="91425" spcFirstLastPara="1" rIns="91425" wrap="square" tIns="91425">
+            <a:noAutofit/>
+          </a:bodyPr>
+          <a:lstStyle/>
+          <a:p>
+            <a:pPr indent="0" lvl="0" marL="0" rtl="0" algn="l">
+              <a:spcBef>
+                <a:spcPts val="0"/>
+              </a:spcBef>
+              <a:spcAft>
+                <a:spcPts val="0"/>
+              </a:spcAft>
+              <a:buNone/>
+            </a:pPr>
+            <a:r>
+              <a:rPr lang="en"/>
+              <a:t>Select the yard, edit the parameters </a:t>
+            </a:r>
+            <a:endParaRPr/>
+          </a:p>
+        </p:txBody>
+      </p:sp>
+      <p:sp>
+        <p:nvSpPr>
+          <p:cNvPr id="68" name="Google Shape;68;p14"/>
+          <p:cNvSpPr/>
+          <p:nvPr/>
+        </p:nvSpPr>
+        <p:spPr>
+          <a:xfrm>
+            <a:off x="3518550" y="2296450"/>
+            <a:ext cx="1114500" cy="1111800"/>
+          </a:xfrm>
+          <a:prstGeom prst="roundRect">
+            <a:avLst>
+              <a:gd fmla="val 16667" name="adj"/>
+            </a:avLst>
+          </a:prstGeom>
+          <a:solidFill>
+            <a:srgbClr val="6D9EEB"/>
+          </a:solidFill>
+          <a:ln cap="flat" cmpd="sng" w="9525">
+            <a:solidFill>
+              <a:schemeClr val="dk2"/>
+            </a:solidFill>
+            <a:prstDash val="solid"/>
+            <a:round/>
+            <a:headEnd len="sm" w="sm" type="none"/>
+            <a:tailEnd len="sm" w="sm" type="none"/>
+          </a:ln>
+        </p:spPr>
+        <p:txBody>
+          <a:bodyPr anchorCtr="0" anchor="ctr" bIns="91425" lIns="91425" spcFirstLastPara="1" rIns="91425" wrap="square" tIns="91425">
+            <a:noAutofit/>
+          </a:bodyPr>
+          <a:lstStyle/>
+          <a:p>
+            <a:pPr indent="0" lvl="0" marL="0" rtl="0" algn="l">
+              <a:spcBef>
+                <a:spcPts val="0"/>
+              </a:spcBef>
+              <a:spcAft>
+                <a:spcPts val="0"/>
+              </a:spcAft>
+              <a:buNone/>
+            </a:pPr>
+            <a:r>
+              <a:rPr lang="en"/>
+              <a:t>Success message “yard is created”</a:t>
+            </a:r>
+            <a:endParaRPr/>
+          </a:p>
+        </p:txBody>
+      </p:sp>
+      <p:cxnSp>
+        <p:nvCxnSpPr>
+          <p:cNvPr id="72" name="Google Shape;72;p14"/>
+          <p:cNvCxnSpPr>
+            <a:stCxn id="68" idx="3"/>
+            <a:endCxn id="63" idx="2"/>
+          </p:cNvCxnSpPr>
+          <p:nvPr/>
+        </p:nvCxnSpPr>
+        <p:spPr>
+          <a:xfrm flipH="1" rot="10800000">
+            <a:off x="4633050" y="2758750"/>
+            <a:ext cx="734400" cy="93600"/>
+          </a:xfrm>
+          <a:prstGeom prst="straightConnector1">
+            <a:avLst/>
+          </a:prstGeom>
+          <a:noFill/>
+          <a:ln cap="flat" cmpd="sng" w="9525">
+            <a:solidFill>
+              <a:schemeClr val="dk2"/>
+            </a:solidFill>
+            <a:prstDash val="solid"/>
+            <a:round/>
+            <a:headEnd len="med" w="med" type="none"/>
+            <a:tailEnd len="med" w="med" type="triangle"/>
+          </a:ln>
+        </p:spPr>
+      </p:cxnSp>
+      <p:sp>
+        <p:nvSpPr>
+          <p:cNvPr id="73" name="Google Shape;73;p14"/>
+          <p:cNvSpPr/>
+          <p:nvPr/>
+        </p:nvSpPr>
+        <p:spPr>
+          <a:xfrm>
+            <a:off x="3464800" y="3840850"/>
+            <a:ext cx="1893300" cy="1057200"/>
+          </a:xfrm>
+          <a:prstGeom prst="flowChartDecision">
+            <a:avLst/>
+          </a:prstGeom>
+          <a:solidFill>
+            <a:srgbClr val="6D9EEB"/>
+          </a:solidFill>
+          <a:ln cap="flat" cmpd="sng" w="9525">
+            <a:solidFill>
+              <a:schemeClr val="dk2"/>
+            </a:solidFill>
+            <a:prstDash val="solid"/>
+            <a:round/>
+            <a:headEnd len="sm" w="sm" type="none"/>
+            <a:tailEnd len="sm" w="sm" type="none"/>
+          </a:ln>
+        </p:spPr>
+        <p:txBody>
+          <a:bodyPr anchorCtr="0" anchor="ctr" bIns="91425" lIns="91425" spcFirstLastPara="1" rIns="91425" wrap="square" tIns="91425">
+            <a:noAutofit/>
+          </a:bodyPr>
+          <a:lstStyle/>
+          <a:p>
+            <a:pPr indent="0" lvl="0" marL="0" rtl="0" algn="l">
+              <a:spcBef>
+                <a:spcPts val="0"/>
+              </a:spcBef>
+              <a:spcAft>
+                <a:spcPts val="0"/>
+              </a:spcAft>
+              <a:buNone/>
+            </a:pPr>
+            <a:r>
+              <a:rPr lang="en"/>
+              <a:t>Edit yard or delete?</a:t>
+            </a:r>
+            <a:endParaRPr/>
+          </a:p>
+        </p:txBody>
+      </p:sp>
+      <p:cxnSp>
+        <p:nvCxnSpPr>
+          <p:cNvPr id="74" name="Google Shape;74;p14"/>
+          <p:cNvCxnSpPr>
+            <a:stCxn id="73" idx="3"/>
+            <a:endCxn id="71" idx="1"/>
+          </p:cNvCxnSpPr>
+          <p:nvPr/>
+        </p:nvCxnSpPr>
+        <p:spPr>
+          <a:xfrm flipH="1" rot="10800000">
+            <a:off x="5358100" y="2852350"/>
+            <a:ext cx="1892700" cy="1517100"/>
+          </a:xfrm>
+          <a:prstGeom prst="straightConnector1">
+            <a:avLst/>
+          </a:prstGeom>
+          <a:noFill/>
+          <a:ln cap="flat" cmpd="sng" w="9525">
+            <a:solidFill>
+              <a:schemeClr val="dk2"/>
+            </a:solidFill>
+            <a:prstDash val="solid"/>
+            <a:round/>
+            <a:headEnd len="med" w="med" type="none"/>
+            <a:tailEnd len="med" w="med" type="triangle"/>
+          </a:ln>
+        </p:spPr>
+      </p:cxnSp>
+      <p:sp>
+        <p:nvSpPr>
+          <p:cNvPr id="75" name="Google Shape;75;p14"/>
+          <p:cNvSpPr txBox="1"/>
+          <p:nvPr/>
+        </p:nvSpPr>
+        <p:spPr>
+          <a:xfrm>
+            <a:off x="5502350" y="3616200"/>
+            <a:ext cx="734400" cy="537300"/>
+          </a:xfrm>
+          <a:prstGeom prst="rect">
+            <a:avLst/>
+          </a:prstGeom>
+          <a:noFill/>
+          <a:ln>
+            <a:noFill/>
+          </a:ln>
+        </p:spPr>
+        <p:txBody>
+          <a:bodyPr anchorCtr="0" anchor="t" bIns="91425" lIns="91425" spcFirstLastPara="1" rIns="91425" wrap="square" tIns="91425">
+            <a:noAutofit/>
+          </a:bodyPr>
+          <a:lstStyle/>
+          <a:p>
+            <a:pPr indent="0" lvl="0" marL="0" rtl="0" algn="l">
+              <a:spcBef>
+                <a:spcPts val="0"/>
+              </a:spcBef>
+              <a:spcAft>
+                <a:spcPts val="0"/>
+              </a:spcAft>
+              <a:buNone/>
+            </a:pPr>
+            <a:r>
+              <a:rPr lang="en"/>
+              <a:t>edit</a:t>
+            </a:r>
+            <a:endParaRPr/>
+          </a:p>
+        </p:txBody>
+      </p:sp>
+      <p:sp>
+        <p:nvSpPr>
+          <p:cNvPr id="76" name="Google Shape;76;p14"/>
+          <p:cNvSpPr/>
+          <p:nvPr/>
+        </p:nvSpPr>
+        <p:spPr>
+          <a:xfrm>
+            <a:off x="7184775" y="4002000"/>
+            <a:ext cx="1893300" cy="1057200"/>
           </a:xfrm>
           <a:prstGeom prst="roundRect">
             <a:avLst>
@@ -9526,34 +10011,251 @@
           </a:bodyPr>
           <a:lstStyle/>
           <a:p>
-            <a:pPr indent="0" lvl="0" marL="0" marR="0" rtl="0" algn="l">
-              <a:lnSpc>
-                <a:spcPct val="100000"/>
-              </a:lnSpc>
-              <a:spcBef>
-                <a:spcPts val="0"/>
-              </a:spcBef>
-              <a:spcAft>
-                <a:spcPts val="0"/>
-              </a:spcAft>
-              <a:buClr>
-                <a:srgbClr val="000000"/>
-              </a:buClr>
-              <a:buSzPts val="1400"/>
-              <a:buFont typeface="Arial"/>
+            <a:pPr indent="0" lvl="0" marL="0" rtl="0" algn="l">
+              <a:spcBef>
+                <a:spcPts val="0"/>
+              </a:spcBef>
+              <a:spcAft>
+                <a:spcPts val="0"/>
+              </a:spcAft>
               <a:buNone/>
             </a:pPr>
             <a:r>
-              <a:rPr b="0" i="0" lang="en" sz="1400" u="none" cap="none" strike="noStrike">
-                <a:solidFill>
-                  <a:srgbClr val="000000"/>
-                </a:solidFill>
-                <a:latin typeface="Arial"/>
-                <a:ea typeface="Arial"/>
-                <a:cs typeface="Arial"/>
-                <a:sym typeface="Arial"/>
-              </a:rPr>
-              <a:t>User can create a new yard from the UI. This is persisted in the DB</a:t>
+              <a:rPr lang="en"/>
+              <a:t>Delete the yard</a:t>
+            </a:r>
+            <a:endParaRPr/>
+          </a:p>
+        </p:txBody>
+      </p:sp>
+      <p:cxnSp>
+        <p:nvCxnSpPr>
+          <p:cNvPr id="77" name="Google Shape;77;p14"/>
+          <p:cNvCxnSpPr>
+            <a:stCxn id="73" idx="3"/>
+            <a:endCxn id="76" idx="1"/>
+          </p:cNvCxnSpPr>
+          <p:nvPr/>
+        </p:nvCxnSpPr>
+        <p:spPr>
+          <a:xfrm>
+            <a:off x="5358100" y="4369450"/>
+            <a:ext cx="1826700" cy="161100"/>
+          </a:xfrm>
+          <a:prstGeom prst="straightConnector1">
+            <a:avLst/>
+          </a:prstGeom>
+          <a:noFill/>
+          <a:ln cap="flat" cmpd="sng" w="9525">
+            <a:solidFill>
+              <a:schemeClr val="dk2"/>
+            </a:solidFill>
+            <a:prstDash val="solid"/>
+            <a:round/>
+            <a:headEnd len="med" w="med" type="none"/>
+            <a:tailEnd len="med" w="med" type="none"/>
+          </a:ln>
+        </p:spPr>
+      </p:cxnSp>
+      <p:sp>
+        <p:nvSpPr>
+          <p:cNvPr id="78" name="Google Shape;78;p14"/>
+          <p:cNvSpPr txBox="1"/>
+          <p:nvPr/>
+        </p:nvSpPr>
+        <p:spPr>
+          <a:xfrm>
+            <a:off x="6080325" y="4002000"/>
+            <a:ext cx="786000" cy="658200"/>
+          </a:xfrm>
+          <a:prstGeom prst="rect">
+            <a:avLst/>
+          </a:prstGeom>
+          <a:noFill/>
+          <a:ln>
+            <a:noFill/>
+          </a:ln>
+        </p:spPr>
+        <p:txBody>
+          <a:bodyPr anchorCtr="0" anchor="t" bIns="91425" lIns="91425" spcFirstLastPara="1" rIns="91425" wrap="square" tIns="91425">
+            <a:noAutofit/>
+          </a:bodyPr>
+          <a:lstStyle/>
+          <a:p>
+            <a:pPr indent="0" lvl="0" marL="0" rtl="0" algn="l">
+              <a:spcBef>
+                <a:spcPts val="0"/>
+              </a:spcBef>
+              <a:spcAft>
+                <a:spcPts val="0"/>
+              </a:spcAft>
+              <a:buNone/>
+            </a:pPr>
+            <a:r>
+              <a:rPr lang="en"/>
+              <a:t>Delete</a:t>
+            </a:r>
+            <a:endParaRPr/>
+          </a:p>
+        </p:txBody>
+      </p:sp>
+      <p:cxnSp>
+        <p:nvCxnSpPr>
+          <p:cNvPr id="79" name="Google Shape;79;p14"/>
+          <p:cNvCxnSpPr>
+            <a:stCxn id="71" idx="1"/>
+            <a:endCxn id="63" idx="4"/>
+          </p:cNvCxnSpPr>
+          <p:nvPr/>
+        </p:nvCxnSpPr>
+        <p:spPr>
+          <a:xfrm rot="10800000">
+            <a:off x="6153300" y="2758750"/>
+            <a:ext cx="1097400" cy="93600"/>
+          </a:xfrm>
+          <a:prstGeom prst="straightConnector1">
+            <a:avLst/>
+          </a:prstGeom>
+          <a:noFill/>
+          <a:ln cap="flat" cmpd="sng" w="9525">
+            <a:solidFill>
+              <a:schemeClr val="dk2"/>
+            </a:solidFill>
+            <a:prstDash val="solid"/>
+            <a:round/>
+            <a:headEnd len="med" w="med" type="none"/>
+            <a:tailEnd len="med" w="med" type="triangle"/>
+          </a:ln>
+        </p:spPr>
+      </p:cxnSp>
+      <p:cxnSp>
+        <p:nvCxnSpPr>
+          <p:cNvPr id="80" name="Google Shape;80;p14"/>
+          <p:cNvCxnSpPr>
+            <a:stCxn id="76" idx="1"/>
+            <a:endCxn id="63" idx="4"/>
+          </p:cNvCxnSpPr>
+          <p:nvPr/>
+        </p:nvCxnSpPr>
+        <p:spPr>
+          <a:xfrm rot="10800000">
+            <a:off x="6153375" y="2758800"/>
+            <a:ext cx="1031400" cy="1771800"/>
+          </a:xfrm>
+          <a:prstGeom prst="straightConnector1">
+            <a:avLst/>
+          </a:prstGeom>
+          <a:noFill/>
+          <a:ln cap="flat" cmpd="sng" w="9525">
+            <a:solidFill>
+              <a:schemeClr val="dk2"/>
+            </a:solidFill>
+            <a:prstDash val="solid"/>
+            <a:round/>
+            <a:headEnd len="med" w="med" type="none"/>
+            <a:tailEnd len="med" w="med" type="triangle"/>
+          </a:ln>
+        </p:spPr>
+      </p:cxnSp>
+      <p:cxnSp>
+        <p:nvCxnSpPr>
+          <p:cNvPr id="81" name="Google Shape;81;p14"/>
+          <p:cNvCxnSpPr>
+            <a:stCxn id="70" idx="3"/>
+            <a:endCxn id="73" idx="1"/>
+          </p:cNvCxnSpPr>
+          <p:nvPr/>
+        </p:nvCxnSpPr>
+        <p:spPr>
+          <a:xfrm>
+            <a:off x="2363025" y="4314600"/>
+            <a:ext cx="1101900" cy="54900"/>
+          </a:xfrm>
+          <a:prstGeom prst="straightConnector1">
+            <a:avLst/>
+          </a:prstGeom>
+          <a:noFill/>
+          <a:ln cap="flat" cmpd="sng" w="9525">
+            <a:solidFill>
+              <a:schemeClr val="dk2"/>
+            </a:solidFill>
+            <a:prstDash val="solid"/>
+            <a:round/>
+            <a:headEnd len="med" w="med" type="none"/>
+            <a:tailEnd len="med" w="med" type="triangle"/>
+          </a:ln>
+        </p:spPr>
+      </p:cxnSp>
+    </p:spTree>
+  </p:cSld>
+  <p:clrMapOvr>
+    <a:masterClrMapping/>
+  </p:clrMapOvr>
+</p:sld>
+</file>
+
+<file path=ppt/slides/slide3.xml><?xml version="1.0" encoding="utf-8"?>
+<p:sld xmlns:a="http://schemas.openxmlformats.org/drawingml/2006/main" xmlns:r="http://schemas.openxmlformats.org/officeDocument/2006/relationships" xmlns:mc="http://schemas.openxmlformats.org/markup-compatibility/2006" xmlns:mv="urn:schemas-microsoft-com:mac:vml" xmlns:p="http://schemas.openxmlformats.org/presentationml/2006/main" xmlns:c="http://schemas.openxmlformats.org/drawingml/2006/chart" xmlns:dgm="http://schemas.openxmlformats.org/drawingml/2006/diagram" xmlns:o="urn:schemas-microsoft-com:office:office" xmlns:v="urn:schemas-microsoft-com:vml" xmlns:pvml="urn:schemas-microsoft-com:office:powerpoint" xmlns:com="http://schemas.openxmlformats.org/drawingml/2006/compatibility" xmlns:p14="http://schemas.microsoft.com/office/powerpoint/2010/main" xmlns:p15="http://schemas.microsoft.com/office/powerpoint/2012/main" xmlns:ahyp="http://schemas.microsoft.com/office/drawing/2018/hyperlinkcolor">
+  <p:cSld>
+    <p:spTree>
+      <p:nvGrpSpPr>
+        <p:cNvPr id="85" name="Shape 85"/>
+        <p:cNvGrpSpPr/>
+        <p:nvPr/>
+      </p:nvGrpSpPr>
+      <p:grpSpPr>
+        <a:xfrm>
+          <a:off x="0" y="0"/>
+          <a:ext cx="0" cy="0"/>
+          <a:chOff x="0" y="0"/>
+          <a:chExt cx="0" cy="0"/>
+        </a:xfrm>
+      </p:grpSpPr>
+      <p:sp>
+        <p:nvSpPr>
+          <p:cNvPr id="86" name="Google Shape;86;p15"/>
+          <p:cNvSpPr txBox="1"/>
+          <p:nvPr/>
+        </p:nvSpPr>
+        <p:spPr>
+          <a:xfrm>
+            <a:off x="-80625" y="-183800"/>
+            <a:ext cx="1450500" cy="537300"/>
+          </a:xfrm>
+          <a:prstGeom prst="rect">
+            <a:avLst/>
+          </a:prstGeom>
+          <a:noFill/>
+          <a:ln>
+            <a:noFill/>
+          </a:ln>
+        </p:spPr>
+        <p:txBody>
+          <a:bodyPr anchorCtr="0" anchor="t" bIns="91425" lIns="91425" spcFirstLastPara="1" rIns="91425" wrap="square" tIns="91425">
+            <a:noAutofit/>
+          </a:bodyPr>
+          <a:lstStyle/>
+          <a:p>
+            <a:pPr indent="0" lvl="0" marL="0" marR="0" rtl="0" algn="l">
+              <a:lnSpc>
+                <a:spcPct val="100000"/>
+              </a:lnSpc>
+              <a:spcBef>
+                <a:spcPts val="0"/>
+              </a:spcBef>
+              <a:spcAft>
+                <a:spcPts val="0"/>
+              </a:spcAft>
+              <a:buClr>
+                <a:srgbClr val="000000"/>
+              </a:buClr>
+              <a:buSzPts val="1400"/>
+              <a:buFont typeface="Arial"/>
+              <a:buNone/>
+            </a:pPr>
+            <a:r>
+              <a:rPr lang="en"/>
+              <a:t>Add and edit stockpile</a:t>
             </a:r>
             <a:endParaRPr b="0" i="0" sz="1400" u="none" cap="none" strike="noStrike">
               <a:solidFill>
@@ -9569,14 +10271,757 @@
       </p:sp>
       <p:sp>
         <p:nvSpPr>
-          <p:cNvPr id="61" name="Google Shape;61;p14"/>
+          <p:cNvPr id="87" name="Google Shape;87;p15"/>
           <p:cNvSpPr/>
           <p:nvPr/>
         </p:nvSpPr>
         <p:spPr>
           <a:xfrm>
-            <a:off x="2994775" y="1574700"/>
-            <a:ext cx="2618700" cy="1527600"/>
+            <a:off x="0" y="353500"/>
+            <a:ext cx="2121900" cy="1282500"/>
+          </a:xfrm>
+          <a:prstGeom prst="roundRect">
+            <a:avLst>
+              <a:gd fmla="val 16667" name="adj"/>
+            </a:avLst>
+          </a:prstGeom>
+          <a:solidFill>
+            <a:srgbClr val="6AA84F"/>
+          </a:solidFill>
+          <a:ln cap="flat" cmpd="sng" w="9525">
+            <a:solidFill>
+              <a:srgbClr val="595959"/>
+            </a:solidFill>
+            <a:prstDash val="solid"/>
+            <a:round/>
+            <a:headEnd len="sm" w="sm" type="none"/>
+            <a:tailEnd len="sm" w="sm" type="none"/>
+          </a:ln>
+        </p:spPr>
+        <p:txBody>
+          <a:bodyPr anchorCtr="0" anchor="ctr" bIns="91425" lIns="91425" spcFirstLastPara="1" rIns="91425" wrap="square" tIns="91425">
+            <a:noAutofit/>
+          </a:bodyPr>
+          <a:lstStyle/>
+          <a:p>
+            <a:pPr indent="0" lvl="0" marL="0" marR="0" rtl="0" algn="l">
+              <a:lnSpc>
+                <a:spcPct val="100000"/>
+              </a:lnSpc>
+              <a:spcBef>
+                <a:spcPts val="0"/>
+              </a:spcBef>
+              <a:spcAft>
+                <a:spcPts val="0"/>
+              </a:spcAft>
+              <a:buClr>
+                <a:srgbClr val="000000"/>
+              </a:buClr>
+              <a:buSzPts val="1400"/>
+              <a:buFont typeface="Arial"/>
+              <a:buNone/>
+            </a:pPr>
+            <a:r>
+              <a:rPr lang="en"/>
+              <a:t>Enter the stockpile parameters.</a:t>
+            </a:r>
+            <a:endParaRPr b="0" i="0" sz="1400" u="none" cap="none" strike="noStrike">
+              <a:solidFill>
+                <a:srgbClr val="000000"/>
+              </a:solidFill>
+              <a:latin typeface="Arial"/>
+              <a:ea typeface="Arial"/>
+              <a:cs typeface="Arial"/>
+              <a:sym typeface="Arial"/>
+            </a:endParaRPr>
+          </a:p>
+        </p:txBody>
+      </p:sp>
+      <p:cxnSp>
+        <p:nvCxnSpPr>
+          <p:cNvPr id="88" name="Google Shape;88;p15"/>
+          <p:cNvCxnSpPr>
+            <a:stCxn id="87" idx="3"/>
+            <a:endCxn id="89" idx="1"/>
+          </p:cNvCxnSpPr>
+          <p:nvPr/>
+        </p:nvCxnSpPr>
+        <p:spPr>
+          <a:xfrm flipH="1" rot="10800000">
+            <a:off x="2121900" y="920950"/>
+            <a:ext cx="684900" cy="73800"/>
+          </a:xfrm>
+          <a:prstGeom prst="straightConnector1">
+            <a:avLst/>
+          </a:prstGeom>
+          <a:noFill/>
+          <a:ln cap="flat" cmpd="sng" w="9525">
+            <a:solidFill>
+              <a:srgbClr val="595959"/>
+            </a:solidFill>
+            <a:prstDash val="solid"/>
+            <a:round/>
+            <a:headEnd len="sm" w="sm" type="none"/>
+            <a:tailEnd len="med" w="med" type="triangle"/>
+          </a:ln>
+        </p:spPr>
+      </p:cxnSp>
+      <p:sp>
+        <p:nvSpPr>
+          <p:cNvPr id="90" name="Google Shape;90;p15"/>
+          <p:cNvSpPr/>
+          <p:nvPr/>
+        </p:nvSpPr>
+        <p:spPr>
+          <a:xfrm>
+            <a:off x="5367350" y="2230050"/>
+            <a:ext cx="786000" cy="1057200"/>
+          </a:xfrm>
+          <a:prstGeom prst="can">
+            <a:avLst>
+              <a:gd fmla="val 25000" name="adj"/>
+            </a:avLst>
+          </a:prstGeom>
+          <a:solidFill>
+            <a:srgbClr val="A4C2F4"/>
+          </a:solidFill>
+          <a:ln cap="flat" cmpd="sng" w="9525">
+            <a:solidFill>
+              <a:srgbClr val="595959"/>
+            </a:solidFill>
+            <a:prstDash val="solid"/>
+            <a:round/>
+            <a:headEnd len="sm" w="sm" type="none"/>
+            <a:tailEnd len="sm" w="sm" type="none"/>
+          </a:ln>
+        </p:spPr>
+        <p:txBody>
+          <a:bodyPr anchorCtr="0" anchor="ctr" bIns="91425" lIns="91425" spcFirstLastPara="1" rIns="91425" wrap="square" tIns="91425">
+            <a:noAutofit/>
+          </a:bodyPr>
+          <a:lstStyle/>
+          <a:p>
+            <a:pPr indent="0" lvl="0" marL="0" marR="0" rtl="0" algn="ctr">
+              <a:lnSpc>
+                <a:spcPct val="100000"/>
+              </a:lnSpc>
+              <a:spcBef>
+                <a:spcPts val="0"/>
+              </a:spcBef>
+              <a:spcAft>
+                <a:spcPts val="0"/>
+              </a:spcAft>
+              <a:buClr>
+                <a:srgbClr val="000000"/>
+              </a:buClr>
+              <a:buSzPts val="1400"/>
+              <a:buFont typeface="Arial"/>
+              <a:buNone/>
+            </a:pPr>
+            <a:r>
+              <a:rPr b="0" i="0" lang="en" sz="1400" u="none" cap="none" strike="noStrike">
+                <a:solidFill>
+                  <a:srgbClr val="000000"/>
+                </a:solidFill>
+                <a:latin typeface="Arial"/>
+                <a:ea typeface="Arial"/>
+                <a:cs typeface="Arial"/>
+                <a:sym typeface="Arial"/>
+              </a:rPr>
+              <a:t>DB</a:t>
+            </a:r>
+            <a:endParaRPr b="0" i="0" sz="1400" u="none" cap="none" strike="noStrike">
+              <a:solidFill>
+                <a:srgbClr val="000000"/>
+              </a:solidFill>
+              <a:latin typeface="Arial"/>
+              <a:ea typeface="Arial"/>
+              <a:cs typeface="Arial"/>
+              <a:sym typeface="Arial"/>
+            </a:endParaRPr>
+          </a:p>
+        </p:txBody>
+      </p:sp>
+      <p:sp>
+        <p:nvSpPr>
+          <p:cNvPr id="91" name="Google Shape;91;p15"/>
+          <p:cNvSpPr/>
+          <p:nvPr/>
+        </p:nvSpPr>
+        <p:spPr>
+          <a:xfrm>
+            <a:off x="6453050" y="441775"/>
+            <a:ext cx="2003700" cy="1057200"/>
+          </a:xfrm>
+          <a:prstGeom prst="roundRect">
+            <a:avLst>
+              <a:gd fmla="val 16667" name="adj"/>
+            </a:avLst>
+          </a:prstGeom>
+          <a:solidFill>
+            <a:srgbClr val="6AA84F"/>
+          </a:solidFill>
+          <a:ln cap="flat" cmpd="sng" w="9525">
+            <a:solidFill>
+              <a:srgbClr val="595959"/>
+            </a:solidFill>
+            <a:prstDash val="solid"/>
+            <a:round/>
+            <a:headEnd len="sm" w="sm" type="none"/>
+            <a:tailEnd len="sm" w="sm" type="none"/>
+          </a:ln>
+        </p:spPr>
+        <p:txBody>
+          <a:bodyPr anchorCtr="0" anchor="ctr" bIns="91425" lIns="91425" spcFirstLastPara="1" rIns="91425" wrap="square" tIns="91425">
+            <a:noAutofit/>
+          </a:bodyPr>
+          <a:lstStyle/>
+          <a:p>
+            <a:pPr indent="0" lvl="0" marL="0" rtl="0" algn="l">
+              <a:spcBef>
+                <a:spcPts val="0"/>
+              </a:spcBef>
+              <a:spcAft>
+                <a:spcPts val="0"/>
+              </a:spcAft>
+              <a:buNone/>
+            </a:pPr>
+            <a:r>
+              <a:rPr lang="en"/>
+              <a:t>Error message with name “stockpile already exists” </a:t>
+            </a:r>
+            <a:endParaRPr/>
+          </a:p>
+        </p:txBody>
+      </p:sp>
+      <p:cxnSp>
+        <p:nvCxnSpPr>
+          <p:cNvPr id="92" name="Google Shape;92;p15"/>
+          <p:cNvCxnSpPr>
+            <a:stCxn id="89" idx="3"/>
+            <a:endCxn id="91" idx="1"/>
+          </p:cNvCxnSpPr>
+          <p:nvPr/>
+        </p:nvCxnSpPr>
+        <p:spPr>
+          <a:xfrm>
+            <a:off x="5502350" y="920825"/>
+            <a:ext cx="950700" cy="49500"/>
+          </a:xfrm>
+          <a:prstGeom prst="straightConnector1">
+            <a:avLst/>
+          </a:prstGeom>
+          <a:noFill/>
+          <a:ln cap="flat" cmpd="sng" w="9525">
+            <a:solidFill>
+              <a:srgbClr val="595959"/>
+            </a:solidFill>
+            <a:prstDash val="solid"/>
+            <a:round/>
+            <a:headEnd len="med" w="med" type="none"/>
+            <a:tailEnd len="med" w="med" type="triangle"/>
+          </a:ln>
+        </p:spPr>
+      </p:cxnSp>
+      <p:sp>
+        <p:nvSpPr>
+          <p:cNvPr id="93" name="Google Shape;93;p15"/>
+          <p:cNvSpPr txBox="1"/>
+          <p:nvPr/>
+        </p:nvSpPr>
+        <p:spPr>
+          <a:xfrm>
+            <a:off x="5711500" y="362875"/>
+            <a:ext cx="684900" cy="410100"/>
+          </a:xfrm>
+          <a:prstGeom prst="rect">
+            <a:avLst/>
+          </a:prstGeom>
+          <a:noFill/>
+          <a:ln>
+            <a:noFill/>
+          </a:ln>
+        </p:spPr>
+        <p:txBody>
+          <a:bodyPr anchorCtr="0" anchor="t" bIns="91425" lIns="91425" spcFirstLastPara="1" rIns="91425" wrap="square" tIns="91425">
+            <a:noAutofit/>
+          </a:bodyPr>
+          <a:lstStyle/>
+          <a:p>
+            <a:pPr indent="0" lvl="0" marL="0" rtl="0" algn="l">
+              <a:spcBef>
+                <a:spcPts val="0"/>
+              </a:spcBef>
+              <a:spcAft>
+                <a:spcPts val="0"/>
+              </a:spcAft>
+              <a:buNone/>
+            </a:pPr>
+            <a:r>
+              <a:rPr lang="en"/>
+              <a:t>yes</a:t>
+            </a:r>
+            <a:endParaRPr/>
+          </a:p>
+        </p:txBody>
+      </p:sp>
+      <p:cxnSp>
+        <p:nvCxnSpPr>
+          <p:cNvPr id="94" name="Google Shape;94;p15"/>
+          <p:cNvCxnSpPr>
+            <a:stCxn id="89" idx="2"/>
+            <a:endCxn id="95" idx="0"/>
+          </p:cNvCxnSpPr>
+          <p:nvPr/>
+        </p:nvCxnSpPr>
+        <p:spPr>
+          <a:xfrm flipH="1">
+            <a:off x="4075675" y="1562075"/>
+            <a:ext cx="78900" cy="734400"/>
+          </a:xfrm>
+          <a:prstGeom prst="straightConnector1">
+            <a:avLst/>
+          </a:prstGeom>
+          <a:noFill/>
+          <a:ln cap="flat" cmpd="sng" w="9525">
+            <a:solidFill>
+              <a:srgbClr val="595959"/>
+            </a:solidFill>
+            <a:prstDash val="solid"/>
+            <a:round/>
+            <a:headEnd len="med" w="med" type="none"/>
+            <a:tailEnd len="med" w="med" type="triangle"/>
+          </a:ln>
+        </p:spPr>
+      </p:cxnSp>
+      <p:sp>
+        <p:nvSpPr>
+          <p:cNvPr id="96" name="Google Shape;96;p15"/>
+          <p:cNvSpPr txBox="1"/>
+          <p:nvPr/>
+        </p:nvSpPr>
+        <p:spPr>
+          <a:xfrm>
+            <a:off x="4154575" y="1660618"/>
+            <a:ext cx="567900" cy="537300"/>
+          </a:xfrm>
+          <a:prstGeom prst="rect">
+            <a:avLst/>
+          </a:prstGeom>
+          <a:noFill/>
+          <a:ln>
+            <a:noFill/>
+          </a:ln>
+        </p:spPr>
+        <p:txBody>
+          <a:bodyPr anchorCtr="0" anchor="t" bIns="91425" lIns="91425" spcFirstLastPara="1" rIns="91425" wrap="square" tIns="91425">
+            <a:noAutofit/>
+          </a:bodyPr>
+          <a:lstStyle/>
+          <a:p>
+            <a:pPr indent="0" lvl="0" marL="0" rtl="0" algn="l">
+              <a:spcBef>
+                <a:spcPts val="0"/>
+              </a:spcBef>
+              <a:spcAft>
+                <a:spcPts val="0"/>
+              </a:spcAft>
+              <a:buNone/>
+            </a:pPr>
+            <a:r>
+              <a:rPr lang="en"/>
+              <a:t>no</a:t>
+            </a:r>
+            <a:endParaRPr/>
+          </a:p>
+        </p:txBody>
+      </p:sp>
+      <p:sp>
+        <p:nvSpPr>
+          <p:cNvPr id="97" name="Google Shape;97;p15"/>
+          <p:cNvSpPr/>
+          <p:nvPr/>
+        </p:nvSpPr>
+        <p:spPr>
+          <a:xfrm>
+            <a:off x="120225" y="3616200"/>
+            <a:ext cx="2242800" cy="1396800"/>
+          </a:xfrm>
+          <a:prstGeom prst="roundRect">
+            <a:avLst>
+              <a:gd fmla="val 16667" name="adj"/>
+            </a:avLst>
+          </a:prstGeom>
+          <a:solidFill>
+            <a:srgbClr val="6AA84F"/>
+          </a:solidFill>
+          <a:ln cap="flat" cmpd="sng" w="9525">
+            <a:solidFill>
+              <a:srgbClr val="595959"/>
+            </a:solidFill>
+            <a:prstDash val="solid"/>
+            <a:round/>
+            <a:headEnd len="sm" w="sm" type="none"/>
+            <a:tailEnd len="sm" w="sm" type="none"/>
+          </a:ln>
+        </p:spPr>
+        <p:txBody>
+          <a:bodyPr anchorCtr="0" anchor="ctr" bIns="91425" lIns="91425" spcFirstLastPara="1" rIns="91425" wrap="square" tIns="91425">
+            <a:noAutofit/>
+          </a:bodyPr>
+          <a:lstStyle/>
+          <a:p>
+            <a:pPr indent="0" lvl="0" marL="0" marR="0" rtl="0" algn="l">
+              <a:lnSpc>
+                <a:spcPct val="100000"/>
+              </a:lnSpc>
+              <a:spcBef>
+                <a:spcPts val="0"/>
+              </a:spcBef>
+              <a:spcAft>
+                <a:spcPts val="0"/>
+              </a:spcAft>
+              <a:buClr>
+                <a:srgbClr val="000000"/>
+              </a:buClr>
+              <a:buSzPts val="1400"/>
+              <a:buFont typeface="Arial"/>
+              <a:buNone/>
+            </a:pPr>
+            <a:r>
+              <a:rPr lang="en"/>
+              <a:t>Edit the stockpile parameters</a:t>
+            </a:r>
+            <a:endParaRPr b="0" i="0" sz="1400" u="none" cap="none" strike="noStrike">
+              <a:solidFill>
+                <a:srgbClr val="000000"/>
+              </a:solidFill>
+              <a:latin typeface="Arial"/>
+              <a:ea typeface="Arial"/>
+              <a:cs typeface="Arial"/>
+              <a:sym typeface="Arial"/>
+            </a:endParaRPr>
+          </a:p>
+        </p:txBody>
+      </p:sp>
+      <p:sp>
+        <p:nvSpPr>
+          <p:cNvPr id="89" name="Google Shape;89;p15"/>
+          <p:cNvSpPr/>
+          <p:nvPr/>
+        </p:nvSpPr>
+        <p:spPr>
+          <a:xfrm>
+            <a:off x="2806800" y="279575"/>
+            <a:ext cx="2695550" cy="1282500"/>
+          </a:xfrm>
+          <a:prstGeom prst="flowChartDecision">
+            <a:avLst/>
+          </a:prstGeom>
+          <a:solidFill>
+            <a:srgbClr val="6D9EEB"/>
+          </a:solidFill>
+          <a:ln cap="flat" cmpd="sng" w="9525">
+            <a:solidFill>
+              <a:srgbClr val="595959"/>
+            </a:solidFill>
+            <a:prstDash val="solid"/>
+            <a:round/>
+            <a:headEnd len="sm" w="sm" type="none"/>
+            <a:tailEnd len="sm" w="sm" type="none"/>
+          </a:ln>
+        </p:spPr>
+        <p:txBody>
+          <a:bodyPr anchorCtr="0" anchor="ctr" bIns="91425" lIns="91425" spcFirstLastPara="1" rIns="91425" wrap="square" tIns="91425">
+            <a:noAutofit/>
+          </a:bodyPr>
+          <a:lstStyle/>
+          <a:p>
+            <a:pPr indent="0" lvl="0" marL="0" rtl="0" algn="l">
+              <a:spcBef>
+                <a:spcPts val="0"/>
+              </a:spcBef>
+              <a:spcAft>
+                <a:spcPts val="0"/>
+              </a:spcAft>
+              <a:buNone/>
+            </a:pPr>
+            <a:r>
+              <a:rPr lang="en"/>
+              <a:t>stockpile</a:t>
+            </a:r>
+            <a:r>
+              <a:rPr lang="en"/>
+              <a:t> name already exists and active</a:t>
+            </a:r>
+            <a:endParaRPr/>
+          </a:p>
+        </p:txBody>
+      </p:sp>
+      <p:sp>
+        <p:nvSpPr>
+          <p:cNvPr id="98" name="Google Shape;98;p15"/>
+          <p:cNvSpPr/>
+          <p:nvPr/>
+        </p:nvSpPr>
+        <p:spPr>
+          <a:xfrm>
+            <a:off x="7250700" y="2153950"/>
+            <a:ext cx="1893300" cy="1396800"/>
+          </a:xfrm>
+          <a:prstGeom prst="roundRect">
+            <a:avLst>
+              <a:gd fmla="val 16667" name="adj"/>
+            </a:avLst>
+          </a:prstGeom>
+          <a:solidFill>
+            <a:srgbClr val="6AA84F"/>
+          </a:solidFill>
+          <a:ln cap="flat" cmpd="sng" w="9525">
+            <a:solidFill>
+              <a:srgbClr val="595959"/>
+            </a:solidFill>
+            <a:prstDash val="solid"/>
+            <a:round/>
+            <a:headEnd len="sm" w="sm" type="none"/>
+            <a:tailEnd len="sm" w="sm" type="none"/>
+          </a:ln>
+        </p:spPr>
+        <p:txBody>
+          <a:bodyPr anchorCtr="0" anchor="ctr" bIns="91425" lIns="91425" spcFirstLastPara="1" rIns="91425" wrap="square" tIns="91425">
+            <a:noAutofit/>
+          </a:bodyPr>
+          <a:lstStyle/>
+          <a:p>
+            <a:pPr indent="0" lvl="0" marL="0" rtl="0" algn="l">
+              <a:spcBef>
+                <a:spcPts val="0"/>
+              </a:spcBef>
+              <a:spcAft>
+                <a:spcPts val="0"/>
+              </a:spcAft>
+              <a:buNone/>
+            </a:pPr>
+            <a:r>
+              <a:rPr lang="en"/>
+              <a:t>Select the stockpile, edit the parameters </a:t>
+            </a:r>
+            <a:endParaRPr/>
+          </a:p>
+        </p:txBody>
+      </p:sp>
+      <p:sp>
+        <p:nvSpPr>
+          <p:cNvPr id="95" name="Google Shape;95;p15"/>
+          <p:cNvSpPr/>
+          <p:nvPr/>
+        </p:nvSpPr>
+        <p:spPr>
+          <a:xfrm>
+            <a:off x="3518550" y="2296450"/>
+            <a:ext cx="1114500" cy="1111800"/>
+          </a:xfrm>
+          <a:prstGeom prst="roundRect">
+            <a:avLst>
+              <a:gd fmla="val 16667" name="adj"/>
+            </a:avLst>
+          </a:prstGeom>
+          <a:solidFill>
+            <a:srgbClr val="6D9EEB"/>
+          </a:solidFill>
+          <a:ln cap="flat" cmpd="sng" w="9525">
+            <a:solidFill>
+              <a:schemeClr val="dk2"/>
+            </a:solidFill>
+            <a:prstDash val="solid"/>
+            <a:round/>
+            <a:headEnd len="sm" w="sm" type="none"/>
+            <a:tailEnd len="sm" w="sm" type="none"/>
+          </a:ln>
+        </p:spPr>
+        <p:txBody>
+          <a:bodyPr anchorCtr="0" anchor="ctr" bIns="91425" lIns="91425" spcFirstLastPara="1" rIns="91425" wrap="square" tIns="91425">
+            <a:noAutofit/>
+          </a:bodyPr>
+          <a:lstStyle/>
+          <a:p>
+            <a:pPr indent="0" lvl="0" marL="0" rtl="0" algn="l">
+              <a:spcBef>
+                <a:spcPts val="0"/>
+              </a:spcBef>
+              <a:spcAft>
+                <a:spcPts val="0"/>
+              </a:spcAft>
+              <a:buNone/>
+            </a:pPr>
+            <a:r>
+              <a:rPr lang="en"/>
+              <a:t>Success message “stockpile is created”</a:t>
+            </a:r>
+            <a:endParaRPr/>
+          </a:p>
+        </p:txBody>
+      </p:sp>
+      <p:cxnSp>
+        <p:nvCxnSpPr>
+          <p:cNvPr id="99" name="Google Shape;99;p15"/>
+          <p:cNvCxnSpPr>
+            <a:stCxn id="95" idx="3"/>
+            <a:endCxn id="90" idx="2"/>
+          </p:cNvCxnSpPr>
+          <p:nvPr/>
+        </p:nvCxnSpPr>
+        <p:spPr>
+          <a:xfrm flipH="1" rot="10800000">
+            <a:off x="4633050" y="2758750"/>
+            <a:ext cx="734400" cy="93600"/>
+          </a:xfrm>
+          <a:prstGeom prst="straightConnector1">
+            <a:avLst/>
+          </a:prstGeom>
+          <a:noFill/>
+          <a:ln cap="flat" cmpd="sng" w="9525">
+            <a:solidFill>
+              <a:schemeClr val="dk2"/>
+            </a:solidFill>
+            <a:prstDash val="solid"/>
+            <a:round/>
+            <a:headEnd len="med" w="med" type="none"/>
+            <a:tailEnd len="med" w="med" type="triangle"/>
+          </a:ln>
+        </p:spPr>
+      </p:cxnSp>
+      <p:sp>
+        <p:nvSpPr>
+          <p:cNvPr id="100" name="Google Shape;100;p15"/>
+          <p:cNvSpPr/>
+          <p:nvPr/>
+        </p:nvSpPr>
+        <p:spPr>
+          <a:xfrm>
+            <a:off x="3464800" y="3840850"/>
+            <a:ext cx="1893300" cy="1057200"/>
+          </a:xfrm>
+          <a:prstGeom prst="flowChartDecision">
+            <a:avLst/>
+          </a:prstGeom>
+          <a:solidFill>
+            <a:srgbClr val="6D9EEB"/>
+          </a:solidFill>
+          <a:ln cap="flat" cmpd="sng" w="9525">
+            <a:solidFill>
+              <a:schemeClr val="dk2"/>
+            </a:solidFill>
+            <a:prstDash val="solid"/>
+            <a:round/>
+            <a:headEnd len="sm" w="sm" type="none"/>
+            <a:tailEnd len="sm" w="sm" type="none"/>
+          </a:ln>
+        </p:spPr>
+        <p:txBody>
+          <a:bodyPr anchorCtr="0" anchor="ctr" bIns="91425" lIns="91425" spcFirstLastPara="1" rIns="91425" wrap="square" tIns="91425">
+            <a:noAutofit/>
+          </a:bodyPr>
+          <a:lstStyle/>
+          <a:p>
+            <a:pPr indent="0" lvl="0" marL="0" rtl="0" algn="l">
+              <a:spcBef>
+                <a:spcPts val="0"/>
+              </a:spcBef>
+              <a:spcAft>
+                <a:spcPts val="0"/>
+              </a:spcAft>
+              <a:buNone/>
+            </a:pPr>
+            <a:r>
+              <a:rPr lang="en"/>
+              <a:t>Edit stockpile or delete?</a:t>
+            </a:r>
+            <a:endParaRPr/>
+          </a:p>
+        </p:txBody>
+      </p:sp>
+      <p:cxnSp>
+        <p:nvCxnSpPr>
+          <p:cNvPr id="101" name="Google Shape;101;p15"/>
+          <p:cNvCxnSpPr>
+            <a:stCxn id="100" idx="3"/>
+            <a:endCxn id="98" idx="1"/>
+          </p:cNvCxnSpPr>
+          <p:nvPr/>
+        </p:nvCxnSpPr>
+        <p:spPr>
+          <a:xfrm flipH="1" rot="10800000">
+            <a:off x="5358100" y="2852350"/>
+            <a:ext cx="1892700" cy="1517100"/>
+          </a:xfrm>
+          <a:prstGeom prst="straightConnector1">
+            <a:avLst/>
+          </a:prstGeom>
+          <a:noFill/>
+          <a:ln cap="flat" cmpd="sng" w="9525">
+            <a:solidFill>
+              <a:schemeClr val="dk2"/>
+            </a:solidFill>
+            <a:prstDash val="solid"/>
+            <a:round/>
+            <a:headEnd len="med" w="med" type="none"/>
+            <a:tailEnd len="med" w="med" type="triangle"/>
+          </a:ln>
+        </p:spPr>
+      </p:cxnSp>
+      <p:sp>
+        <p:nvSpPr>
+          <p:cNvPr id="102" name="Google Shape;102;p15"/>
+          <p:cNvSpPr txBox="1"/>
+          <p:nvPr/>
+        </p:nvSpPr>
+        <p:spPr>
+          <a:xfrm>
+            <a:off x="5502350" y="3616200"/>
+            <a:ext cx="734400" cy="537300"/>
+          </a:xfrm>
+          <a:prstGeom prst="rect">
+            <a:avLst/>
+          </a:prstGeom>
+          <a:noFill/>
+          <a:ln>
+            <a:noFill/>
+          </a:ln>
+        </p:spPr>
+        <p:txBody>
+          <a:bodyPr anchorCtr="0" anchor="t" bIns="91425" lIns="91425" spcFirstLastPara="1" rIns="91425" wrap="square" tIns="91425">
+            <a:noAutofit/>
+          </a:bodyPr>
+          <a:lstStyle/>
+          <a:p>
+            <a:pPr indent="0" lvl="0" marL="0" rtl="0" algn="l">
+              <a:spcBef>
+                <a:spcPts val="0"/>
+              </a:spcBef>
+              <a:spcAft>
+                <a:spcPts val="0"/>
+              </a:spcAft>
+              <a:buNone/>
+            </a:pPr>
+            <a:r>
+              <a:rPr lang="en"/>
+              <a:t>edit</a:t>
+            </a:r>
+            <a:endParaRPr/>
+          </a:p>
+        </p:txBody>
+      </p:sp>
+      <p:sp>
+        <p:nvSpPr>
+          <p:cNvPr id="103" name="Google Shape;103;p15"/>
+          <p:cNvSpPr/>
+          <p:nvPr/>
+        </p:nvSpPr>
+        <p:spPr>
+          <a:xfrm>
+            <a:off x="7184775" y="4002000"/>
+            <a:ext cx="1893300" cy="1057200"/>
           </a:xfrm>
           <a:prstGeom prst="roundRect">
             <a:avLst>
@@ -9613,7 +11058,7 @@
             </a:pPr>
             <a:r>
               <a:rPr lang="en"/>
-              <a:t>If yard name already exists, there will be an error displayed on the UI conveying the same.</a:t>
+              <a:t>Delete the stockpile</a:t>
             </a:r>
             <a:endParaRPr/>
           </a:p>
@@ -9621,17 +11066,88 @@
       </p:sp>
       <p:cxnSp>
         <p:nvCxnSpPr>
-          <p:cNvPr id="62" name="Google Shape;62;p14"/>
+          <p:cNvPr id="104" name="Google Shape;104;p15"/>
           <p:cNvCxnSpPr>
-            <a:stCxn id="60" idx="3"/>
-            <a:endCxn id="61" idx="1"/>
+            <a:stCxn id="100" idx="3"/>
+            <a:endCxn id="103" idx="1"/>
           </p:cNvCxnSpPr>
           <p:nvPr/>
         </p:nvCxnSpPr>
         <p:spPr>
-          <a:xfrm flipH="1" rot="10800000">
-            <a:off x="2430825" y="2338425"/>
-            <a:ext cx="564000" cy="45300"/>
+          <a:xfrm>
+            <a:off x="5358100" y="4369450"/>
+            <a:ext cx="1826700" cy="161100"/>
+          </a:xfrm>
+          <a:prstGeom prst="straightConnector1">
+            <a:avLst/>
+          </a:prstGeom>
+          <a:noFill/>
+          <a:ln cap="flat" cmpd="sng" w="9525">
+            <a:solidFill>
+              <a:schemeClr val="dk2"/>
+            </a:solidFill>
+            <a:prstDash val="solid"/>
+            <a:round/>
+            <a:headEnd len="med" w="med" type="none"/>
+            <a:tailEnd len="med" w="med" type="none"/>
+          </a:ln>
+        </p:spPr>
+      </p:cxnSp>
+      <p:sp>
+        <p:nvSpPr>
+          <p:cNvPr id="105" name="Google Shape;105;p15"/>
+          <p:cNvSpPr txBox="1"/>
+          <p:nvPr/>
+        </p:nvSpPr>
+        <p:spPr>
+          <a:xfrm>
+            <a:off x="6080325" y="4002000"/>
+            <a:ext cx="786000" cy="658200"/>
+          </a:xfrm>
+          <a:prstGeom prst="rect">
+            <a:avLst/>
+          </a:prstGeom>
+          <a:noFill/>
+          <a:ln>
+            <a:noFill/>
+          </a:ln>
+        </p:spPr>
+        <p:txBody>
+          <a:bodyPr anchorCtr="0" anchor="t" bIns="91425" lIns="91425" spcFirstLastPara="1" rIns="91425" wrap="square" tIns="91425">
+            <a:noAutofit/>
+          </a:bodyPr>
+          <a:lstStyle/>
+          <a:p>
+            <a:pPr indent="0" lvl="0" marL="0" rtl="0" algn="l">
+              <a:spcBef>
+                <a:spcPts val="0"/>
+              </a:spcBef>
+              <a:spcAft>
+                <a:spcPts val="0"/>
+              </a:spcAft>
+              <a:buNone/>
+            </a:pPr>
+            <a:r>
+              <a:rPr lang="en"/>
+              <a:t>Delete</a:t>
+            </a:r>
+            <a:endParaRPr/>
+          </a:p>
+        </p:txBody>
+      </p:sp>
+      <p:cxnSp>
+        <p:nvCxnSpPr>
+          <p:cNvPr id="106" name="Google Shape;106;p15"/>
+          <p:cNvCxnSpPr>
+            <a:stCxn id="98" idx="1"/>
+            <a:endCxn id="90" idx="4"/>
+          </p:cNvCxnSpPr>
+          <p:nvPr/>
+        </p:nvCxnSpPr>
+        <p:spPr>
+          <a:xfrm rot="10800000">
+            <a:off x="6153300" y="2758750"/>
+            <a:ext cx="1097400" cy="93600"/>
           </a:xfrm>
           <a:prstGeom prst="straightConnector1">
             <a:avLst/>
@@ -9648,24 +11164,602 @@
           </a:ln>
         </p:spPr>
       </p:cxnSp>
+      <p:cxnSp>
+        <p:nvCxnSpPr>
+          <p:cNvPr id="107" name="Google Shape;107;p15"/>
+          <p:cNvCxnSpPr>
+            <a:stCxn id="103" idx="1"/>
+            <a:endCxn id="90" idx="4"/>
+          </p:cNvCxnSpPr>
+          <p:nvPr/>
+        </p:nvCxnSpPr>
+        <p:spPr>
+          <a:xfrm rot="10800000">
+            <a:off x="6153375" y="2758800"/>
+            <a:ext cx="1031400" cy="1771800"/>
+          </a:xfrm>
+          <a:prstGeom prst="straightConnector1">
+            <a:avLst/>
+          </a:prstGeom>
+          <a:noFill/>
+          <a:ln cap="flat" cmpd="sng" w="9525">
+            <a:solidFill>
+              <a:schemeClr val="dk2"/>
+            </a:solidFill>
+            <a:prstDash val="solid"/>
+            <a:round/>
+            <a:headEnd len="med" w="med" type="none"/>
+            <a:tailEnd len="med" w="med" type="triangle"/>
+          </a:ln>
+        </p:spPr>
+      </p:cxnSp>
+      <p:cxnSp>
+        <p:nvCxnSpPr>
+          <p:cNvPr id="108" name="Google Shape;108;p15"/>
+          <p:cNvCxnSpPr>
+            <a:stCxn id="97" idx="3"/>
+            <a:endCxn id="100" idx="1"/>
+          </p:cNvCxnSpPr>
+          <p:nvPr/>
+        </p:nvCxnSpPr>
+        <p:spPr>
+          <a:xfrm>
+            <a:off x="2363025" y="4314600"/>
+            <a:ext cx="1101900" cy="54900"/>
+          </a:xfrm>
+          <a:prstGeom prst="straightConnector1">
+            <a:avLst/>
+          </a:prstGeom>
+          <a:noFill/>
+          <a:ln cap="flat" cmpd="sng" w="9525">
+            <a:solidFill>
+              <a:schemeClr val="dk2"/>
+            </a:solidFill>
+            <a:prstDash val="solid"/>
+            <a:round/>
+            <a:headEnd len="med" w="med" type="none"/>
+            <a:tailEnd len="med" w="med" type="triangle"/>
+          </a:ln>
+        </p:spPr>
+      </p:cxnSp>
+    </p:spTree>
+  </p:cSld>
+  <p:clrMapOvr>
+    <a:masterClrMapping/>
+  </p:clrMapOvr>
+</p:sld>
+</file>
+
+<file path=ppt/slides/slide4.xml><?xml version="1.0" encoding="utf-8"?>
+<p:sld xmlns:a="http://schemas.openxmlformats.org/drawingml/2006/main" xmlns:r="http://schemas.openxmlformats.org/officeDocument/2006/relationships" xmlns:mc="http://schemas.openxmlformats.org/markup-compatibility/2006" xmlns:mv="urn:schemas-microsoft-com:mac:vml" xmlns:p="http://schemas.openxmlformats.org/presentationml/2006/main" xmlns:c="http://schemas.openxmlformats.org/drawingml/2006/chart" xmlns:dgm="http://schemas.openxmlformats.org/drawingml/2006/diagram" xmlns:o="urn:schemas-microsoft-com:office:office" xmlns:v="urn:schemas-microsoft-com:vml" xmlns:pvml="urn:schemas-microsoft-com:office:powerpoint" xmlns:com="http://schemas.openxmlformats.org/drawingml/2006/compatibility" xmlns:p14="http://schemas.microsoft.com/office/powerpoint/2010/main" xmlns:p15="http://schemas.microsoft.com/office/powerpoint/2012/main" xmlns:ahyp="http://schemas.microsoft.com/office/drawing/2018/hyperlinkcolor">
+  <p:cSld>
+    <p:spTree>
+      <p:nvGrpSpPr>
+        <p:cNvPr id="112" name="Shape 112"/>
+        <p:cNvGrpSpPr/>
+        <p:nvPr/>
+      </p:nvGrpSpPr>
+      <p:grpSpPr>
+        <a:xfrm>
+          <a:off x="0" y="0"/>
+          <a:ext cx="0" cy="0"/>
+          <a:chOff x="0" y="0"/>
+          <a:chExt cx="0" cy="0"/>
+        </a:xfrm>
+      </p:grpSpPr>
       <p:sp>
         <p:nvSpPr>
-          <p:cNvPr id="63" name="Google Shape;63;p14"/>
+          <p:cNvPr id="113" name="Google Shape;113;p16"/>
           <p:cNvSpPr/>
           <p:nvPr/>
         </p:nvSpPr>
         <p:spPr>
           <a:xfrm>
-            <a:off x="7426425" y="2326750"/>
-            <a:ext cx="1235400" cy="1745700"/>
-          </a:xfrm>
-          <a:prstGeom prst="can">
+            <a:off x="308875" y="644625"/>
+            <a:ext cx="2672400" cy="1624800"/>
+          </a:xfrm>
+          <a:prstGeom prst="roundRect">
             <a:avLst>
-              <a:gd fmla="val 25000" name="adj"/>
+              <a:gd fmla="val 16667" name="adj"/>
             </a:avLst>
           </a:prstGeom>
           <a:solidFill>
-            <a:srgbClr val="A4C2F4"/>
+            <a:srgbClr val="6AA84F"/>
+          </a:solidFill>
+          <a:ln cap="flat" cmpd="sng" w="9525">
+            <a:solidFill>
+              <a:srgbClr val="595959"/>
+            </a:solidFill>
+            <a:prstDash val="solid"/>
+            <a:round/>
+            <a:headEnd len="sm" w="sm" type="none"/>
+            <a:tailEnd len="sm" w="sm" type="none"/>
+          </a:ln>
+        </p:spPr>
+        <p:txBody>
+          <a:bodyPr anchorCtr="0" anchor="ctr" bIns="91425" lIns="91425" spcFirstLastPara="1" rIns="91425" wrap="square" tIns="91425">
+            <a:noAutofit/>
+          </a:bodyPr>
+          <a:lstStyle/>
+          <a:p>
+            <a:pPr indent="0" lvl="0" marL="0" marR="0" rtl="0" algn="l">
+              <a:lnSpc>
+                <a:spcPct val="100000"/>
+              </a:lnSpc>
+              <a:spcBef>
+                <a:spcPts val="0"/>
+              </a:spcBef>
+              <a:spcAft>
+                <a:spcPts val="0"/>
+              </a:spcAft>
+              <a:buClr>
+                <a:srgbClr val="000000"/>
+              </a:buClr>
+              <a:buSzPts val="1400"/>
+              <a:buFont typeface="Arial"/>
+              <a:buNone/>
+            </a:pPr>
+            <a:r>
+              <a:rPr b="0" i="0" lang="en" sz="1400" u="none" cap="none" strike="noStrike">
+                <a:solidFill>
+                  <a:srgbClr val="000000"/>
+                </a:solidFill>
+                <a:latin typeface="Arial"/>
+                <a:ea typeface="Arial"/>
+                <a:cs typeface="Arial"/>
+                <a:sym typeface="Arial"/>
+              </a:rPr>
+              <a:t>Duing mine-dispatch </a:t>
+            </a:r>
+            <a:r>
+              <a:rPr lang="en"/>
+              <a:t>stockpile</a:t>
+            </a:r>
+            <a:r>
+              <a:rPr b="0" i="0" lang="en" sz="1400" u="none" cap="none" strike="noStrike">
+                <a:solidFill>
+                  <a:srgbClr val="000000"/>
+                </a:solidFill>
+                <a:latin typeface="Arial"/>
+                <a:ea typeface="Arial"/>
+                <a:cs typeface="Arial"/>
+                <a:sym typeface="Arial"/>
+              </a:rPr>
+              <a:t> allocation takes place. </a:t>
+            </a:r>
+            <a:endParaRPr b="0" i="0" sz="1400" u="none" cap="none" strike="noStrike">
+              <a:solidFill>
+                <a:srgbClr val="000000"/>
+              </a:solidFill>
+              <a:latin typeface="Arial"/>
+              <a:ea typeface="Arial"/>
+              <a:cs typeface="Arial"/>
+              <a:sym typeface="Arial"/>
+            </a:endParaRPr>
+          </a:p>
+        </p:txBody>
+      </p:sp>
+      <p:sp>
+        <p:nvSpPr>
+          <p:cNvPr id="114" name="Google Shape;114;p16"/>
+          <p:cNvSpPr txBox="1"/>
+          <p:nvPr/>
+        </p:nvSpPr>
+        <p:spPr>
+          <a:xfrm>
+            <a:off x="335750" y="-80575"/>
+            <a:ext cx="1383300" cy="564000"/>
+          </a:xfrm>
+          <a:prstGeom prst="rect">
+            <a:avLst/>
+          </a:prstGeom>
+          <a:noFill/>
+          <a:ln>
+            <a:noFill/>
+          </a:ln>
+        </p:spPr>
+        <p:txBody>
+          <a:bodyPr anchorCtr="0" anchor="t" bIns="91425" lIns="91425" spcFirstLastPara="1" rIns="91425" wrap="square" tIns="91425">
+            <a:noAutofit/>
+          </a:bodyPr>
+          <a:lstStyle/>
+          <a:p>
+            <a:pPr indent="0" lvl="0" marL="0" marR="0" rtl="0" algn="l">
+              <a:lnSpc>
+                <a:spcPct val="100000"/>
+              </a:lnSpc>
+              <a:spcBef>
+                <a:spcPts val="0"/>
+              </a:spcBef>
+              <a:spcAft>
+                <a:spcPts val="0"/>
+              </a:spcAft>
+              <a:buClr>
+                <a:srgbClr val="000000"/>
+              </a:buClr>
+              <a:buSzPts val="1400"/>
+              <a:buFont typeface="Arial"/>
+              <a:buNone/>
+            </a:pPr>
+            <a:r>
+              <a:rPr lang="en"/>
+              <a:t>Stockpile</a:t>
+            </a:r>
+            <a:r>
+              <a:rPr b="0" i="0" lang="en" sz="1400" u="none" cap="none" strike="noStrike">
+                <a:solidFill>
+                  <a:srgbClr val="000000"/>
+                </a:solidFill>
+                <a:latin typeface="Arial"/>
+                <a:ea typeface="Arial"/>
+                <a:cs typeface="Arial"/>
+                <a:sym typeface="Arial"/>
+              </a:rPr>
+              <a:t> allocation and reallocation</a:t>
+            </a:r>
+            <a:endParaRPr b="0" i="0" sz="1400" u="none" cap="none" strike="noStrike">
+              <a:solidFill>
+                <a:srgbClr val="000000"/>
+              </a:solidFill>
+              <a:latin typeface="Arial"/>
+              <a:ea typeface="Arial"/>
+              <a:cs typeface="Arial"/>
+              <a:sym typeface="Arial"/>
+            </a:endParaRPr>
+          </a:p>
+        </p:txBody>
+      </p:sp>
+      <p:cxnSp>
+        <p:nvCxnSpPr>
+          <p:cNvPr id="115" name="Google Shape;115;p16"/>
+          <p:cNvCxnSpPr>
+            <a:stCxn id="113" idx="3"/>
+            <a:endCxn id="116" idx="1"/>
+          </p:cNvCxnSpPr>
+          <p:nvPr/>
+        </p:nvCxnSpPr>
+        <p:spPr>
+          <a:xfrm flipH="1" rot="10800000">
+            <a:off x="2981275" y="1007625"/>
+            <a:ext cx="907500" cy="449400"/>
+          </a:xfrm>
+          <a:prstGeom prst="straightConnector1">
+            <a:avLst/>
+          </a:prstGeom>
+          <a:noFill/>
+          <a:ln cap="flat" cmpd="sng" w="9525">
+            <a:solidFill>
+              <a:srgbClr val="595959"/>
+            </a:solidFill>
+            <a:prstDash val="solid"/>
+            <a:round/>
+            <a:headEnd len="sm" w="sm" type="none"/>
+            <a:tailEnd len="med" w="med" type="triangle"/>
+          </a:ln>
+        </p:spPr>
+      </p:cxnSp>
+      <p:sp>
+        <p:nvSpPr>
+          <p:cNvPr id="116" name="Google Shape;116;p16"/>
+          <p:cNvSpPr/>
+          <p:nvPr/>
+        </p:nvSpPr>
+        <p:spPr>
+          <a:xfrm>
+            <a:off x="3888788" y="344850"/>
+            <a:ext cx="2256300" cy="1325400"/>
+          </a:xfrm>
+          <a:prstGeom prst="roundRect">
+            <a:avLst>
+              <a:gd fmla="val 16667" name="adj"/>
+            </a:avLst>
+          </a:prstGeom>
+          <a:solidFill>
+            <a:srgbClr val="6D9EEB"/>
+          </a:solidFill>
+          <a:ln cap="flat" cmpd="sng" w="9525">
+            <a:solidFill>
+              <a:srgbClr val="595959"/>
+            </a:solidFill>
+            <a:prstDash val="solid"/>
+            <a:round/>
+            <a:headEnd len="sm" w="sm" type="none"/>
+            <a:tailEnd len="sm" w="sm" type="none"/>
+          </a:ln>
+        </p:spPr>
+        <p:txBody>
+          <a:bodyPr anchorCtr="0" anchor="ctr" bIns="91425" lIns="91425" spcFirstLastPara="1" rIns="91425" wrap="square" tIns="91425">
+            <a:noAutofit/>
+          </a:bodyPr>
+          <a:lstStyle/>
+          <a:p>
+            <a:pPr indent="0" lvl="0" marL="0" rtl="0" algn="l">
+              <a:spcBef>
+                <a:spcPts val="0"/>
+              </a:spcBef>
+              <a:spcAft>
+                <a:spcPts val="0"/>
+              </a:spcAft>
+              <a:buNone/>
+            </a:pPr>
+            <a:r>
+              <a:rPr lang="en"/>
+              <a:t>The  is allocated based on the stock allocation method</a:t>
+            </a:r>
+            <a:endParaRPr/>
+          </a:p>
+        </p:txBody>
+      </p:sp>
+      <p:sp>
+        <p:nvSpPr>
+          <p:cNvPr id="117" name="Google Shape;117;p16"/>
+          <p:cNvSpPr/>
+          <p:nvPr/>
+        </p:nvSpPr>
+        <p:spPr>
+          <a:xfrm>
+            <a:off x="3343374" y="2129975"/>
+            <a:ext cx="2672400" cy="1199100"/>
+          </a:xfrm>
+          <a:prstGeom prst="flowChartDecision">
+            <a:avLst/>
+          </a:prstGeom>
+          <a:solidFill>
+            <a:srgbClr val="6D9EEB"/>
+          </a:solidFill>
+          <a:ln cap="flat" cmpd="sng" w="9525">
+            <a:solidFill>
+              <a:srgbClr val="595959"/>
+            </a:solidFill>
+            <a:prstDash val="solid"/>
+            <a:round/>
+            <a:headEnd len="sm" w="sm" type="none"/>
+            <a:tailEnd len="sm" w="sm" type="none"/>
+          </a:ln>
+        </p:spPr>
+        <p:txBody>
+          <a:bodyPr anchorCtr="0" anchor="ctr" bIns="91425" lIns="91425" spcFirstLastPara="1" rIns="91425" wrap="square" tIns="91425">
+            <a:noAutofit/>
+          </a:bodyPr>
+          <a:lstStyle/>
+          <a:p>
+            <a:pPr indent="0" lvl="0" marL="0" rtl="0" algn="l">
+              <a:spcBef>
+                <a:spcPts val="0"/>
+              </a:spcBef>
+              <a:spcAft>
+                <a:spcPts val="0"/>
+              </a:spcAft>
+              <a:buNone/>
+            </a:pPr>
+            <a:r>
+              <a:rPr lang="en"/>
+              <a:t>Is allocation method source?</a:t>
+            </a:r>
+            <a:endParaRPr/>
+          </a:p>
+        </p:txBody>
+      </p:sp>
+      <p:cxnSp>
+        <p:nvCxnSpPr>
+          <p:cNvPr id="118" name="Google Shape;118;p16"/>
+          <p:cNvCxnSpPr>
+            <a:stCxn id="116" idx="2"/>
+            <a:endCxn id="117" idx="0"/>
+          </p:cNvCxnSpPr>
+          <p:nvPr/>
+        </p:nvCxnSpPr>
+        <p:spPr>
+          <a:xfrm flipH="1">
+            <a:off x="4679438" y="1670250"/>
+            <a:ext cx="337500" cy="459600"/>
+          </a:xfrm>
+          <a:prstGeom prst="straightConnector1">
+            <a:avLst/>
+          </a:prstGeom>
+          <a:noFill/>
+          <a:ln cap="flat" cmpd="sng" w="9525">
+            <a:solidFill>
+              <a:srgbClr val="595959"/>
+            </a:solidFill>
+            <a:prstDash val="solid"/>
+            <a:round/>
+            <a:headEnd len="med" w="med" type="none"/>
+            <a:tailEnd len="med" w="med" type="triangle"/>
+          </a:ln>
+        </p:spPr>
+      </p:cxnSp>
+      <p:sp>
+        <p:nvSpPr>
+          <p:cNvPr id="119" name="Google Shape;119;p16"/>
+          <p:cNvSpPr/>
+          <p:nvPr/>
+        </p:nvSpPr>
+        <p:spPr>
+          <a:xfrm>
+            <a:off x="0" y="2934625"/>
+            <a:ext cx="2256300" cy="1199100"/>
+          </a:xfrm>
+          <a:prstGeom prst="roundRect">
+            <a:avLst>
+              <a:gd fmla="val 16667" name="adj"/>
+            </a:avLst>
+          </a:prstGeom>
+          <a:solidFill>
+            <a:srgbClr val="000000"/>
+          </a:solidFill>
+          <a:ln cap="flat" cmpd="sng" w="9525">
+            <a:solidFill>
+              <a:srgbClr val="595959"/>
+            </a:solidFill>
+            <a:prstDash val="solid"/>
+            <a:round/>
+            <a:headEnd len="sm" w="sm" type="none"/>
+            <a:tailEnd len="sm" w="sm" type="none"/>
+          </a:ln>
+        </p:spPr>
+        <p:txBody>
+          <a:bodyPr anchorCtr="0" anchor="ctr" bIns="91425" lIns="91425" spcFirstLastPara="1" rIns="91425" wrap="square" tIns="91425">
+            <a:noAutofit/>
+          </a:bodyPr>
+          <a:lstStyle/>
+          <a:p>
+            <a:pPr indent="0" lvl="0" marL="0" rtl="0" algn="l">
+              <a:spcBef>
+                <a:spcPts val="0"/>
+              </a:spcBef>
+              <a:spcAft>
+                <a:spcPts val="0"/>
+              </a:spcAft>
+              <a:buNone/>
+            </a:pPr>
+            <a:r>
+              <a:rPr lang="en">
+                <a:solidFill>
+                  <a:srgbClr val="FFFFFF"/>
+                </a:solidFill>
+              </a:rPr>
+              <a:t>Gcv based algorithm is used to allocate the stockpile</a:t>
+            </a:r>
+            <a:endParaRPr>
+              <a:solidFill>
+                <a:srgbClr val="FFFFFF"/>
+              </a:solidFill>
+            </a:endParaRPr>
+          </a:p>
+        </p:txBody>
+      </p:sp>
+      <p:cxnSp>
+        <p:nvCxnSpPr>
+          <p:cNvPr id="120" name="Google Shape;120;p16"/>
+          <p:cNvCxnSpPr>
+            <a:stCxn id="117" idx="1"/>
+            <a:endCxn id="119" idx="0"/>
+          </p:cNvCxnSpPr>
+          <p:nvPr/>
+        </p:nvCxnSpPr>
+        <p:spPr>
+          <a:xfrm flipH="1">
+            <a:off x="1128174" y="2729525"/>
+            <a:ext cx="2215200" cy="205200"/>
+          </a:xfrm>
+          <a:prstGeom prst="straightConnector1">
+            <a:avLst/>
+          </a:prstGeom>
+          <a:noFill/>
+          <a:ln cap="flat" cmpd="sng" w="9525">
+            <a:solidFill>
+              <a:srgbClr val="595959"/>
+            </a:solidFill>
+            <a:prstDash val="solid"/>
+            <a:round/>
+            <a:headEnd len="med" w="med" type="none"/>
+            <a:tailEnd len="med" w="med" type="triangle"/>
+          </a:ln>
+        </p:spPr>
+      </p:cxnSp>
+      <p:sp>
+        <p:nvSpPr>
+          <p:cNvPr id="121" name="Google Shape;121;p16"/>
+          <p:cNvSpPr txBox="1"/>
+          <p:nvPr/>
+        </p:nvSpPr>
+        <p:spPr>
+          <a:xfrm>
+            <a:off x="2256300" y="2406150"/>
+            <a:ext cx="567900" cy="331200"/>
+          </a:xfrm>
+          <a:prstGeom prst="rect">
+            <a:avLst/>
+          </a:prstGeom>
+          <a:noFill/>
+          <a:ln>
+            <a:noFill/>
+          </a:ln>
+        </p:spPr>
+        <p:txBody>
+          <a:bodyPr anchorCtr="0" anchor="t" bIns="91425" lIns="91425" spcFirstLastPara="1" rIns="91425" wrap="square" tIns="91425">
+            <a:noAutofit/>
+          </a:bodyPr>
+          <a:lstStyle/>
+          <a:p>
+            <a:pPr indent="0" lvl="0" marL="0" rtl="0" algn="l">
+              <a:spcBef>
+                <a:spcPts val="0"/>
+              </a:spcBef>
+              <a:spcAft>
+                <a:spcPts val="0"/>
+              </a:spcAft>
+              <a:buNone/>
+            </a:pPr>
+            <a:r>
+              <a:rPr lang="en"/>
+              <a:t>no</a:t>
+            </a:r>
+            <a:endParaRPr/>
+          </a:p>
+        </p:txBody>
+      </p:sp>
+      <p:sp>
+        <p:nvSpPr>
+          <p:cNvPr id="122" name="Google Shape;122;p16"/>
+          <p:cNvSpPr txBox="1"/>
+          <p:nvPr/>
+        </p:nvSpPr>
+        <p:spPr>
+          <a:xfrm>
+            <a:off x="6441013" y="1341100"/>
+            <a:ext cx="789000" cy="449400"/>
+          </a:xfrm>
+          <a:prstGeom prst="rect">
+            <a:avLst/>
+          </a:prstGeom>
+          <a:noFill/>
+          <a:ln>
+            <a:noFill/>
+          </a:ln>
+        </p:spPr>
+        <p:txBody>
+          <a:bodyPr anchorCtr="0" anchor="t" bIns="91425" lIns="91425" spcFirstLastPara="1" rIns="91425" wrap="square" tIns="91425">
+            <a:noAutofit/>
+          </a:bodyPr>
+          <a:lstStyle/>
+          <a:p>
+            <a:pPr indent="0" lvl="0" marL="0" rtl="0" algn="l">
+              <a:spcBef>
+                <a:spcPts val="0"/>
+              </a:spcBef>
+              <a:spcAft>
+                <a:spcPts val="0"/>
+              </a:spcAft>
+              <a:buNone/>
+            </a:pPr>
+            <a:r>
+              <a:rPr lang="en"/>
+              <a:t>yes</a:t>
+            </a:r>
+            <a:endParaRPr/>
+          </a:p>
+        </p:txBody>
+      </p:sp>
+      <p:sp>
+        <p:nvSpPr>
+          <p:cNvPr id="123" name="Google Shape;123;p16"/>
+          <p:cNvSpPr/>
+          <p:nvPr/>
+        </p:nvSpPr>
+        <p:spPr>
+          <a:xfrm>
+            <a:off x="7525925" y="344850"/>
+            <a:ext cx="2445600" cy="1624800"/>
+          </a:xfrm>
+          <a:prstGeom prst="roundRect">
+            <a:avLst>
+              <a:gd fmla="val 16667" name="adj"/>
+            </a:avLst>
+          </a:prstGeom>
+          <a:solidFill>
+            <a:srgbClr val="000000"/>
           </a:solidFill>
           <a:ln cap="flat" cmpd="sng" w="9525">
             <a:solidFill>
@@ -9683,6 +11777,145 @@
           </a:bodyPr>
           <a:lstStyle/>
           <a:p>
+            <a:pPr indent="0" lvl="0" marL="0" rtl="0" algn="l">
+              <a:spcBef>
+                <a:spcPts val="0"/>
+              </a:spcBef>
+              <a:spcAft>
+                <a:spcPts val="0"/>
+              </a:spcAft>
+              <a:buNone/>
+            </a:pPr>
+            <a:r>
+              <a:rPr lang="en">
+                <a:solidFill>
+                  <a:srgbClr val="FFFFFF"/>
+                </a:solidFill>
+              </a:rPr>
+              <a:t>Source based algorithm is used to allocate the stockpile</a:t>
+            </a:r>
+            <a:endParaRPr>
+              <a:solidFill>
+                <a:srgbClr val="FFFFFF"/>
+              </a:solidFill>
+            </a:endParaRPr>
+          </a:p>
+        </p:txBody>
+      </p:sp>
+      <p:cxnSp>
+        <p:nvCxnSpPr>
+          <p:cNvPr id="124" name="Google Shape;124;p16"/>
+          <p:cNvCxnSpPr>
+            <a:stCxn id="117" idx="3"/>
+            <a:endCxn id="123" idx="1"/>
+          </p:cNvCxnSpPr>
+          <p:nvPr/>
+        </p:nvCxnSpPr>
+        <p:spPr>
+          <a:xfrm flipH="1" rot="10800000">
+            <a:off x="6015774" y="1157225"/>
+            <a:ext cx="1510200" cy="1572300"/>
+          </a:xfrm>
+          <a:prstGeom prst="straightConnector1">
+            <a:avLst/>
+          </a:prstGeom>
+          <a:noFill/>
+          <a:ln cap="flat" cmpd="sng" w="9525">
+            <a:solidFill>
+              <a:schemeClr val="dk2"/>
+            </a:solidFill>
+            <a:prstDash val="solid"/>
+            <a:round/>
+            <a:headEnd len="med" w="med" type="none"/>
+            <a:tailEnd len="med" w="med" type="triangle"/>
+          </a:ln>
+        </p:spPr>
+      </p:cxnSp>
+      <p:sp>
+        <p:nvSpPr>
+          <p:cNvPr id="125" name="Google Shape;125;p16"/>
+          <p:cNvSpPr/>
+          <p:nvPr/>
+        </p:nvSpPr>
+        <p:spPr>
+          <a:xfrm>
+            <a:off x="3408738" y="3818100"/>
+            <a:ext cx="2541675" cy="1325400"/>
+          </a:xfrm>
+          <a:prstGeom prst="flowChartDecision">
+            <a:avLst/>
+          </a:prstGeom>
+          <a:solidFill>
+            <a:srgbClr val="6D9EEB"/>
+          </a:solidFill>
+          <a:ln cap="flat" cmpd="sng" w="9525">
+            <a:solidFill>
+              <a:schemeClr val="dk2"/>
+            </a:solidFill>
+            <a:prstDash val="solid"/>
+            <a:round/>
+            <a:headEnd len="sm" w="sm" type="none"/>
+            <a:tailEnd len="sm" w="sm" type="none"/>
+          </a:ln>
+        </p:spPr>
+        <p:txBody>
+          <a:bodyPr anchorCtr="0" anchor="ctr" bIns="91425" lIns="91425" spcFirstLastPara="1" rIns="91425" wrap="square" tIns="91425">
+            <a:noAutofit/>
+          </a:bodyPr>
+          <a:lstStyle/>
+          <a:p>
+            <a:pPr indent="0" lvl="0" marL="0" rtl="0" algn="l">
+              <a:spcBef>
+                <a:spcPts val="0"/>
+              </a:spcBef>
+              <a:spcAft>
+                <a:spcPts val="0"/>
+              </a:spcAft>
+              <a:buNone/>
+            </a:pPr>
+            <a:r>
+              <a:rPr lang="en"/>
+              <a:t>Is stockpile allocated?</a:t>
+            </a:r>
+            <a:endParaRPr/>
+          </a:p>
+        </p:txBody>
+      </p:sp>
+      <p:sp>
+        <p:nvSpPr>
+          <p:cNvPr id="126" name="Google Shape;126;p16"/>
+          <p:cNvSpPr/>
+          <p:nvPr/>
+        </p:nvSpPr>
+        <p:spPr>
+          <a:xfrm>
+            <a:off x="7760700" y="2269425"/>
+            <a:ext cx="1383300" cy="1325400"/>
+          </a:xfrm>
+          <a:prstGeom prst="can">
+            <a:avLst>
+              <a:gd fmla="val 25000" name="adj"/>
+            </a:avLst>
+          </a:prstGeom>
+          <a:solidFill>
+            <a:srgbClr val="6D9EEB"/>
+          </a:solidFill>
+          <a:ln cap="flat" cmpd="sng" w="9525">
+            <a:solidFill>
+              <a:schemeClr val="dk2"/>
+            </a:solidFill>
+            <a:prstDash val="solid"/>
+            <a:round/>
+            <a:headEnd len="sm" w="sm" type="none"/>
+            <a:tailEnd len="sm" w="sm" type="none"/>
+          </a:ln>
+        </p:spPr>
+        <p:txBody>
+          <a:bodyPr anchorCtr="0" anchor="ctr" bIns="91425" lIns="91425" spcFirstLastPara="1" rIns="91425" wrap="square" tIns="91425">
+            <a:noAutofit/>
+          </a:bodyPr>
+          <a:lstStyle/>
+          <a:p>
             <a:pPr indent="0" lvl="0" marL="0" rtl="0" algn="ctr">
               <a:spcBef>
                 <a:spcPts val="0"/>
@@ -9700,16 +11933,345 @@
           </a:p>
         </p:txBody>
       </p:sp>
+      <p:cxnSp>
+        <p:nvCxnSpPr>
+          <p:cNvPr id="127" name="Google Shape;127;p16"/>
+          <p:cNvCxnSpPr>
+            <a:stCxn id="125" idx="3"/>
+            <a:endCxn id="126" idx="2"/>
+          </p:cNvCxnSpPr>
+          <p:nvPr/>
+        </p:nvCxnSpPr>
+        <p:spPr>
+          <a:xfrm flipH="1" rot="10800000">
+            <a:off x="5950413" y="2932200"/>
+            <a:ext cx="1810200" cy="1548600"/>
+          </a:xfrm>
+          <a:prstGeom prst="straightConnector1">
+            <a:avLst/>
+          </a:prstGeom>
+          <a:noFill/>
+          <a:ln cap="flat" cmpd="sng" w="9525">
+            <a:solidFill>
+              <a:schemeClr val="dk2"/>
+            </a:solidFill>
+            <a:prstDash val="solid"/>
+            <a:round/>
+            <a:headEnd len="med" w="med" type="none"/>
+            <a:tailEnd len="med" w="med" type="triangle"/>
+          </a:ln>
+        </p:spPr>
+      </p:cxnSp>
       <p:sp>
         <p:nvSpPr>
-          <p:cNvPr id="64" name="Google Shape;64;p14"/>
+          <p:cNvPr id="128" name="Google Shape;128;p16"/>
           <p:cNvSpPr/>
           <p:nvPr/>
         </p:nvSpPr>
         <p:spPr>
           <a:xfrm>
-            <a:off x="2994775" y="3448075"/>
-            <a:ext cx="2242800" cy="1282500"/>
+            <a:off x="7510150" y="4323075"/>
+            <a:ext cx="1633800" cy="820500"/>
+          </a:xfrm>
+          <a:prstGeom prst="roundRect">
+            <a:avLst>
+              <a:gd fmla="val 16667" name="adj"/>
+            </a:avLst>
+          </a:prstGeom>
+          <a:solidFill>
+            <a:schemeClr val="lt2"/>
+          </a:solidFill>
+          <a:ln cap="flat" cmpd="sng" w="9525">
+            <a:solidFill>
+              <a:schemeClr val="dk2"/>
+            </a:solidFill>
+            <a:prstDash val="solid"/>
+            <a:round/>
+            <a:headEnd len="sm" w="sm" type="none"/>
+            <a:tailEnd len="sm" w="sm" type="none"/>
+          </a:ln>
+        </p:spPr>
+        <p:txBody>
+          <a:bodyPr anchorCtr="0" anchor="ctr" bIns="91425" lIns="91425" spcFirstLastPara="1" rIns="91425" wrap="square" tIns="91425">
+            <a:noAutofit/>
+          </a:bodyPr>
+          <a:lstStyle/>
+          <a:p>
+            <a:pPr indent="0" lvl="0" marL="0" rtl="0" algn="l">
+              <a:spcBef>
+                <a:spcPts val="0"/>
+              </a:spcBef>
+              <a:spcAft>
+                <a:spcPts val="0"/>
+              </a:spcAft>
+              <a:buNone/>
+            </a:pPr>
+            <a:r>
+              <a:rPr lang="en"/>
+              <a:t>Continued in next slide</a:t>
+            </a:r>
+            <a:endParaRPr/>
+          </a:p>
+        </p:txBody>
+      </p:sp>
+      <p:sp>
+        <p:nvSpPr>
+          <p:cNvPr id="129" name="Google Shape;129;p16"/>
+          <p:cNvSpPr txBox="1"/>
+          <p:nvPr/>
+        </p:nvSpPr>
+        <p:spPr>
+          <a:xfrm>
+            <a:off x="6839300" y="3594825"/>
+            <a:ext cx="789000" cy="449400"/>
+          </a:xfrm>
+          <a:prstGeom prst="rect">
+            <a:avLst/>
+          </a:prstGeom>
+          <a:noFill/>
+          <a:ln>
+            <a:noFill/>
+          </a:ln>
+        </p:spPr>
+        <p:txBody>
+          <a:bodyPr anchorCtr="0" anchor="t" bIns="91425" lIns="91425" spcFirstLastPara="1" rIns="91425" wrap="square" tIns="91425">
+            <a:noAutofit/>
+          </a:bodyPr>
+          <a:lstStyle/>
+          <a:p>
+            <a:pPr indent="0" lvl="0" marL="0" rtl="0" algn="l">
+              <a:spcBef>
+                <a:spcPts val="0"/>
+              </a:spcBef>
+              <a:spcAft>
+                <a:spcPts val="0"/>
+              </a:spcAft>
+              <a:buNone/>
+            </a:pPr>
+            <a:r>
+              <a:rPr lang="en"/>
+              <a:t>yes</a:t>
+            </a:r>
+            <a:endParaRPr/>
+          </a:p>
+        </p:txBody>
+      </p:sp>
+      <p:cxnSp>
+        <p:nvCxnSpPr>
+          <p:cNvPr id="130" name="Google Shape;130;p16"/>
+          <p:cNvCxnSpPr>
+            <a:stCxn id="125" idx="3"/>
+            <a:endCxn id="128" idx="1"/>
+          </p:cNvCxnSpPr>
+          <p:nvPr/>
+        </p:nvCxnSpPr>
+        <p:spPr>
+          <a:xfrm>
+            <a:off x="5950413" y="4480800"/>
+            <a:ext cx="1559700" cy="252600"/>
+          </a:xfrm>
+          <a:prstGeom prst="straightConnector1">
+            <a:avLst/>
+          </a:prstGeom>
+          <a:noFill/>
+          <a:ln cap="flat" cmpd="sng" w="9525">
+            <a:solidFill>
+              <a:schemeClr val="dk2"/>
+            </a:solidFill>
+            <a:prstDash val="solid"/>
+            <a:round/>
+            <a:headEnd len="med" w="med" type="none"/>
+            <a:tailEnd len="med" w="med" type="triangle"/>
+          </a:ln>
+        </p:spPr>
+      </p:cxnSp>
+      <p:sp>
+        <p:nvSpPr>
+          <p:cNvPr id="131" name="Google Shape;131;p16"/>
+          <p:cNvSpPr txBox="1"/>
+          <p:nvPr/>
+        </p:nvSpPr>
+        <p:spPr>
+          <a:xfrm>
+            <a:off x="6705475" y="4228400"/>
+            <a:ext cx="678300" cy="449400"/>
+          </a:xfrm>
+          <a:prstGeom prst="rect">
+            <a:avLst/>
+          </a:prstGeom>
+          <a:noFill/>
+          <a:ln>
+            <a:noFill/>
+          </a:ln>
+        </p:spPr>
+        <p:txBody>
+          <a:bodyPr anchorCtr="0" anchor="t" bIns="91425" lIns="91425" spcFirstLastPara="1" rIns="91425" wrap="square" tIns="91425">
+            <a:noAutofit/>
+          </a:bodyPr>
+          <a:lstStyle/>
+          <a:p>
+            <a:pPr indent="0" lvl="0" marL="0" rtl="0" algn="l">
+              <a:spcBef>
+                <a:spcPts val="0"/>
+              </a:spcBef>
+              <a:spcAft>
+                <a:spcPts val="0"/>
+              </a:spcAft>
+              <a:buNone/>
+            </a:pPr>
+            <a:r>
+              <a:rPr lang="en"/>
+              <a:t>no</a:t>
+            </a:r>
+            <a:endParaRPr/>
+          </a:p>
+        </p:txBody>
+      </p:sp>
+      <p:cxnSp>
+        <p:nvCxnSpPr>
+          <p:cNvPr id="132" name="Google Shape;132;p16"/>
+          <p:cNvCxnSpPr>
+            <a:stCxn id="119" idx="2"/>
+            <a:endCxn id="125" idx="1"/>
+          </p:cNvCxnSpPr>
+          <p:nvPr/>
+        </p:nvCxnSpPr>
+        <p:spPr>
+          <a:xfrm>
+            <a:off x="1128150" y="4133725"/>
+            <a:ext cx="2280600" cy="347100"/>
+          </a:xfrm>
+          <a:prstGeom prst="straightConnector1">
+            <a:avLst/>
+          </a:prstGeom>
+          <a:noFill/>
+          <a:ln cap="flat" cmpd="sng" w="9525">
+            <a:solidFill>
+              <a:schemeClr val="dk2"/>
+            </a:solidFill>
+            <a:prstDash val="solid"/>
+            <a:round/>
+            <a:headEnd len="med" w="med" type="none"/>
+            <a:tailEnd len="med" w="med" type="triangle"/>
+          </a:ln>
+        </p:spPr>
+      </p:cxnSp>
+      <p:cxnSp>
+        <p:nvCxnSpPr>
+          <p:cNvPr id="133" name="Google Shape;133;p16"/>
+          <p:cNvCxnSpPr>
+            <a:stCxn id="123" idx="1"/>
+            <a:endCxn id="125" idx="3"/>
+          </p:cNvCxnSpPr>
+          <p:nvPr/>
+        </p:nvCxnSpPr>
+        <p:spPr>
+          <a:xfrm flipH="1">
+            <a:off x="5950325" y="1157250"/>
+            <a:ext cx="1575600" cy="3323700"/>
+          </a:xfrm>
+          <a:prstGeom prst="straightConnector1">
+            <a:avLst/>
+          </a:prstGeom>
+          <a:noFill/>
+          <a:ln cap="flat" cmpd="sng" w="9525">
+            <a:solidFill>
+              <a:schemeClr val="dk2"/>
+            </a:solidFill>
+            <a:prstDash val="solid"/>
+            <a:round/>
+            <a:headEnd len="med" w="med" type="none"/>
+            <a:tailEnd len="med" w="med" type="triangle"/>
+          </a:ln>
+        </p:spPr>
+      </p:cxnSp>
+    </p:spTree>
+  </p:cSld>
+  <p:clrMapOvr>
+    <a:masterClrMapping/>
+  </p:clrMapOvr>
+</p:sld>
+</file>
+
+<file path=ppt/slides/slide5.xml><?xml version="1.0" encoding="utf-8"?>
+<p:sld xmlns:a="http://schemas.openxmlformats.org/drawingml/2006/main" xmlns:r="http://schemas.openxmlformats.org/officeDocument/2006/relationships" xmlns:mc="http://schemas.openxmlformats.org/markup-compatibility/2006" xmlns:mv="urn:schemas-microsoft-com:mac:vml" xmlns:p="http://schemas.openxmlformats.org/presentationml/2006/main" xmlns:c="http://schemas.openxmlformats.org/drawingml/2006/chart" xmlns:dgm="http://schemas.openxmlformats.org/drawingml/2006/diagram" xmlns:o="urn:schemas-microsoft-com:office:office" xmlns:v="urn:schemas-microsoft-com:vml" xmlns:pvml="urn:schemas-microsoft-com:office:powerpoint" xmlns:com="http://schemas.openxmlformats.org/drawingml/2006/compatibility" xmlns:p14="http://schemas.microsoft.com/office/powerpoint/2010/main" xmlns:p15="http://schemas.microsoft.com/office/powerpoint/2012/main" xmlns:ahyp="http://schemas.microsoft.com/office/drawing/2018/hyperlinkcolor">
+  <p:cSld>
+    <p:spTree>
+      <p:nvGrpSpPr>
+        <p:cNvPr id="137" name="Shape 137"/>
+        <p:cNvGrpSpPr/>
+        <p:nvPr/>
+      </p:nvGrpSpPr>
+      <p:grpSpPr>
+        <a:xfrm>
+          <a:off x="0" y="0"/>
+          <a:ext cx="0" cy="0"/>
+          <a:chOff x="0" y="0"/>
+          <a:chExt cx="0" cy="0"/>
+        </a:xfrm>
+      </p:grpSpPr>
+      <p:sp>
+        <p:nvSpPr>
+          <p:cNvPr id="138" name="Google Shape;138;p17"/>
+          <p:cNvSpPr/>
+          <p:nvPr/>
+        </p:nvSpPr>
+        <p:spPr>
+          <a:xfrm>
+            <a:off x="268225" y="331325"/>
+            <a:ext cx="1798800" cy="899400"/>
+          </a:xfrm>
+          <a:prstGeom prst="roundRect">
+            <a:avLst>
+              <a:gd fmla="val 16667" name="adj"/>
+            </a:avLst>
+          </a:prstGeom>
+          <a:solidFill>
+            <a:schemeClr val="lt2"/>
+          </a:solidFill>
+          <a:ln cap="flat" cmpd="sng" w="9525">
+            <a:solidFill>
+              <a:schemeClr val="dk2"/>
+            </a:solidFill>
+            <a:prstDash val="solid"/>
+            <a:round/>
+            <a:headEnd len="sm" w="sm" type="none"/>
+            <a:tailEnd len="sm" w="sm" type="none"/>
+          </a:ln>
+        </p:spPr>
+        <p:txBody>
+          <a:bodyPr anchorCtr="0" anchor="ctr" bIns="91425" lIns="91425" spcFirstLastPara="1" rIns="91425" wrap="square" tIns="91425">
+            <a:noAutofit/>
+          </a:bodyPr>
+          <a:lstStyle/>
+          <a:p>
+            <a:pPr indent="0" lvl="0" marL="0" rtl="0" algn="l">
+              <a:spcBef>
+                <a:spcPts val="0"/>
+              </a:spcBef>
+              <a:spcAft>
+                <a:spcPts val="0"/>
+              </a:spcAft>
+              <a:buNone/>
+            </a:pPr>
+            <a:r>
+              <a:rPr lang="en"/>
+              <a:t>Continued from previous slide</a:t>
+            </a:r>
+            <a:endParaRPr/>
+          </a:p>
+        </p:txBody>
+      </p:sp>
+      <p:sp>
+        <p:nvSpPr>
+          <p:cNvPr id="139" name="Google Shape;139;p17"/>
+          <p:cNvSpPr/>
+          <p:nvPr/>
+        </p:nvSpPr>
+        <p:spPr>
+          <a:xfrm>
+            <a:off x="2682175" y="394450"/>
+            <a:ext cx="2634900" cy="1404300"/>
           </a:xfrm>
           <a:prstGeom prst="roundRect">
             <a:avLst>
@@ -9755,7 +12317,7 @@
                   <a:schemeClr val="dk1"/>
                 </a:solidFill>
               </a:rPr>
-              <a:t> if the yard name already exists but is inactive, it will allow it to be created..</a:t>
+              <a:t>User can go to reallocate by vehicle tab in yard and stockpile management and select a vehicle and reallocate a stockpile </a:t>
             </a:r>
             <a:endParaRPr>
               <a:solidFill>
@@ -9780,157 +12342,16 @@
           </a:p>
         </p:txBody>
       </p:sp>
-      <p:cxnSp>
-        <p:nvCxnSpPr>
-          <p:cNvPr id="65" name="Google Shape;65;p14"/>
-          <p:cNvCxnSpPr>
-            <a:stCxn id="60" idx="2"/>
-            <a:endCxn id="64" idx="1"/>
-          </p:cNvCxnSpPr>
-          <p:nvPr/>
-        </p:nvCxnSpPr>
-        <p:spPr>
-          <a:xfrm>
-            <a:off x="1369875" y="3024975"/>
-            <a:ext cx="1624800" cy="1064400"/>
-          </a:xfrm>
-          <a:prstGeom prst="straightConnector1">
-            <a:avLst/>
-          </a:prstGeom>
-          <a:noFill/>
-          <a:ln cap="flat" cmpd="sng" w="9525">
-            <a:solidFill>
-              <a:schemeClr val="dk2"/>
-            </a:solidFill>
-            <a:prstDash val="solid"/>
-            <a:round/>
-            <a:headEnd len="med" w="med" type="none"/>
-            <a:tailEnd len="med" w="med" type="triangle"/>
-          </a:ln>
-        </p:spPr>
-      </p:cxnSp>
-      <p:cxnSp>
-        <p:nvCxnSpPr>
-          <p:cNvPr id="66" name="Google Shape;66;p14"/>
-          <p:cNvCxnSpPr>
-            <a:stCxn id="64" idx="3"/>
-            <a:endCxn id="63" idx="2"/>
-          </p:cNvCxnSpPr>
-          <p:nvPr/>
-        </p:nvCxnSpPr>
-        <p:spPr>
-          <a:xfrm flipH="1" rot="10800000">
-            <a:off x="5237575" y="3199525"/>
-            <a:ext cx="2188800" cy="889800"/>
-          </a:xfrm>
-          <a:prstGeom prst="straightConnector1">
-            <a:avLst/>
-          </a:prstGeom>
-          <a:noFill/>
-          <a:ln cap="flat" cmpd="sng" w="9525">
-            <a:solidFill>
-              <a:schemeClr val="dk2"/>
-            </a:solidFill>
-            <a:prstDash val="solid"/>
-            <a:round/>
-            <a:headEnd len="med" w="med" type="none"/>
-            <a:tailEnd len="med" w="med" type="triangle"/>
-          </a:ln>
-        </p:spPr>
-      </p:cxnSp>
-    </p:spTree>
-  </p:cSld>
-  <p:clrMapOvr>
-    <a:masterClrMapping/>
-  </p:clrMapOvr>
-</p:sld>
-</file>
-
-<file path=ppt/slides/slide3.xml><?xml version="1.0" encoding="utf-8"?>
-<p:sld xmlns:a="http://schemas.openxmlformats.org/drawingml/2006/main" xmlns:r="http://schemas.openxmlformats.org/officeDocument/2006/relationships" xmlns:mc="http://schemas.openxmlformats.org/markup-compatibility/2006" xmlns:mv="urn:schemas-microsoft-com:mac:vml" xmlns:p="http://schemas.openxmlformats.org/presentationml/2006/main" xmlns:c="http://schemas.openxmlformats.org/drawingml/2006/chart" xmlns:dgm="http://schemas.openxmlformats.org/drawingml/2006/diagram" xmlns:o="urn:schemas-microsoft-com:office:office" xmlns:v="urn:schemas-microsoft-com:vml" xmlns:pvml="urn:schemas-microsoft-com:office:powerpoint" xmlns:com="http://schemas.openxmlformats.org/drawingml/2006/compatibility" xmlns:p14="http://schemas.microsoft.com/office/powerpoint/2010/main" xmlns:p15="http://schemas.microsoft.com/office/powerpoint/2012/main" xmlns:ahyp="http://schemas.microsoft.com/office/drawing/2018/hyperlinkcolor">
-  <p:cSld>
-    <p:spTree>
-      <p:nvGrpSpPr>
-        <p:cNvPr id="70" name="Shape 70"/>
-        <p:cNvGrpSpPr/>
-        <p:nvPr/>
-      </p:nvGrpSpPr>
-      <p:grpSpPr>
-        <a:xfrm>
-          <a:off x="0" y="0"/>
-          <a:ext cx="0" cy="0"/>
-          <a:chOff x="0" y="0"/>
-          <a:chExt cx="0" cy="0"/>
-        </a:xfrm>
-      </p:grpSpPr>
       <p:sp>
         <p:nvSpPr>
-          <p:cNvPr id="71" name="Google Shape;71;p15"/>
-          <p:cNvSpPr txBox="1"/>
-          <p:nvPr/>
-        </p:nvSpPr>
-        <p:spPr>
-          <a:xfrm>
-            <a:off x="295450" y="134300"/>
-            <a:ext cx="1047300" cy="537300"/>
-          </a:xfrm>
-          <a:prstGeom prst="rect">
-            <a:avLst/>
-          </a:prstGeom>
-          <a:noFill/>
-          <a:ln>
-            <a:noFill/>
-          </a:ln>
-        </p:spPr>
-        <p:txBody>
-          <a:bodyPr anchorCtr="0" anchor="t" bIns="91425" lIns="91425" spcFirstLastPara="1" rIns="91425" wrap="square" tIns="91425">
-            <a:noAutofit/>
-          </a:bodyPr>
-          <a:lstStyle/>
-          <a:p>
-            <a:pPr indent="0" lvl="0" marL="0" marR="0" rtl="0" algn="l">
-              <a:lnSpc>
-                <a:spcPct val="100000"/>
-              </a:lnSpc>
-              <a:spcBef>
-                <a:spcPts val="0"/>
-              </a:spcBef>
-              <a:spcAft>
-                <a:spcPts val="0"/>
-              </a:spcAft>
-              <a:buClr>
-                <a:srgbClr val="000000"/>
-              </a:buClr>
-              <a:buSzPts val="1400"/>
-              <a:buFont typeface="Arial"/>
-              <a:buNone/>
-            </a:pPr>
-            <a:r>
-              <a:rPr lang="en"/>
-              <a:t>Edit yard</a:t>
-            </a:r>
-            <a:endParaRPr b="0" i="0" sz="1400" u="none" cap="none" strike="noStrike">
-              <a:solidFill>
-                <a:srgbClr val="000000"/>
-              </a:solidFill>
-              <a:latin typeface="Arial"/>
-              <a:ea typeface="Arial"/>
-              <a:cs typeface="Arial"/>
-              <a:sym typeface="Arial"/>
-            </a:endParaRPr>
-          </a:p>
-        </p:txBody>
-      </p:sp>
-      <p:sp>
-        <p:nvSpPr>
-          <p:cNvPr id="72" name="Google Shape;72;p15"/>
+          <p:cNvPr id="140" name="Google Shape;140;p17"/>
           <p:cNvSpPr/>
           <p:nvPr/>
         </p:nvSpPr>
         <p:spPr>
           <a:xfrm>
-            <a:off x="214875" y="839350"/>
-            <a:ext cx="2242800" cy="1396800"/>
+            <a:off x="6169075" y="512800"/>
+            <a:ext cx="2256300" cy="1167600"/>
           </a:xfrm>
           <a:prstGeom prst="roundRect">
             <a:avLst>
@@ -9956,75 +12377,140 @@
           </a:bodyPr>
           <a:lstStyle/>
           <a:p>
-            <a:pPr indent="0" lvl="0" marL="0" marR="0" rtl="0" algn="l">
-              <a:lnSpc>
-                <a:spcPct val="100000"/>
-              </a:lnSpc>
-              <a:spcBef>
-                <a:spcPts val="0"/>
-              </a:spcBef>
-              <a:spcAft>
-                <a:spcPts val="0"/>
-              </a:spcAft>
-              <a:buClr>
-                <a:srgbClr val="000000"/>
-              </a:buClr>
-              <a:buSzPts val="1400"/>
-              <a:buFont typeface="Arial"/>
+            <a:pPr indent="0" lvl="0" marL="0" rtl="0" algn="l">
+              <a:spcBef>
+                <a:spcPts val="0"/>
+              </a:spcBef>
+              <a:spcAft>
+                <a:spcPts val="0"/>
+              </a:spcAft>
               <a:buNone/>
             </a:pPr>
             <a:r>
-              <a:rPr b="0" i="0" lang="en" sz="1400" u="none" cap="none" strike="noStrike">
-                <a:solidFill>
-                  <a:srgbClr val="000000"/>
-                </a:solidFill>
-                <a:latin typeface="Arial"/>
-                <a:ea typeface="Arial"/>
-                <a:cs typeface="Arial"/>
-                <a:sym typeface="Arial"/>
-              </a:rPr>
-              <a:t>User can view the existing yard and</a:t>
+              <a:rPr lang="en"/>
+              <a:t>User shall view the list of active vehicles in the plant whose unloading is still not done.</a:t>
             </a:r>
+            <a:endParaRPr/>
+          </a:p>
+        </p:txBody>
+      </p:sp>
+      <p:sp>
+        <p:nvSpPr>
+          <p:cNvPr id="141" name="Google Shape;141;p17"/>
+          <p:cNvSpPr/>
+          <p:nvPr/>
+        </p:nvSpPr>
+        <p:spPr>
+          <a:xfrm>
+            <a:off x="2398175" y="2571750"/>
+            <a:ext cx="2634900" cy="1798800"/>
+          </a:xfrm>
+          <a:prstGeom prst="roundRect">
+            <a:avLst>
+              <a:gd fmla="val 16667" name="adj"/>
+            </a:avLst>
+          </a:prstGeom>
+          <a:solidFill>
+            <a:srgbClr val="6D9EEB"/>
+          </a:solidFill>
+          <a:ln cap="flat" cmpd="sng" w="9525">
+            <a:solidFill>
+              <a:schemeClr val="dk2"/>
+            </a:solidFill>
+            <a:prstDash val="solid"/>
+            <a:round/>
+            <a:headEnd len="sm" w="sm" type="none"/>
+            <a:tailEnd len="sm" w="sm" type="none"/>
+          </a:ln>
+        </p:spPr>
+        <p:txBody>
+          <a:bodyPr anchorCtr="0" anchor="ctr" bIns="91425" lIns="91425" spcFirstLastPara="1" rIns="91425" wrap="square" tIns="91425">
+            <a:noAutofit/>
+          </a:bodyPr>
+          <a:lstStyle/>
+          <a:p>
+            <a:pPr indent="0" lvl="0" marL="0" rtl="0" algn="l">
+              <a:spcBef>
+                <a:spcPts val="0"/>
+              </a:spcBef>
+              <a:spcAft>
+                <a:spcPts val="0"/>
+              </a:spcAft>
+              <a:buNone/>
+            </a:pPr>
             <a:r>
               <a:rPr lang="en"/>
-              <a:t> </a:t>
+              <a:t>The allocation will be done based on the material type and source of the vehicle and the stockpile. The queue length of the stockpile should not be greater than its threshold.</a:t>
             </a:r>
+            <a:endParaRPr/>
+          </a:p>
+        </p:txBody>
+      </p:sp>
+      <p:sp>
+        <p:nvSpPr>
+          <p:cNvPr id="142" name="Google Shape;142;p17"/>
+          <p:cNvSpPr/>
+          <p:nvPr/>
+        </p:nvSpPr>
+        <p:spPr>
+          <a:xfrm>
+            <a:off x="6405725" y="2548200"/>
+            <a:ext cx="1593600" cy="1845900"/>
+          </a:xfrm>
+          <a:prstGeom prst="can">
+            <a:avLst>
+              <a:gd fmla="val 25000" name="adj"/>
+            </a:avLst>
+          </a:prstGeom>
+          <a:solidFill>
+            <a:srgbClr val="6D9EEB"/>
+          </a:solidFill>
+          <a:ln cap="flat" cmpd="sng" w="9525">
+            <a:solidFill>
+              <a:schemeClr val="dk2"/>
+            </a:solidFill>
+            <a:prstDash val="solid"/>
+            <a:round/>
+            <a:headEnd len="sm" w="sm" type="none"/>
+            <a:tailEnd len="sm" w="sm" type="none"/>
+          </a:ln>
+        </p:spPr>
+        <p:txBody>
+          <a:bodyPr anchorCtr="0" anchor="ctr" bIns="91425" lIns="91425" spcFirstLastPara="1" rIns="91425" wrap="square" tIns="91425">
+            <a:noAutofit/>
+          </a:bodyPr>
+          <a:lstStyle/>
+          <a:p>
+            <a:pPr indent="0" lvl="0" marL="0" rtl="0" algn="ctr">
+              <a:spcBef>
+                <a:spcPts val="0"/>
+              </a:spcBef>
+              <a:spcAft>
+                <a:spcPts val="0"/>
+              </a:spcAft>
+              <a:buNone/>
+            </a:pPr>
             <a:r>
-              <a:rPr b="0" i="0" lang="en" sz="1400" u="none" cap="none" strike="noStrike">
-                <a:solidFill>
-                  <a:srgbClr val="000000"/>
-                </a:solidFill>
-                <a:latin typeface="Arial"/>
-                <a:ea typeface="Arial"/>
-                <a:cs typeface="Arial"/>
-                <a:sym typeface="Arial"/>
-              </a:rPr>
-              <a:t>edit their attributes or delete the yard itself. </a:t>
+              <a:rPr lang="en"/>
+              <a:t>DB</a:t>
             </a:r>
-            <a:endParaRPr b="0" i="0" sz="1400" u="none" cap="none" strike="noStrike">
-              <a:solidFill>
-                <a:srgbClr val="000000"/>
-              </a:solidFill>
-              <a:latin typeface="Arial"/>
-              <a:ea typeface="Arial"/>
-              <a:cs typeface="Arial"/>
-              <a:sym typeface="Arial"/>
-            </a:endParaRPr>
+            <a:endParaRPr/>
           </a:p>
         </p:txBody>
       </p:sp>
       <p:cxnSp>
         <p:nvCxnSpPr>
-          <p:cNvPr id="73" name="Google Shape;73;p15"/>
+          <p:cNvPr id="143" name="Google Shape;143;p17"/>
           <p:cNvCxnSpPr>
-            <a:stCxn id="72" idx="3"/>
+            <a:stCxn id="138" idx="3"/>
+            <a:endCxn id="139" idx="1"/>
           </p:cNvCxnSpPr>
           <p:nvPr/>
         </p:nvCxnSpPr>
         <p:spPr>
           <a:xfrm>
-            <a:off x="2457675" y="1537750"/>
-            <a:ext cx="496800" cy="0"/>
+            <a:off x="2067025" y="781025"/>
+            <a:ext cx="615300" cy="315600"/>
           </a:xfrm>
           <a:prstGeom prst="straightConnector1">
             <a:avLst/>
@@ -10041,123 +12527,19 @@
           </a:ln>
         </p:spPr>
       </p:cxnSp>
-      <p:sp>
-        <p:nvSpPr>
-          <p:cNvPr id="74" name="Google Shape;74;p15"/>
-          <p:cNvSpPr/>
-          <p:nvPr/>
-        </p:nvSpPr>
-        <p:spPr>
-          <a:xfrm>
-            <a:off x="2954475" y="953650"/>
-            <a:ext cx="2618700" cy="1282500"/>
-          </a:xfrm>
-          <a:prstGeom prst="roundRect">
-            <a:avLst>
-              <a:gd fmla="val 16667" name="adj"/>
-            </a:avLst>
-          </a:prstGeom>
-          <a:solidFill>
-            <a:srgbClr val="6AA84F"/>
-          </a:solidFill>
-          <a:ln cap="flat" cmpd="sng" w="9525">
-            <a:solidFill>
-              <a:schemeClr val="dk2"/>
-            </a:solidFill>
-            <a:prstDash val="solid"/>
-            <a:round/>
-            <a:headEnd len="sm" w="sm" type="none"/>
-            <a:tailEnd len="sm" w="sm" type="none"/>
-          </a:ln>
-        </p:spPr>
-        <p:txBody>
-          <a:bodyPr anchorCtr="0" anchor="ctr" bIns="91425" lIns="91425" spcFirstLastPara="1" rIns="91425" wrap="square" tIns="91425">
-            <a:noAutofit/>
-          </a:bodyPr>
-          <a:lstStyle/>
-          <a:p>
-            <a:pPr indent="0" lvl="0" marL="0" rtl="0" algn="l">
-              <a:spcBef>
-                <a:spcPts val="0"/>
-              </a:spcBef>
-              <a:spcAft>
-                <a:spcPts val="0"/>
-              </a:spcAft>
-              <a:buNone/>
-            </a:pPr>
-            <a:r>
-              <a:rPr lang="en"/>
-              <a:t>A search box is provided for a user to search for a yard. </a:t>
-            </a:r>
-            <a:endParaRPr/>
-          </a:p>
-        </p:txBody>
-      </p:sp>
-      <p:sp>
-        <p:nvSpPr>
-          <p:cNvPr id="75" name="Google Shape;75;p15"/>
-          <p:cNvSpPr/>
-          <p:nvPr/>
-        </p:nvSpPr>
-        <p:spPr>
-          <a:xfrm>
-            <a:off x="7439900" y="762250"/>
-            <a:ext cx="1128000" cy="1665300"/>
-          </a:xfrm>
-          <a:prstGeom prst="can">
-            <a:avLst>
-              <a:gd fmla="val 25000" name="adj"/>
-            </a:avLst>
-          </a:prstGeom>
-          <a:solidFill>
-            <a:srgbClr val="A4C2F4"/>
-          </a:solidFill>
-          <a:ln cap="flat" cmpd="sng" w="9525">
-            <a:solidFill>
-              <a:schemeClr val="dk2"/>
-            </a:solidFill>
-            <a:prstDash val="solid"/>
-            <a:round/>
-            <a:headEnd len="sm" w="sm" type="none"/>
-            <a:tailEnd len="sm" w="sm" type="none"/>
-          </a:ln>
-        </p:spPr>
-        <p:txBody>
-          <a:bodyPr anchorCtr="0" anchor="ctr" bIns="91425" lIns="91425" spcFirstLastPara="1" rIns="91425" wrap="square" tIns="91425">
-            <a:noAutofit/>
-          </a:bodyPr>
-          <a:lstStyle/>
-          <a:p>
-            <a:pPr indent="0" lvl="0" marL="0" rtl="0" algn="ctr">
-              <a:spcBef>
-                <a:spcPts val="0"/>
-              </a:spcBef>
-              <a:spcAft>
-                <a:spcPts val="0"/>
-              </a:spcAft>
-              <a:buNone/>
-            </a:pPr>
-            <a:r>
-              <a:rPr lang="en"/>
-              <a:t>DB</a:t>
-            </a:r>
-            <a:endParaRPr/>
-          </a:p>
-        </p:txBody>
-      </p:sp>
       <p:cxnSp>
         <p:nvCxnSpPr>
-          <p:cNvPr id="76" name="Google Shape;76;p15"/>
+          <p:cNvPr id="144" name="Google Shape;144;p17"/>
           <p:cNvCxnSpPr>
-            <a:stCxn id="74" idx="3"/>
-            <a:endCxn id="75" idx="2"/>
+            <a:stCxn id="139" idx="3"/>
+            <a:endCxn id="140" idx="1"/>
           </p:cNvCxnSpPr>
           <p:nvPr/>
         </p:nvCxnSpPr>
         <p:spPr>
           <a:xfrm>
-            <a:off x="5573175" y="1594900"/>
-            <a:ext cx="1866600" cy="0"/>
+            <a:off x="5317075" y="1096600"/>
+            <a:ext cx="852000" cy="0"/>
           </a:xfrm>
           <a:prstGeom prst="straightConnector1">
             <a:avLst/>
@@ -10174,71 +12556,19 @@
           </a:ln>
         </p:spPr>
       </p:cxnSp>
-      <p:sp>
-        <p:nvSpPr>
-          <p:cNvPr id="77" name="Google Shape;77;p15"/>
-          <p:cNvSpPr/>
-          <p:nvPr/>
-        </p:nvSpPr>
-        <p:spPr>
-          <a:xfrm>
-            <a:off x="3102225" y="2954500"/>
-            <a:ext cx="2470800" cy="1544400"/>
-          </a:xfrm>
-          <a:prstGeom prst="roundRect">
-            <a:avLst>
-              <a:gd fmla="val 16667" name="adj"/>
-            </a:avLst>
-          </a:prstGeom>
-          <a:solidFill>
-            <a:srgbClr val="6AA84F"/>
-          </a:solidFill>
-          <a:ln cap="flat" cmpd="sng" w="9525">
-            <a:solidFill>
-              <a:schemeClr val="dk2"/>
-            </a:solidFill>
-            <a:prstDash val="solid"/>
-            <a:round/>
-            <a:headEnd len="sm" w="sm" type="none"/>
-            <a:tailEnd len="sm" w="sm" type="none"/>
-          </a:ln>
-        </p:spPr>
-        <p:txBody>
-          <a:bodyPr anchorCtr="0" anchor="ctr" bIns="91425" lIns="91425" spcFirstLastPara="1" rIns="91425" wrap="square" tIns="91425">
-            <a:noAutofit/>
-          </a:bodyPr>
-          <a:lstStyle/>
-          <a:p>
-            <a:pPr indent="0" lvl="0" marL="0" rtl="0" algn="l">
-              <a:spcBef>
-                <a:spcPts val="0"/>
-              </a:spcBef>
-              <a:spcAft>
-                <a:spcPts val="0"/>
-              </a:spcAft>
-              <a:buNone/>
-            </a:pPr>
-            <a:r>
-              <a:rPr lang="en"/>
-              <a:t>User needs to click under the corresponding delete symbol for the yard to delete it. </a:t>
-            </a:r>
-            <a:endParaRPr/>
-          </a:p>
-        </p:txBody>
-      </p:sp>
       <p:cxnSp>
         <p:nvCxnSpPr>
-          <p:cNvPr id="78" name="Google Shape;78;p15"/>
+          <p:cNvPr id="145" name="Google Shape;145;p17"/>
           <p:cNvCxnSpPr>
-            <a:stCxn id="72" idx="2"/>
-            <a:endCxn id="77" idx="1"/>
+            <a:stCxn id="140" idx="2"/>
+            <a:endCxn id="141" idx="0"/>
           </p:cNvCxnSpPr>
           <p:nvPr/>
         </p:nvCxnSpPr>
         <p:spPr>
-          <a:xfrm>
-            <a:off x="1336275" y="2236150"/>
-            <a:ext cx="1766100" cy="1490700"/>
+          <a:xfrm flipH="1">
+            <a:off x="3715525" y="1680400"/>
+            <a:ext cx="3581700" cy="891300"/>
           </a:xfrm>
           <a:prstGeom prst="straightConnector1">
             <a:avLst/>
@@ -10257,960 +12587,17 @@
       </p:cxnSp>
       <p:cxnSp>
         <p:nvCxnSpPr>
-          <p:cNvPr id="79" name="Google Shape;79;p15"/>
+          <p:cNvPr id="146" name="Google Shape;146;p17"/>
           <p:cNvCxnSpPr>
-            <a:stCxn id="77" idx="3"/>
-            <a:endCxn id="75" idx="2"/>
+            <a:stCxn id="141" idx="3"/>
+            <a:endCxn id="142" idx="2"/>
           </p:cNvCxnSpPr>
           <p:nvPr/>
         </p:nvCxnSpPr>
         <p:spPr>
-          <a:xfrm flipH="1" rot="10800000">
-            <a:off x="5573025" y="1594900"/>
-            <a:ext cx="1866900" cy="2131800"/>
-          </a:xfrm>
-          <a:prstGeom prst="straightConnector1">
-            <a:avLst/>
-          </a:prstGeom>
-          <a:noFill/>
-          <a:ln cap="flat" cmpd="sng" w="9525">
-            <a:solidFill>
-              <a:schemeClr val="dk2"/>
-            </a:solidFill>
-            <a:prstDash val="solid"/>
-            <a:round/>
-            <a:headEnd len="med" w="med" type="none"/>
-            <a:tailEnd len="med" w="med" type="triangle"/>
-          </a:ln>
-        </p:spPr>
-      </p:cxnSp>
-    </p:spTree>
-  </p:cSld>
-  <p:clrMapOvr>
-    <a:masterClrMapping/>
-  </p:clrMapOvr>
-</p:sld>
-</file>
-
-<file path=ppt/slides/slide4.xml><?xml version="1.0" encoding="utf-8"?>
-<p:sld xmlns:a="http://schemas.openxmlformats.org/drawingml/2006/main" xmlns:r="http://schemas.openxmlformats.org/officeDocument/2006/relationships" xmlns:mc="http://schemas.openxmlformats.org/markup-compatibility/2006" xmlns:mv="urn:schemas-microsoft-com:mac:vml" xmlns:p="http://schemas.openxmlformats.org/presentationml/2006/main" xmlns:c="http://schemas.openxmlformats.org/drawingml/2006/chart" xmlns:dgm="http://schemas.openxmlformats.org/drawingml/2006/diagram" xmlns:o="urn:schemas-microsoft-com:office:office" xmlns:v="urn:schemas-microsoft-com:vml" xmlns:pvml="urn:schemas-microsoft-com:office:powerpoint" xmlns:com="http://schemas.openxmlformats.org/drawingml/2006/compatibility" xmlns:p14="http://schemas.microsoft.com/office/powerpoint/2010/main" xmlns:p15="http://schemas.microsoft.com/office/powerpoint/2012/main" xmlns:ahyp="http://schemas.microsoft.com/office/drawing/2018/hyperlinkcolor">
-  <p:cSld>
-    <p:spTree>
-      <p:nvGrpSpPr>
-        <p:cNvPr id="83" name="Shape 83"/>
-        <p:cNvGrpSpPr/>
-        <p:nvPr/>
-      </p:nvGrpSpPr>
-      <p:grpSpPr>
-        <a:xfrm>
-          <a:off x="0" y="0"/>
-          <a:ext cx="0" cy="0"/>
-          <a:chOff x="0" y="0"/>
-          <a:chExt cx="0" cy="0"/>
-        </a:xfrm>
-      </p:grpSpPr>
-      <p:sp>
-        <p:nvSpPr>
-          <p:cNvPr id="84" name="Google Shape;84;p16"/>
-          <p:cNvSpPr txBox="1"/>
-          <p:nvPr/>
-        </p:nvSpPr>
-        <p:spPr>
           <a:xfrm>
-            <a:off x="349100" y="1074375"/>
-            <a:ext cx="1396800" cy="537300"/>
-          </a:xfrm>
-          <a:prstGeom prst="rect">
-            <a:avLst/>
-          </a:prstGeom>
-          <a:noFill/>
-          <a:ln>
-            <a:noFill/>
-          </a:ln>
-        </p:spPr>
-        <p:txBody>
-          <a:bodyPr anchorCtr="0" anchor="t" bIns="91425" lIns="91425" spcFirstLastPara="1" rIns="91425" wrap="square" tIns="91425">
-            <a:noAutofit/>
-          </a:bodyPr>
-          <a:lstStyle/>
-          <a:p>
-            <a:pPr indent="0" lvl="0" marL="0" marR="0" rtl="0" algn="l">
-              <a:lnSpc>
-                <a:spcPct val="100000"/>
-              </a:lnSpc>
-              <a:spcBef>
-                <a:spcPts val="0"/>
-              </a:spcBef>
-              <a:spcAft>
-                <a:spcPts val="0"/>
-              </a:spcAft>
-              <a:buClr>
-                <a:srgbClr val="000000"/>
-              </a:buClr>
-              <a:buSzPts val="1400"/>
-              <a:buFont typeface="Arial"/>
-              <a:buNone/>
-            </a:pPr>
-            <a:r>
-              <a:rPr b="0" i="0" lang="en" sz="1400" u="none" cap="none" strike="noStrike">
-                <a:solidFill>
-                  <a:srgbClr val="000000"/>
-                </a:solidFill>
-                <a:latin typeface="Arial"/>
-                <a:ea typeface="Arial"/>
-                <a:cs typeface="Arial"/>
-                <a:sym typeface="Arial"/>
-              </a:rPr>
-              <a:t>Add</a:t>
-            </a:r>
-            <a:r>
-              <a:rPr b="0" i="0" lang="en" sz="1400" u="none" cap="none" strike="noStrike">
-                <a:solidFill>
-                  <a:srgbClr val="000000"/>
-                </a:solidFill>
-                <a:latin typeface="Arial"/>
-                <a:ea typeface="Arial"/>
-                <a:cs typeface="Arial"/>
-                <a:sym typeface="Arial"/>
-              </a:rPr>
-              <a:t> </a:t>
-            </a:r>
-            <a:r>
-              <a:rPr lang="en"/>
-              <a:t>stockpile</a:t>
-            </a:r>
-            <a:endParaRPr b="0" i="0" sz="1400" u="none" cap="none" strike="noStrike">
-              <a:solidFill>
-                <a:srgbClr val="000000"/>
-              </a:solidFill>
-              <a:latin typeface="Arial"/>
-              <a:ea typeface="Arial"/>
-              <a:cs typeface="Arial"/>
-              <a:sym typeface="Arial"/>
-            </a:endParaRPr>
-          </a:p>
-        </p:txBody>
-      </p:sp>
-      <p:sp>
-        <p:nvSpPr>
-          <p:cNvPr id="85" name="Google Shape;85;p16"/>
-          <p:cNvSpPr/>
-          <p:nvPr/>
-        </p:nvSpPr>
-        <p:spPr>
-          <a:xfrm>
-            <a:off x="255200" y="1675350"/>
-            <a:ext cx="2121900" cy="1282500"/>
-          </a:xfrm>
-          <a:prstGeom prst="roundRect">
-            <a:avLst>
-              <a:gd fmla="val 16667" name="adj"/>
-            </a:avLst>
-          </a:prstGeom>
-          <a:solidFill>
-            <a:srgbClr val="6AA84F"/>
-          </a:solidFill>
-          <a:ln cap="flat" cmpd="sng" w="9525">
-            <a:solidFill>
-              <a:schemeClr val="dk2"/>
-            </a:solidFill>
-            <a:prstDash val="solid"/>
-            <a:round/>
-            <a:headEnd len="sm" w="sm" type="none"/>
-            <a:tailEnd len="sm" w="sm" type="none"/>
-          </a:ln>
-        </p:spPr>
-        <p:txBody>
-          <a:bodyPr anchorCtr="0" anchor="ctr" bIns="91425" lIns="91425" spcFirstLastPara="1" rIns="91425" wrap="square" tIns="91425">
-            <a:noAutofit/>
-          </a:bodyPr>
-          <a:lstStyle/>
-          <a:p>
-            <a:pPr indent="0" lvl="0" marL="0" marR="0" rtl="0" algn="l">
-              <a:lnSpc>
-                <a:spcPct val="100000"/>
-              </a:lnSpc>
-              <a:spcBef>
-                <a:spcPts val="0"/>
-              </a:spcBef>
-              <a:spcAft>
-                <a:spcPts val="0"/>
-              </a:spcAft>
-              <a:buClr>
-                <a:srgbClr val="000000"/>
-              </a:buClr>
-              <a:buSzPts val="1400"/>
-              <a:buFont typeface="Arial"/>
-              <a:buNone/>
-            </a:pPr>
-            <a:r>
-              <a:rPr b="0" i="0" lang="en" sz="1400" u="none" cap="none" strike="noStrike">
-                <a:solidFill>
-                  <a:srgbClr val="000000"/>
-                </a:solidFill>
-                <a:latin typeface="Arial"/>
-                <a:ea typeface="Arial"/>
-                <a:cs typeface="Arial"/>
-                <a:sym typeface="Arial"/>
-              </a:rPr>
-              <a:t>User can create a new </a:t>
-            </a:r>
-            <a:r>
-              <a:rPr lang="en"/>
-              <a:t>stockpile from a existing yard</a:t>
-            </a:r>
-            <a:r>
-              <a:rPr b="0" i="0" lang="en" sz="1400" u="none" cap="none" strike="noStrike">
-                <a:solidFill>
-                  <a:srgbClr val="000000"/>
-                </a:solidFill>
-                <a:latin typeface="Arial"/>
-                <a:ea typeface="Arial"/>
-                <a:cs typeface="Arial"/>
-                <a:sym typeface="Arial"/>
-              </a:rPr>
-              <a:t> from the UI. This is persisted in the DB</a:t>
-            </a:r>
-            <a:endParaRPr b="0" i="0" sz="1400" u="none" cap="none" strike="noStrike">
-              <a:solidFill>
-                <a:srgbClr val="000000"/>
-              </a:solidFill>
-              <a:latin typeface="Arial"/>
-              <a:ea typeface="Arial"/>
-              <a:cs typeface="Arial"/>
-              <a:sym typeface="Arial"/>
-            </a:endParaRPr>
-          </a:p>
-        </p:txBody>
-      </p:sp>
-      <p:sp>
-        <p:nvSpPr>
-          <p:cNvPr id="86" name="Google Shape;86;p16"/>
-          <p:cNvSpPr/>
-          <p:nvPr/>
-        </p:nvSpPr>
-        <p:spPr>
-          <a:xfrm>
-            <a:off x="2941050" y="1507575"/>
-            <a:ext cx="2618700" cy="1527600"/>
-          </a:xfrm>
-          <a:prstGeom prst="roundRect">
-            <a:avLst>
-              <a:gd fmla="val 16667" name="adj"/>
-            </a:avLst>
-          </a:prstGeom>
-          <a:solidFill>
-            <a:srgbClr val="6AA84F"/>
-          </a:solidFill>
-          <a:ln cap="flat" cmpd="sng" w="9525">
-            <a:solidFill>
-              <a:schemeClr val="dk2"/>
-            </a:solidFill>
-            <a:prstDash val="solid"/>
-            <a:round/>
-            <a:headEnd len="sm" w="sm" type="none"/>
-            <a:tailEnd len="sm" w="sm" type="none"/>
-          </a:ln>
-        </p:spPr>
-        <p:txBody>
-          <a:bodyPr anchorCtr="0" anchor="ctr" bIns="91425" lIns="91425" spcFirstLastPara="1" rIns="91425" wrap="square" tIns="91425">
-            <a:noAutofit/>
-          </a:bodyPr>
-          <a:lstStyle/>
-          <a:p>
-            <a:pPr indent="0" lvl="0" marL="0" rtl="0" algn="l">
-              <a:spcBef>
-                <a:spcPts val="0"/>
-              </a:spcBef>
-              <a:spcAft>
-                <a:spcPts val="0"/>
-              </a:spcAft>
-              <a:buNone/>
-            </a:pPr>
-            <a:r>
-              <a:rPr lang="en"/>
-              <a:t>If stockpile name already exists, there will be an error displayed on the UI conveying the same.</a:t>
-            </a:r>
-            <a:endParaRPr/>
-          </a:p>
-        </p:txBody>
-      </p:sp>
-      <p:cxnSp>
-        <p:nvCxnSpPr>
-          <p:cNvPr id="87" name="Google Shape;87;p16"/>
-          <p:cNvCxnSpPr>
-            <a:stCxn id="85" idx="3"/>
-            <a:endCxn id="86" idx="1"/>
-          </p:cNvCxnSpPr>
-          <p:nvPr/>
-        </p:nvCxnSpPr>
-        <p:spPr>
-          <a:xfrm flipH="1" rot="10800000">
-            <a:off x="2377100" y="2271300"/>
-            <a:ext cx="564000" cy="45300"/>
-          </a:xfrm>
-          <a:prstGeom prst="straightConnector1">
-            <a:avLst/>
-          </a:prstGeom>
-          <a:noFill/>
-          <a:ln cap="flat" cmpd="sng" w="9525">
-            <a:solidFill>
-              <a:schemeClr val="dk2"/>
-            </a:solidFill>
-            <a:prstDash val="solid"/>
-            <a:round/>
-            <a:headEnd len="med" w="med" type="none"/>
-            <a:tailEnd len="med" w="med" type="triangle"/>
-          </a:ln>
-        </p:spPr>
-      </p:cxnSp>
-      <p:sp>
-        <p:nvSpPr>
-          <p:cNvPr id="88" name="Google Shape;88;p16"/>
-          <p:cNvSpPr/>
-          <p:nvPr/>
-        </p:nvSpPr>
-        <p:spPr>
-          <a:xfrm>
-            <a:off x="7372700" y="2259625"/>
-            <a:ext cx="1235400" cy="1745700"/>
-          </a:xfrm>
-          <a:prstGeom prst="can">
-            <a:avLst>
-              <a:gd fmla="val 25000" name="adj"/>
-            </a:avLst>
-          </a:prstGeom>
-          <a:solidFill>
-            <a:srgbClr val="A4C2F4"/>
-          </a:solidFill>
-          <a:ln cap="flat" cmpd="sng" w="9525">
-            <a:solidFill>
-              <a:schemeClr val="dk2"/>
-            </a:solidFill>
-            <a:prstDash val="solid"/>
-            <a:round/>
-            <a:headEnd len="sm" w="sm" type="none"/>
-            <a:tailEnd len="sm" w="sm" type="none"/>
-          </a:ln>
-        </p:spPr>
-        <p:txBody>
-          <a:bodyPr anchorCtr="0" anchor="ctr" bIns="91425" lIns="91425" spcFirstLastPara="1" rIns="91425" wrap="square" tIns="91425">
-            <a:noAutofit/>
-          </a:bodyPr>
-          <a:lstStyle/>
-          <a:p>
-            <a:pPr indent="0" lvl="0" marL="0" rtl="0" algn="ctr">
-              <a:spcBef>
-                <a:spcPts val="0"/>
-              </a:spcBef>
-              <a:spcAft>
-                <a:spcPts val="0"/>
-              </a:spcAft>
-              <a:buNone/>
-            </a:pPr>
-            <a:r>
-              <a:rPr lang="en"/>
-              <a:t>DB</a:t>
-            </a:r>
-            <a:endParaRPr/>
-          </a:p>
-        </p:txBody>
-      </p:sp>
-      <p:sp>
-        <p:nvSpPr>
-          <p:cNvPr id="89" name="Google Shape;89;p16"/>
-          <p:cNvSpPr/>
-          <p:nvPr/>
-        </p:nvSpPr>
-        <p:spPr>
-          <a:xfrm>
-            <a:off x="2941000" y="3213088"/>
-            <a:ext cx="2242800" cy="1282500"/>
-          </a:xfrm>
-          <a:prstGeom prst="roundRect">
-            <a:avLst>
-              <a:gd fmla="val 16667" name="adj"/>
-            </a:avLst>
-          </a:prstGeom>
-          <a:solidFill>
-            <a:srgbClr val="6AA84F"/>
-          </a:solidFill>
-          <a:ln cap="flat" cmpd="sng" w="9525">
-            <a:solidFill>
-              <a:schemeClr val="dk2"/>
-            </a:solidFill>
-            <a:prstDash val="solid"/>
-            <a:round/>
-            <a:headEnd len="sm" w="sm" type="none"/>
-            <a:tailEnd len="sm" w="sm" type="none"/>
-          </a:ln>
-        </p:spPr>
-        <p:txBody>
-          <a:bodyPr anchorCtr="0" anchor="ctr" bIns="91425" lIns="91425" spcFirstLastPara="1" rIns="91425" wrap="square" tIns="91425">
-            <a:noAutofit/>
-          </a:bodyPr>
-          <a:lstStyle/>
-          <a:p>
-            <a:pPr indent="0" lvl="0" marL="0" rtl="0" algn="l">
-              <a:spcBef>
-                <a:spcPts val="0"/>
-              </a:spcBef>
-              <a:spcAft>
-                <a:spcPts val="0"/>
-              </a:spcAft>
-              <a:buNone/>
-            </a:pPr>
-            <a:r>
-              <a:rPr lang="en">
-                <a:solidFill>
-                  <a:schemeClr val="dk1"/>
-                </a:solidFill>
-              </a:rPr>
-              <a:t> if the stockpile name already exists but is inactive, it will allow it to be created..</a:t>
-            </a:r>
-            <a:endParaRPr>
-              <a:solidFill>
-                <a:schemeClr val="dk1"/>
-              </a:solidFill>
-            </a:endParaRPr>
-          </a:p>
-          <a:p>
-            <a:pPr indent="0" lvl="0" marL="0" rtl="0" algn="l">
-              <a:spcBef>
-                <a:spcPts val="0"/>
-              </a:spcBef>
-              <a:spcAft>
-                <a:spcPts val="0"/>
-              </a:spcAft>
-              <a:buNone/>
-            </a:pPr>
-            <a:r>
-              <a:t/>
-            </a:r>
-            <a:endParaRPr/>
-          </a:p>
-        </p:txBody>
-      </p:sp>
-      <p:cxnSp>
-        <p:nvCxnSpPr>
-          <p:cNvPr id="90" name="Google Shape;90;p16"/>
-          <p:cNvCxnSpPr>
-            <a:stCxn id="85" idx="2"/>
-            <a:endCxn id="89" idx="1"/>
-          </p:cNvCxnSpPr>
-          <p:nvPr/>
-        </p:nvCxnSpPr>
-        <p:spPr>
-          <a:xfrm>
-            <a:off x="1316150" y="2957850"/>
-            <a:ext cx="1624800" cy="896400"/>
-          </a:xfrm>
-          <a:prstGeom prst="straightConnector1">
-            <a:avLst/>
-          </a:prstGeom>
-          <a:noFill/>
-          <a:ln cap="flat" cmpd="sng" w="9525">
-            <a:solidFill>
-              <a:schemeClr val="dk2"/>
-            </a:solidFill>
-            <a:prstDash val="solid"/>
-            <a:round/>
-            <a:headEnd len="med" w="med" type="none"/>
-            <a:tailEnd len="med" w="med" type="triangle"/>
-          </a:ln>
-        </p:spPr>
-      </p:cxnSp>
-      <p:cxnSp>
-        <p:nvCxnSpPr>
-          <p:cNvPr id="91" name="Google Shape;91;p16"/>
-          <p:cNvCxnSpPr>
-            <a:stCxn id="89" idx="3"/>
-            <a:endCxn id="88" idx="2"/>
-          </p:cNvCxnSpPr>
-          <p:nvPr/>
-        </p:nvCxnSpPr>
-        <p:spPr>
-          <a:xfrm flipH="1" rot="10800000">
-            <a:off x="5183800" y="3132538"/>
-            <a:ext cx="2188800" cy="721800"/>
-          </a:xfrm>
-          <a:prstGeom prst="straightConnector1">
-            <a:avLst/>
-          </a:prstGeom>
-          <a:noFill/>
-          <a:ln cap="flat" cmpd="sng" w="9525">
-            <a:solidFill>
-              <a:schemeClr val="dk2"/>
-            </a:solidFill>
-            <a:prstDash val="solid"/>
-            <a:round/>
-            <a:headEnd len="med" w="med" type="none"/>
-            <a:tailEnd len="med" w="med" type="triangle"/>
-          </a:ln>
-        </p:spPr>
-      </p:cxnSp>
-    </p:spTree>
-  </p:cSld>
-  <p:clrMapOvr>
-    <a:masterClrMapping/>
-  </p:clrMapOvr>
-</p:sld>
-</file>
-
-<file path=ppt/slides/slide5.xml><?xml version="1.0" encoding="utf-8"?>
-<p:sld xmlns:a="http://schemas.openxmlformats.org/drawingml/2006/main" xmlns:r="http://schemas.openxmlformats.org/officeDocument/2006/relationships" xmlns:mc="http://schemas.openxmlformats.org/markup-compatibility/2006" xmlns:mv="urn:schemas-microsoft-com:mac:vml" xmlns:p="http://schemas.openxmlformats.org/presentationml/2006/main" xmlns:c="http://schemas.openxmlformats.org/drawingml/2006/chart" xmlns:dgm="http://schemas.openxmlformats.org/drawingml/2006/diagram" xmlns:o="urn:schemas-microsoft-com:office:office" xmlns:v="urn:schemas-microsoft-com:vml" xmlns:pvml="urn:schemas-microsoft-com:office:powerpoint" xmlns:com="http://schemas.openxmlformats.org/drawingml/2006/compatibility" xmlns:p14="http://schemas.microsoft.com/office/powerpoint/2010/main" xmlns:p15="http://schemas.microsoft.com/office/powerpoint/2012/main" xmlns:ahyp="http://schemas.microsoft.com/office/drawing/2018/hyperlinkcolor">
-  <p:cSld>
-    <p:spTree>
-      <p:nvGrpSpPr>
-        <p:cNvPr id="95" name="Shape 95"/>
-        <p:cNvGrpSpPr/>
-        <p:nvPr/>
-      </p:nvGrpSpPr>
-      <p:grpSpPr>
-        <a:xfrm>
-          <a:off x="0" y="0"/>
-          <a:ext cx="0" cy="0"/>
-          <a:chOff x="0" y="0"/>
-          <a:chExt cx="0" cy="0"/>
-        </a:xfrm>
-      </p:grpSpPr>
-      <p:sp>
-        <p:nvSpPr>
-          <p:cNvPr id="96" name="Google Shape;96;p17"/>
-          <p:cNvSpPr txBox="1"/>
-          <p:nvPr/>
-        </p:nvSpPr>
-        <p:spPr>
-          <a:xfrm>
-            <a:off x="295450" y="134300"/>
-            <a:ext cx="1047300" cy="537300"/>
-          </a:xfrm>
-          <a:prstGeom prst="rect">
-            <a:avLst/>
-          </a:prstGeom>
-          <a:noFill/>
-          <a:ln>
-            <a:noFill/>
-          </a:ln>
-        </p:spPr>
-        <p:txBody>
-          <a:bodyPr anchorCtr="0" anchor="t" bIns="91425" lIns="91425" spcFirstLastPara="1" rIns="91425" wrap="square" tIns="91425">
-            <a:noAutofit/>
-          </a:bodyPr>
-          <a:lstStyle/>
-          <a:p>
-            <a:pPr indent="0" lvl="0" marL="0" marR="0" rtl="0" algn="l">
-              <a:lnSpc>
-                <a:spcPct val="100000"/>
-              </a:lnSpc>
-              <a:spcBef>
-                <a:spcPts val="0"/>
-              </a:spcBef>
-              <a:spcAft>
-                <a:spcPts val="0"/>
-              </a:spcAft>
-              <a:buClr>
-                <a:srgbClr val="000000"/>
-              </a:buClr>
-              <a:buSzPts val="1400"/>
-              <a:buFont typeface="Arial"/>
-              <a:buNone/>
-            </a:pPr>
-            <a:r>
-              <a:rPr lang="en"/>
-              <a:t>Edit Stockpile</a:t>
-            </a:r>
-            <a:endParaRPr b="0" i="0" sz="1400" u="none" cap="none" strike="noStrike">
-              <a:solidFill>
-                <a:srgbClr val="000000"/>
-              </a:solidFill>
-              <a:latin typeface="Arial"/>
-              <a:ea typeface="Arial"/>
-              <a:cs typeface="Arial"/>
-              <a:sym typeface="Arial"/>
-            </a:endParaRPr>
-          </a:p>
-        </p:txBody>
-      </p:sp>
-      <p:sp>
-        <p:nvSpPr>
-          <p:cNvPr id="97" name="Google Shape;97;p17"/>
-          <p:cNvSpPr/>
-          <p:nvPr/>
-        </p:nvSpPr>
-        <p:spPr>
-          <a:xfrm>
-            <a:off x="214875" y="839350"/>
-            <a:ext cx="2242800" cy="1396800"/>
-          </a:xfrm>
-          <a:prstGeom prst="roundRect">
-            <a:avLst>
-              <a:gd fmla="val 16667" name="adj"/>
-            </a:avLst>
-          </a:prstGeom>
-          <a:solidFill>
-            <a:srgbClr val="6AA84F"/>
-          </a:solidFill>
-          <a:ln cap="flat" cmpd="sng" w="9525">
-            <a:solidFill>
-              <a:schemeClr val="dk2"/>
-            </a:solidFill>
-            <a:prstDash val="solid"/>
-            <a:round/>
-            <a:headEnd len="sm" w="sm" type="none"/>
-            <a:tailEnd len="sm" w="sm" type="none"/>
-          </a:ln>
-        </p:spPr>
-        <p:txBody>
-          <a:bodyPr anchorCtr="0" anchor="ctr" bIns="91425" lIns="91425" spcFirstLastPara="1" rIns="91425" wrap="square" tIns="91425">
-            <a:noAutofit/>
-          </a:bodyPr>
-          <a:lstStyle/>
-          <a:p>
-            <a:pPr indent="0" lvl="0" marL="0" marR="0" rtl="0" algn="l">
-              <a:lnSpc>
-                <a:spcPct val="100000"/>
-              </a:lnSpc>
-              <a:spcBef>
-                <a:spcPts val="0"/>
-              </a:spcBef>
-              <a:spcAft>
-                <a:spcPts val="0"/>
-              </a:spcAft>
-              <a:buClr>
-                <a:srgbClr val="000000"/>
-              </a:buClr>
-              <a:buSzPts val="1400"/>
-              <a:buFont typeface="Arial"/>
-              <a:buNone/>
-            </a:pPr>
-            <a:r>
-              <a:rPr b="0" i="0" lang="en" sz="1400" u="none" cap="none" strike="noStrike">
-                <a:solidFill>
-                  <a:srgbClr val="000000"/>
-                </a:solidFill>
-                <a:latin typeface="Arial"/>
-                <a:ea typeface="Arial"/>
-                <a:cs typeface="Arial"/>
-                <a:sym typeface="Arial"/>
-              </a:rPr>
-              <a:t>User can view the existing </a:t>
-            </a:r>
-            <a:r>
-              <a:rPr lang="en"/>
-              <a:t>stockpiles</a:t>
-            </a:r>
-            <a:r>
-              <a:rPr b="0" i="0" lang="en" sz="1400" u="none" cap="none" strike="noStrike">
-                <a:solidFill>
-                  <a:srgbClr val="000000"/>
-                </a:solidFill>
-                <a:latin typeface="Arial"/>
-                <a:ea typeface="Arial"/>
-                <a:cs typeface="Arial"/>
-                <a:sym typeface="Arial"/>
-              </a:rPr>
-              <a:t> and</a:t>
-            </a:r>
-            <a:r>
-              <a:rPr lang="en"/>
-              <a:t> </a:t>
-            </a:r>
-            <a:r>
-              <a:rPr b="0" i="0" lang="en" sz="1400" u="none" cap="none" strike="noStrike">
-                <a:solidFill>
-                  <a:srgbClr val="000000"/>
-                </a:solidFill>
-                <a:latin typeface="Arial"/>
-                <a:ea typeface="Arial"/>
-                <a:cs typeface="Arial"/>
-                <a:sym typeface="Arial"/>
-              </a:rPr>
-              <a:t>edit their attributes or delete the </a:t>
-            </a:r>
-            <a:r>
-              <a:rPr lang="en"/>
-              <a:t>stockpile</a:t>
-            </a:r>
-            <a:r>
-              <a:rPr b="0" i="0" lang="en" sz="1400" u="none" cap="none" strike="noStrike">
-                <a:solidFill>
-                  <a:srgbClr val="000000"/>
-                </a:solidFill>
-                <a:latin typeface="Arial"/>
-                <a:ea typeface="Arial"/>
-                <a:cs typeface="Arial"/>
-                <a:sym typeface="Arial"/>
-              </a:rPr>
-              <a:t> itself. </a:t>
-            </a:r>
-            <a:endParaRPr b="0" i="0" sz="1400" u="none" cap="none" strike="noStrike">
-              <a:solidFill>
-                <a:srgbClr val="000000"/>
-              </a:solidFill>
-              <a:latin typeface="Arial"/>
-              <a:ea typeface="Arial"/>
-              <a:cs typeface="Arial"/>
-              <a:sym typeface="Arial"/>
-            </a:endParaRPr>
-          </a:p>
-        </p:txBody>
-      </p:sp>
-      <p:cxnSp>
-        <p:nvCxnSpPr>
-          <p:cNvPr id="98" name="Google Shape;98;p17"/>
-          <p:cNvCxnSpPr>
-            <a:stCxn id="97" idx="3"/>
-          </p:cNvCxnSpPr>
-          <p:nvPr/>
-        </p:nvCxnSpPr>
-        <p:spPr>
-          <a:xfrm>
-            <a:off x="2457675" y="1537750"/>
-            <a:ext cx="496800" cy="0"/>
-          </a:xfrm>
-          <a:prstGeom prst="straightConnector1">
-            <a:avLst/>
-          </a:prstGeom>
-          <a:noFill/>
-          <a:ln cap="flat" cmpd="sng" w="9525">
-            <a:solidFill>
-              <a:schemeClr val="dk2"/>
-            </a:solidFill>
-            <a:prstDash val="solid"/>
-            <a:round/>
-            <a:headEnd len="med" w="med" type="none"/>
-            <a:tailEnd len="med" w="med" type="triangle"/>
-          </a:ln>
-        </p:spPr>
-      </p:cxnSp>
-      <p:sp>
-        <p:nvSpPr>
-          <p:cNvPr id="99" name="Google Shape;99;p17"/>
-          <p:cNvSpPr/>
-          <p:nvPr/>
-        </p:nvSpPr>
-        <p:spPr>
-          <a:xfrm>
-            <a:off x="2954475" y="953650"/>
-            <a:ext cx="2618700" cy="1282500"/>
-          </a:xfrm>
-          <a:prstGeom prst="roundRect">
-            <a:avLst>
-              <a:gd fmla="val 16667" name="adj"/>
-            </a:avLst>
-          </a:prstGeom>
-          <a:solidFill>
-            <a:srgbClr val="6AA84F"/>
-          </a:solidFill>
-          <a:ln cap="flat" cmpd="sng" w="9525">
-            <a:solidFill>
-              <a:schemeClr val="dk2"/>
-            </a:solidFill>
-            <a:prstDash val="solid"/>
-            <a:round/>
-            <a:headEnd len="sm" w="sm" type="none"/>
-            <a:tailEnd len="sm" w="sm" type="none"/>
-          </a:ln>
-        </p:spPr>
-        <p:txBody>
-          <a:bodyPr anchorCtr="0" anchor="ctr" bIns="91425" lIns="91425" spcFirstLastPara="1" rIns="91425" wrap="square" tIns="91425">
-            <a:noAutofit/>
-          </a:bodyPr>
-          <a:lstStyle/>
-          <a:p>
-            <a:pPr indent="0" lvl="0" marL="0" rtl="0" algn="l">
-              <a:spcBef>
-                <a:spcPts val="0"/>
-              </a:spcBef>
-              <a:spcAft>
-                <a:spcPts val="0"/>
-              </a:spcAft>
-              <a:buNone/>
-            </a:pPr>
-            <a:r>
-              <a:rPr lang="en"/>
-              <a:t>A search box is provided for a user to search for a stockpile. </a:t>
-            </a:r>
-            <a:endParaRPr/>
-          </a:p>
-        </p:txBody>
-      </p:sp>
-      <p:sp>
-        <p:nvSpPr>
-          <p:cNvPr id="100" name="Google Shape;100;p17"/>
-          <p:cNvSpPr/>
-          <p:nvPr/>
-        </p:nvSpPr>
-        <p:spPr>
-          <a:xfrm>
-            <a:off x="7439900" y="762250"/>
-            <a:ext cx="1128000" cy="1665300"/>
-          </a:xfrm>
-          <a:prstGeom prst="can">
-            <a:avLst>
-              <a:gd fmla="val 25000" name="adj"/>
-            </a:avLst>
-          </a:prstGeom>
-          <a:solidFill>
-            <a:srgbClr val="A4C2F4"/>
-          </a:solidFill>
-          <a:ln cap="flat" cmpd="sng" w="9525">
-            <a:solidFill>
-              <a:schemeClr val="dk2"/>
-            </a:solidFill>
-            <a:prstDash val="solid"/>
-            <a:round/>
-            <a:headEnd len="sm" w="sm" type="none"/>
-            <a:tailEnd len="sm" w="sm" type="none"/>
-          </a:ln>
-        </p:spPr>
-        <p:txBody>
-          <a:bodyPr anchorCtr="0" anchor="ctr" bIns="91425" lIns="91425" spcFirstLastPara="1" rIns="91425" wrap="square" tIns="91425">
-            <a:noAutofit/>
-          </a:bodyPr>
-          <a:lstStyle/>
-          <a:p>
-            <a:pPr indent="0" lvl="0" marL="0" rtl="0" algn="ctr">
-              <a:spcBef>
-                <a:spcPts val="0"/>
-              </a:spcBef>
-              <a:spcAft>
-                <a:spcPts val="0"/>
-              </a:spcAft>
-              <a:buNone/>
-            </a:pPr>
-            <a:r>
-              <a:rPr lang="en"/>
-              <a:t>DB</a:t>
-            </a:r>
-            <a:endParaRPr/>
-          </a:p>
-        </p:txBody>
-      </p:sp>
-      <p:cxnSp>
-        <p:nvCxnSpPr>
-          <p:cNvPr id="101" name="Google Shape;101;p17"/>
-          <p:cNvCxnSpPr>
-            <a:stCxn id="99" idx="3"/>
-            <a:endCxn id="100" idx="2"/>
-          </p:cNvCxnSpPr>
-          <p:nvPr/>
-        </p:nvCxnSpPr>
-        <p:spPr>
-          <a:xfrm>
-            <a:off x="5573175" y="1594900"/>
-            <a:ext cx="1866600" cy="0"/>
-          </a:xfrm>
-          <a:prstGeom prst="straightConnector1">
-            <a:avLst/>
-          </a:prstGeom>
-          <a:noFill/>
-          <a:ln cap="flat" cmpd="sng" w="9525">
-            <a:solidFill>
-              <a:schemeClr val="dk2"/>
-            </a:solidFill>
-            <a:prstDash val="solid"/>
-            <a:round/>
-            <a:headEnd len="med" w="med" type="none"/>
-            <a:tailEnd len="med" w="med" type="triangle"/>
-          </a:ln>
-        </p:spPr>
-      </p:cxnSp>
-      <p:sp>
-        <p:nvSpPr>
-          <p:cNvPr id="102" name="Google Shape;102;p17"/>
-          <p:cNvSpPr/>
-          <p:nvPr/>
-        </p:nvSpPr>
-        <p:spPr>
-          <a:xfrm>
-            <a:off x="3102225" y="2954500"/>
-            <a:ext cx="2470800" cy="1544400"/>
-          </a:xfrm>
-          <a:prstGeom prst="roundRect">
-            <a:avLst>
-              <a:gd fmla="val 16667" name="adj"/>
-            </a:avLst>
-          </a:prstGeom>
-          <a:solidFill>
-            <a:srgbClr val="6AA84F"/>
-          </a:solidFill>
-          <a:ln cap="flat" cmpd="sng" w="9525">
-            <a:solidFill>
-              <a:schemeClr val="dk2"/>
-            </a:solidFill>
-            <a:prstDash val="solid"/>
-            <a:round/>
-            <a:headEnd len="sm" w="sm" type="none"/>
-            <a:tailEnd len="sm" w="sm" type="none"/>
-          </a:ln>
-        </p:spPr>
-        <p:txBody>
-          <a:bodyPr anchorCtr="0" anchor="ctr" bIns="91425" lIns="91425" spcFirstLastPara="1" rIns="91425" wrap="square" tIns="91425">
-            <a:noAutofit/>
-          </a:bodyPr>
-          <a:lstStyle/>
-          <a:p>
-            <a:pPr indent="0" lvl="0" marL="0" rtl="0" algn="l">
-              <a:spcBef>
-                <a:spcPts val="0"/>
-              </a:spcBef>
-              <a:spcAft>
-                <a:spcPts val="0"/>
-              </a:spcAft>
-              <a:buNone/>
-            </a:pPr>
-            <a:r>
-              <a:rPr lang="en"/>
-              <a:t>User needs to click under the corresponding delete symbol for the stockpile to delete it. </a:t>
-            </a:r>
-            <a:endParaRPr/>
-          </a:p>
-        </p:txBody>
-      </p:sp>
-      <p:cxnSp>
-        <p:nvCxnSpPr>
-          <p:cNvPr id="103" name="Google Shape;103;p17"/>
-          <p:cNvCxnSpPr>
-            <a:stCxn id="97" idx="2"/>
-            <a:endCxn id="102" idx="1"/>
-          </p:cNvCxnSpPr>
-          <p:nvPr/>
-        </p:nvCxnSpPr>
-        <p:spPr>
-          <a:xfrm>
-            <a:off x="1336275" y="2236150"/>
-            <a:ext cx="1766100" cy="1490700"/>
-          </a:xfrm>
-          <a:prstGeom prst="straightConnector1">
-            <a:avLst/>
-          </a:prstGeom>
-          <a:noFill/>
-          <a:ln cap="flat" cmpd="sng" w="9525">
-            <a:solidFill>
-              <a:schemeClr val="dk2"/>
-            </a:solidFill>
-            <a:prstDash val="solid"/>
-            <a:round/>
-            <a:headEnd len="med" w="med" type="none"/>
-            <a:tailEnd len="med" w="med" type="triangle"/>
-          </a:ln>
-        </p:spPr>
-      </p:cxnSp>
-      <p:cxnSp>
-        <p:nvCxnSpPr>
-          <p:cNvPr id="104" name="Google Shape;104;p17"/>
-          <p:cNvCxnSpPr>
-            <a:stCxn id="102" idx="3"/>
-            <a:endCxn id="100" idx="2"/>
-          </p:cNvCxnSpPr>
-          <p:nvPr/>
-        </p:nvCxnSpPr>
-        <p:spPr>
-          <a:xfrm flipH="1" rot="10800000">
-            <a:off x="5573025" y="1594900"/>
-            <a:ext cx="1866900" cy="2131800"/>
+            <a:off x="5033075" y="3471150"/>
+            <a:ext cx="1372800" cy="0"/>
           </a:xfrm>
           <a:prstGeom prst="straightConnector1">
             <a:avLst/>
@@ -11240,7 +12627,7 @@
   <p:cSld>
     <p:spTree>
       <p:nvGrpSpPr>
-        <p:cNvPr id="108" name="Shape 108"/>
+        <p:cNvPr id="150" name="Shape 150"/>
         <p:cNvGrpSpPr/>
         <p:nvPr/>
       </p:nvGrpSpPr>
@@ -11254,14 +12641,56 @@
       </p:grpSpPr>
       <p:sp>
         <p:nvSpPr>
-          <p:cNvPr id="109" name="Google Shape;109;p18"/>
+          <p:cNvPr id="151" name="Google Shape;151;p18"/>
+          <p:cNvSpPr txBox="1"/>
+          <p:nvPr/>
+        </p:nvSpPr>
+        <p:spPr>
+          <a:xfrm>
+            <a:off x="255150" y="134300"/>
+            <a:ext cx="1544400" cy="604200"/>
+          </a:xfrm>
+          <a:prstGeom prst="rect">
+            <a:avLst/>
+          </a:prstGeom>
+          <a:noFill/>
+          <a:ln>
+            <a:noFill/>
+          </a:ln>
+        </p:spPr>
+        <p:txBody>
+          <a:bodyPr anchorCtr="0" anchor="t" bIns="91425" lIns="91425" spcFirstLastPara="1" rIns="91425" wrap="square" tIns="91425">
+            <a:noAutofit/>
+          </a:bodyPr>
+          <a:lstStyle/>
+          <a:p>
+            <a:pPr indent="0" lvl="0" marL="0" rtl="0" algn="l">
+              <a:spcBef>
+                <a:spcPts val="0"/>
+              </a:spcBef>
+              <a:spcAft>
+                <a:spcPts val="0"/>
+              </a:spcAft>
+              <a:buNone/>
+            </a:pPr>
+            <a:r>
+              <a:rPr lang="en"/>
+              <a:t>Source based algorithm</a:t>
+            </a:r>
+            <a:endParaRPr/>
+          </a:p>
+        </p:txBody>
+      </p:sp>
+      <p:sp>
+        <p:nvSpPr>
+          <p:cNvPr id="152" name="Google Shape;152;p18"/>
           <p:cNvSpPr/>
           <p:nvPr/>
         </p:nvSpPr>
         <p:spPr>
           <a:xfrm>
-            <a:off x="859550" y="1863175"/>
-            <a:ext cx="2605200" cy="2028000"/>
+            <a:off x="295450" y="993775"/>
+            <a:ext cx="2162100" cy="1141500"/>
           </a:xfrm>
           <a:prstGeom prst="roundRect">
             <a:avLst>
@@ -11269,7 +12698,7 @@
             </a:avLst>
           </a:prstGeom>
           <a:solidFill>
-            <a:srgbClr val="6AA84F"/>
+            <a:srgbClr val="000000"/>
           </a:solidFill>
           <a:ln cap="flat" cmpd="sng" w="9525">
             <a:solidFill>
@@ -11287,131 +12716,47 @@
           </a:bodyPr>
           <a:lstStyle/>
           <a:p>
-            <a:pPr indent="0" lvl="0" marL="0" marR="0" rtl="0" algn="l">
-              <a:lnSpc>
-                <a:spcPct val="100000"/>
-              </a:lnSpc>
-              <a:spcBef>
-                <a:spcPts val="0"/>
-              </a:spcBef>
-              <a:spcAft>
-                <a:spcPts val="0"/>
-              </a:spcAft>
-              <a:buClr>
-                <a:srgbClr val="000000"/>
-              </a:buClr>
-              <a:buSzPts val="1400"/>
-              <a:buFont typeface="Arial"/>
+            <a:pPr indent="0" lvl="0" marL="0" rtl="0" algn="l">
+              <a:spcBef>
+                <a:spcPts val="0"/>
+              </a:spcBef>
+              <a:spcAft>
+                <a:spcPts val="0"/>
+              </a:spcAft>
               <a:buNone/>
             </a:pPr>
             <a:r>
-              <a:rPr b="0" i="0" lang="en" sz="1400" u="none" cap="none" strike="noStrike">
-                <a:solidFill>
-                  <a:srgbClr val="000000"/>
-                </a:solidFill>
-                <a:latin typeface="Arial"/>
-                <a:ea typeface="Arial"/>
-                <a:cs typeface="Arial"/>
-                <a:sym typeface="Arial"/>
+              <a:rPr lang="en">
+                <a:solidFill>
+                  <a:srgbClr val="FFFFFF"/>
+                </a:solidFill>
               </a:rPr>
-              <a:t>User can change the stock allocation method. In the ‘edit stockpile’ tab, there will be a drop down “stock allocation”. User can change the type here. This will be persisted in the DB</a:t>
+              <a:t>DO number, gcv min,gcv max,source, material type are passed to the allocation algorithm</a:t>
             </a:r>
-            <a:endParaRPr b="0" i="0" sz="1400" u="none" cap="none" strike="noStrike">
+            <a:endParaRPr>
               <a:solidFill>
-                <a:srgbClr val="000000"/>
+                <a:srgbClr val="FFFFFF"/>
               </a:solidFill>
-              <a:latin typeface="Arial"/>
-              <a:ea typeface="Arial"/>
-              <a:cs typeface="Arial"/>
-              <a:sym typeface="Arial"/>
             </a:endParaRPr>
           </a:p>
         </p:txBody>
       </p:sp>
       <p:sp>
         <p:nvSpPr>
-          <p:cNvPr id="110" name="Google Shape;110;p18"/>
-          <p:cNvSpPr txBox="1"/>
-          <p:nvPr/>
-        </p:nvSpPr>
-        <p:spPr>
-          <a:xfrm>
-            <a:off x="859550" y="1252300"/>
-            <a:ext cx="2296500" cy="671400"/>
-          </a:xfrm>
-          <a:prstGeom prst="rect">
-            <a:avLst/>
-          </a:prstGeom>
-          <a:noFill/>
-          <a:ln>
-            <a:noFill/>
-          </a:ln>
-        </p:spPr>
-        <p:txBody>
-          <a:bodyPr anchorCtr="0" anchor="t" bIns="91425" lIns="91425" spcFirstLastPara="1" rIns="91425" wrap="square" tIns="91425">
-            <a:noAutofit/>
-          </a:bodyPr>
-          <a:lstStyle/>
-          <a:p>
-            <a:pPr indent="0" lvl="0" marL="0" marR="0" rtl="0" algn="l">
-              <a:lnSpc>
-                <a:spcPct val="100000"/>
-              </a:lnSpc>
-              <a:spcBef>
-                <a:spcPts val="0"/>
-              </a:spcBef>
-              <a:spcAft>
-                <a:spcPts val="0"/>
-              </a:spcAft>
-              <a:buClr>
-                <a:srgbClr val="000000"/>
-              </a:buClr>
-              <a:buSzPts val="1400"/>
-              <a:buFont typeface="Arial"/>
-              <a:buNone/>
-            </a:pPr>
-            <a:r>
-              <a:rPr b="0" i="0" lang="en" sz="1400" u="none" cap="none" strike="noStrike">
-                <a:solidFill>
-                  <a:srgbClr val="000000"/>
-                </a:solidFill>
-                <a:latin typeface="Arial"/>
-                <a:ea typeface="Arial"/>
-                <a:cs typeface="Arial"/>
-                <a:sym typeface="Arial"/>
-              </a:rPr>
-              <a:t>Change stock allocation method</a:t>
-            </a:r>
-            <a:endParaRPr b="0" i="0" sz="1400" u="none" cap="none" strike="noStrike">
-              <a:solidFill>
-                <a:srgbClr val="000000"/>
-              </a:solidFill>
-              <a:latin typeface="Arial"/>
-              <a:ea typeface="Arial"/>
-              <a:cs typeface="Arial"/>
-              <a:sym typeface="Arial"/>
-            </a:endParaRPr>
-          </a:p>
-        </p:txBody>
-      </p:sp>
-      <p:sp>
-        <p:nvSpPr>
-          <p:cNvPr id="111" name="Google Shape;111;p18"/>
+          <p:cNvPr id="153" name="Google Shape;153;p18"/>
           <p:cNvSpPr/>
           <p:nvPr/>
         </p:nvSpPr>
         <p:spPr>
           <a:xfrm>
-            <a:off x="5439050" y="1883425"/>
-            <a:ext cx="1611600" cy="1987500"/>
-          </a:xfrm>
-          <a:prstGeom prst="can">
-            <a:avLst>
-              <a:gd fmla="val 25000" name="adj"/>
-            </a:avLst>
+            <a:off x="3250000" y="846050"/>
+            <a:ext cx="2564975" cy="1450400"/>
+          </a:xfrm>
+          <a:prstGeom prst="flowChartDecision">
+            <a:avLst/>
           </a:prstGeom>
           <a:solidFill>
-            <a:srgbClr val="A4C2F4"/>
+            <a:srgbClr val="3C78D8"/>
           </a:solidFill>
           <a:ln cap="flat" cmpd="sng" w="9525">
             <a:solidFill>
@@ -11429,169 +12774,33 @@
           </a:bodyPr>
           <a:lstStyle/>
           <a:p>
-            <a:pPr indent="0" lvl="0" marL="0" marR="0" rtl="0" algn="ctr">
-              <a:lnSpc>
-                <a:spcPct val="100000"/>
-              </a:lnSpc>
-              <a:spcBef>
-                <a:spcPts val="0"/>
-              </a:spcBef>
-              <a:spcAft>
-                <a:spcPts val="0"/>
-              </a:spcAft>
-              <a:buClr>
-                <a:srgbClr val="000000"/>
-              </a:buClr>
-              <a:buSzPts val="1400"/>
-              <a:buFont typeface="Arial"/>
+            <a:pPr indent="0" lvl="0" marL="0" rtl="0" algn="l">
+              <a:spcBef>
+                <a:spcPts val="0"/>
+              </a:spcBef>
+              <a:spcAft>
+                <a:spcPts val="0"/>
+              </a:spcAft>
               <a:buNone/>
             </a:pPr>
             <a:r>
               <a:rPr lang="en"/>
-              <a:t>DB</a:t>
+              <a:t>Source and material type matches</a:t>
             </a:r>
-            <a:endParaRPr b="0" i="0" sz="1400" u="none" cap="none" strike="noStrike">
-              <a:solidFill>
-                <a:srgbClr val="000000"/>
-              </a:solidFill>
-              <a:latin typeface="Arial"/>
-              <a:ea typeface="Arial"/>
-              <a:cs typeface="Arial"/>
-              <a:sym typeface="Arial"/>
-            </a:endParaRPr>
-          </a:p>
-        </p:txBody>
-      </p:sp>
-      <p:cxnSp>
-        <p:nvCxnSpPr>
-          <p:cNvPr id="112" name="Google Shape;112;p18"/>
-          <p:cNvCxnSpPr>
-            <a:stCxn id="109" idx="3"/>
-            <a:endCxn id="111" idx="2"/>
-          </p:cNvCxnSpPr>
-          <p:nvPr/>
-        </p:nvCxnSpPr>
-        <p:spPr>
-          <a:xfrm>
-            <a:off x="3464750" y="2877175"/>
-            <a:ext cx="1974300" cy="0"/>
-          </a:xfrm>
-          <a:prstGeom prst="straightConnector1">
-            <a:avLst/>
-          </a:prstGeom>
-          <a:noFill/>
-          <a:ln cap="flat" cmpd="sng" w="9525">
-            <a:solidFill>
-              <a:schemeClr val="dk2"/>
-            </a:solidFill>
-            <a:prstDash val="solid"/>
-            <a:round/>
-            <a:headEnd len="sm" w="sm" type="none"/>
-            <a:tailEnd len="med" w="med" type="triangle"/>
-          </a:ln>
-        </p:spPr>
-      </p:cxnSp>
-    </p:spTree>
-  </p:cSld>
-  <p:clrMapOvr>
-    <a:masterClrMapping/>
-  </p:clrMapOvr>
-</p:sld>
-</file>
-
-<file path=ppt/slides/slide7.xml><?xml version="1.0" encoding="utf-8"?>
-<p:sld xmlns:a="http://schemas.openxmlformats.org/drawingml/2006/main" xmlns:r="http://schemas.openxmlformats.org/officeDocument/2006/relationships" xmlns:mc="http://schemas.openxmlformats.org/markup-compatibility/2006" xmlns:mv="urn:schemas-microsoft-com:mac:vml" xmlns:p="http://schemas.openxmlformats.org/presentationml/2006/main" xmlns:c="http://schemas.openxmlformats.org/drawingml/2006/chart" xmlns:dgm="http://schemas.openxmlformats.org/drawingml/2006/diagram" xmlns:o="urn:schemas-microsoft-com:office:office" xmlns:v="urn:schemas-microsoft-com:vml" xmlns:pvml="urn:schemas-microsoft-com:office:powerpoint" xmlns:com="http://schemas.openxmlformats.org/drawingml/2006/compatibility" xmlns:p14="http://schemas.microsoft.com/office/powerpoint/2010/main" xmlns:p15="http://schemas.microsoft.com/office/powerpoint/2012/main" xmlns:ahyp="http://schemas.microsoft.com/office/drawing/2018/hyperlinkcolor">
-  <p:cSld>
-    <p:spTree>
-      <p:nvGrpSpPr>
-        <p:cNvPr id="116" name="Shape 116"/>
-        <p:cNvGrpSpPr/>
-        <p:nvPr/>
-      </p:nvGrpSpPr>
-      <p:grpSpPr>
-        <a:xfrm>
-          <a:off x="0" y="0"/>
-          <a:ext cx="0" cy="0"/>
-          <a:chOff x="0" y="0"/>
-          <a:chExt cx="0" cy="0"/>
-        </a:xfrm>
-      </p:grpSpPr>
-      <p:sp>
-        <p:nvSpPr>
-          <p:cNvPr id="117" name="Google Shape;117;p19"/>
-          <p:cNvSpPr txBox="1"/>
-          <p:nvPr/>
-        </p:nvSpPr>
-        <p:spPr>
-          <a:xfrm>
-            <a:off x="362600" y="53750"/>
-            <a:ext cx="1974300" cy="671400"/>
-          </a:xfrm>
-          <a:prstGeom prst="rect">
-            <a:avLst/>
-          </a:prstGeom>
-          <a:noFill/>
-          <a:ln>
-            <a:noFill/>
-          </a:ln>
-        </p:spPr>
-        <p:txBody>
-          <a:bodyPr anchorCtr="0" anchor="t" bIns="91425" lIns="91425" spcFirstLastPara="1" rIns="91425" wrap="square" tIns="91425">
-            <a:noAutofit/>
-          </a:bodyPr>
-          <a:lstStyle/>
-          <a:p>
-            <a:pPr indent="0" lvl="0" marL="0" marR="0" rtl="0" algn="l">
-              <a:lnSpc>
-                <a:spcPct val="100000"/>
-              </a:lnSpc>
-              <a:spcBef>
-                <a:spcPts val="0"/>
-              </a:spcBef>
-              <a:spcAft>
-                <a:spcPts val="0"/>
-              </a:spcAft>
-              <a:buClr>
-                <a:srgbClr val="000000"/>
-              </a:buClr>
-              <a:buSzPts val="1400"/>
-              <a:buFont typeface="Arial"/>
-              <a:buNone/>
-            </a:pPr>
-            <a:r>
-              <a:rPr b="0" i="0" lang="en" sz="1400" u="none" cap="none" strike="noStrike">
-                <a:solidFill>
-                  <a:srgbClr val="000000"/>
-                </a:solidFill>
-                <a:latin typeface="Arial"/>
-                <a:ea typeface="Arial"/>
-                <a:cs typeface="Arial"/>
-                <a:sym typeface="Arial"/>
-              </a:rPr>
-              <a:t>Re-allocate by vehicle</a:t>
-            </a:r>
-            <a:endParaRPr b="0" i="0" sz="1400" u="none" cap="none" strike="noStrike">
-              <a:solidFill>
-                <a:srgbClr val="000000"/>
-              </a:solidFill>
-              <a:latin typeface="Arial"/>
-              <a:ea typeface="Arial"/>
-              <a:cs typeface="Arial"/>
-              <a:sym typeface="Arial"/>
-            </a:endParaRPr>
+            <a:endParaRPr/>
           </a:p>
         </p:txBody>
       </p:sp>
       <p:sp>
         <p:nvSpPr>
-          <p:cNvPr id="118" name="Google Shape;118;p19"/>
+          <p:cNvPr id="154" name="Google Shape;154;p18"/>
           <p:cNvSpPr/>
           <p:nvPr/>
         </p:nvSpPr>
         <p:spPr>
           <a:xfrm>
-            <a:off x="691575" y="913250"/>
-            <a:ext cx="2867100" cy="1651800"/>
+            <a:off x="6781900" y="953500"/>
+            <a:ext cx="1893600" cy="1181700"/>
           </a:xfrm>
           <a:prstGeom prst="roundRect">
             <a:avLst>
@@ -11599,7 +12808,7 @@
             </a:avLst>
           </a:prstGeom>
           <a:solidFill>
-            <a:srgbClr val="6AA84F"/>
+            <a:srgbClr val="3C78D8"/>
           </a:solidFill>
           <a:ln cap="flat" cmpd="sng" w="9525">
             <a:solidFill>
@@ -11617,65 +12826,41 @@
           </a:bodyPr>
           <a:lstStyle/>
           <a:p>
-            <a:pPr indent="0" lvl="0" marL="0" marR="0" rtl="0" algn="l">
-              <a:lnSpc>
-                <a:spcPct val="100000"/>
-              </a:lnSpc>
-              <a:spcBef>
-                <a:spcPts val="0"/>
-              </a:spcBef>
-              <a:spcAft>
-                <a:spcPts val="0"/>
-              </a:spcAft>
-              <a:buClr>
-                <a:srgbClr val="000000"/>
-              </a:buClr>
-              <a:buSzPts val="1400"/>
-              <a:buFont typeface="Arial"/>
+            <a:pPr indent="0" lvl="0" marL="0" rtl="0" algn="l">
+              <a:spcBef>
+                <a:spcPts val="0"/>
+              </a:spcBef>
+              <a:spcAft>
+                <a:spcPts val="0"/>
+              </a:spcAft>
               <a:buNone/>
             </a:pPr>
             <a:r>
-              <a:rPr b="0" i="0" lang="en" sz="1400" u="none" cap="none" strike="noStrike">
-                <a:solidFill>
-                  <a:srgbClr val="000000"/>
-                </a:solidFill>
-                <a:latin typeface="Arial"/>
-                <a:ea typeface="Arial"/>
-                <a:cs typeface="Arial"/>
-                <a:sym typeface="Arial"/>
-              </a:rPr>
-              <a:t>The user can view the list of active external vehicles which are yet to be unloaded in the plant in the “reallocate by vehicle” tab and reallocate stockpiles to them if they wish to do so. This will be persisted in the DB.</a:t>
+              <a:rPr lang="en"/>
+              <a:t>Stockpile is considered</a:t>
             </a:r>
-            <a:endParaRPr b="0" i="0" sz="1400" u="none" cap="none" strike="noStrike">
-              <a:solidFill>
-                <a:srgbClr val="000000"/>
-              </a:solidFill>
-              <a:latin typeface="Arial"/>
-              <a:ea typeface="Arial"/>
-              <a:cs typeface="Arial"/>
-              <a:sym typeface="Arial"/>
-            </a:endParaRPr>
+            <a:endParaRPr/>
           </a:p>
         </p:txBody>
       </p:sp>
       <p:sp>
         <p:nvSpPr>
-          <p:cNvPr id="119" name="Google Shape;119;p19"/>
+          <p:cNvPr id="155" name="Google Shape;155;p18"/>
           <p:cNvSpPr/>
           <p:nvPr/>
         </p:nvSpPr>
         <p:spPr>
           <a:xfrm>
-            <a:off x="5506300" y="725150"/>
-            <a:ext cx="1692000" cy="2028000"/>
-          </a:xfrm>
-          <a:prstGeom prst="can">
+            <a:off x="2538200" y="2779900"/>
+            <a:ext cx="2283000" cy="1248900"/>
+          </a:xfrm>
+          <a:prstGeom prst="roundRect">
             <a:avLst>
-              <a:gd fmla="val 25000" name="adj"/>
+              <a:gd fmla="val 16667" name="adj"/>
             </a:avLst>
           </a:prstGeom>
           <a:solidFill>
-            <a:srgbClr val="A4C2F4"/>
+            <a:srgbClr val="3C78D8"/>
           </a:solidFill>
           <a:ln cap="flat" cmpd="sng" w="9525">
             <a:solidFill>
@@ -11693,124 +12878,18 @@
           </a:bodyPr>
           <a:lstStyle/>
           <a:p>
-            <a:pPr indent="0" lvl="0" marL="0" marR="0" rtl="0" algn="ctr">
-              <a:lnSpc>
-                <a:spcPct val="100000"/>
-              </a:lnSpc>
-              <a:spcBef>
-                <a:spcPts val="0"/>
-              </a:spcBef>
-              <a:spcAft>
-                <a:spcPts val="0"/>
-              </a:spcAft>
-              <a:buClr>
-                <a:srgbClr val="000000"/>
-              </a:buClr>
-              <a:buSzPts val="1400"/>
-              <a:buFont typeface="Arial"/>
+            <a:pPr indent="0" lvl="0" marL="0" rtl="0" algn="l">
+              <a:spcBef>
+                <a:spcPts val="0"/>
+              </a:spcBef>
+              <a:spcAft>
+                <a:spcPts val="0"/>
+              </a:spcAft>
               <a:buNone/>
             </a:pPr>
             <a:r>
               <a:rPr lang="en"/>
-              <a:t>DB</a:t>
-            </a:r>
-            <a:endParaRPr b="0" i="0" sz="1400" u="none" cap="none" strike="noStrike">
-              <a:solidFill>
-                <a:srgbClr val="000000"/>
-              </a:solidFill>
-              <a:latin typeface="Arial"/>
-              <a:ea typeface="Arial"/>
-              <a:cs typeface="Arial"/>
-              <a:sym typeface="Arial"/>
-            </a:endParaRPr>
-          </a:p>
-        </p:txBody>
-      </p:sp>
-      <p:cxnSp>
-        <p:nvCxnSpPr>
-          <p:cNvPr id="120" name="Google Shape;120;p19"/>
-          <p:cNvCxnSpPr>
-            <a:stCxn id="121" idx="0"/>
-            <a:endCxn id="119" idx="2"/>
-          </p:cNvCxnSpPr>
-          <p:nvPr/>
-        </p:nvCxnSpPr>
-        <p:spPr>
-          <a:xfrm flipH="1" rot="10800000">
-            <a:off x="3518800" y="1739100"/>
-            <a:ext cx="1987500" cy="1497300"/>
-          </a:xfrm>
-          <a:prstGeom prst="straightConnector1">
-            <a:avLst/>
-          </a:prstGeom>
-          <a:noFill/>
-          <a:ln cap="flat" cmpd="sng" w="9525">
-            <a:solidFill>
-              <a:schemeClr val="dk2"/>
-            </a:solidFill>
-            <a:prstDash val="solid"/>
-            <a:round/>
-            <a:headEnd len="sm" w="sm" type="none"/>
-            <a:tailEnd len="med" w="med" type="triangle"/>
-          </a:ln>
-        </p:spPr>
-      </p:cxnSp>
-      <p:sp>
-        <p:nvSpPr>
-          <p:cNvPr id="121" name="Google Shape;121;p19"/>
-          <p:cNvSpPr/>
-          <p:nvPr/>
-        </p:nvSpPr>
-        <p:spPr>
-          <a:xfrm>
-            <a:off x="1531300" y="3236400"/>
-            <a:ext cx="3975000" cy="1907100"/>
-          </a:xfrm>
-          <a:prstGeom prst="roundRect">
-            <a:avLst>
-              <a:gd fmla="val 16667" name="adj"/>
-            </a:avLst>
-          </a:prstGeom>
-          <a:solidFill>
-            <a:srgbClr val="6AA84F"/>
-          </a:solidFill>
-          <a:ln cap="flat" cmpd="sng" w="9525">
-            <a:solidFill>
-              <a:schemeClr val="dk2"/>
-            </a:solidFill>
-            <a:prstDash val="solid"/>
-            <a:round/>
-            <a:headEnd len="sm" w="sm" type="none"/>
-            <a:tailEnd len="sm" w="sm" type="none"/>
-          </a:ln>
-        </p:spPr>
-        <p:txBody>
-          <a:bodyPr anchorCtr="0" anchor="ctr" bIns="91425" lIns="91425" spcFirstLastPara="1" rIns="91425" wrap="square" tIns="91425">
-            <a:noAutofit/>
-          </a:bodyPr>
-          <a:lstStyle/>
-          <a:p>
-            <a:pPr indent="0" lvl="0" marL="0" rtl="0" algn="l">
-              <a:spcBef>
-                <a:spcPts val="0"/>
-              </a:spcBef>
-              <a:spcAft>
-                <a:spcPts val="0"/>
-              </a:spcAft>
-              <a:buClr>
-                <a:schemeClr val="dk1"/>
-              </a:buClr>
-              <a:buSzPts val="1100"/>
-              <a:buFont typeface="Arial"/>
-              <a:buNone/>
-            </a:pPr>
-            <a:r>
-              <a:rPr lang="en">
-                <a:solidFill>
-                  <a:schemeClr val="dk1"/>
-                </a:solidFill>
-              </a:rPr>
-              <a:t>The user can reallocate a new stockpile  by selecting the checkbox against the specific vehicle and then select the corresponding drop down under the “reallocate” column and then submit.</a:t>
+              <a:t>Stockpile is not considered</a:t>
             </a:r>
             <a:endParaRPr/>
           </a:p>
@@ -11818,17 +12897,17 @@
       </p:sp>
       <p:cxnSp>
         <p:nvCxnSpPr>
-          <p:cNvPr id="122" name="Google Shape;122;p19"/>
+          <p:cNvPr id="156" name="Google Shape;156;p18"/>
           <p:cNvCxnSpPr>
-            <a:stCxn id="118" idx="2"/>
-            <a:endCxn id="121" idx="0"/>
+            <a:stCxn id="153" idx="3"/>
+            <a:endCxn id="154" idx="1"/>
           </p:cNvCxnSpPr>
           <p:nvPr/>
         </p:nvCxnSpPr>
         <p:spPr>
-          <a:xfrm>
-            <a:off x="2125125" y="2565050"/>
-            <a:ext cx="1393800" cy="671400"/>
+          <a:xfrm flipH="1" rot="10800000">
+            <a:off x="5814975" y="1544250"/>
+            <a:ext cx="966900" cy="27000"/>
           </a:xfrm>
           <a:prstGeom prst="straightConnector1">
             <a:avLst/>
@@ -11845,53 +12924,139 @@
           </a:ln>
         </p:spPr>
       </p:cxnSp>
-    </p:spTree>
-  </p:cSld>
-  <p:clrMapOvr>
-    <a:masterClrMapping/>
-  </p:clrMapOvr>
-</p:sld>
-</file>
-
-<file path=ppt/slides/slide8.xml><?xml version="1.0" encoding="utf-8"?>
-<p:sld xmlns:a="http://schemas.openxmlformats.org/drawingml/2006/main" xmlns:r="http://schemas.openxmlformats.org/officeDocument/2006/relationships" xmlns:mc="http://schemas.openxmlformats.org/markup-compatibility/2006" xmlns:mv="urn:schemas-microsoft-com:mac:vml" xmlns:p="http://schemas.openxmlformats.org/presentationml/2006/main" xmlns:c="http://schemas.openxmlformats.org/drawingml/2006/chart" xmlns:dgm="http://schemas.openxmlformats.org/drawingml/2006/diagram" xmlns:o="urn:schemas-microsoft-com:office:office" xmlns:v="urn:schemas-microsoft-com:vml" xmlns:pvml="urn:schemas-microsoft-com:office:powerpoint" xmlns:com="http://schemas.openxmlformats.org/drawingml/2006/compatibility" xmlns:p14="http://schemas.microsoft.com/office/powerpoint/2010/main" xmlns:p15="http://schemas.microsoft.com/office/powerpoint/2012/main" xmlns:ahyp="http://schemas.microsoft.com/office/drawing/2018/hyperlinkcolor">
-  <p:cSld>
-    <p:spTree>
-      <p:nvGrpSpPr>
-        <p:cNvPr id="126" name="Shape 126"/>
-        <p:cNvGrpSpPr/>
-        <p:nvPr/>
-      </p:nvGrpSpPr>
-      <p:grpSpPr>
-        <a:xfrm>
-          <a:off x="0" y="0"/>
-          <a:ext cx="0" cy="0"/>
-          <a:chOff x="0" y="0"/>
-          <a:chExt cx="0" cy="0"/>
-        </a:xfrm>
-      </p:grpSpPr>
+      <p:cxnSp>
+        <p:nvCxnSpPr>
+          <p:cNvPr id="157" name="Google Shape;157;p18"/>
+          <p:cNvCxnSpPr>
+            <a:stCxn id="153" idx="2"/>
+            <a:endCxn id="155" idx="0"/>
+          </p:cNvCxnSpPr>
+          <p:nvPr/>
+        </p:nvCxnSpPr>
+        <p:spPr>
+          <a:xfrm flipH="1">
+            <a:off x="3679588" y="2296450"/>
+            <a:ext cx="852900" cy="483600"/>
+          </a:xfrm>
+          <a:prstGeom prst="straightConnector1">
+            <a:avLst/>
+          </a:prstGeom>
+          <a:noFill/>
+          <a:ln cap="flat" cmpd="sng" w="9525">
+            <a:solidFill>
+              <a:schemeClr val="dk2"/>
+            </a:solidFill>
+            <a:prstDash val="solid"/>
+            <a:round/>
+            <a:headEnd len="med" w="med" type="none"/>
+            <a:tailEnd len="med" w="med" type="triangle"/>
+          </a:ln>
+        </p:spPr>
+      </p:cxnSp>
       <p:sp>
         <p:nvSpPr>
-          <p:cNvPr id="127" name="Google Shape;127;p20"/>
+          <p:cNvPr id="158" name="Google Shape;158;p18"/>
+          <p:cNvSpPr txBox="1"/>
+          <p:nvPr/>
+        </p:nvSpPr>
+        <p:spPr>
+          <a:xfrm>
+            <a:off x="5828400" y="1141500"/>
+            <a:ext cx="966900" cy="309000"/>
+          </a:xfrm>
+          <a:prstGeom prst="rect">
+            <a:avLst/>
+          </a:prstGeom>
+          <a:noFill/>
+          <a:ln>
+            <a:noFill/>
+          </a:ln>
+        </p:spPr>
+        <p:txBody>
+          <a:bodyPr anchorCtr="0" anchor="t" bIns="91425" lIns="91425" spcFirstLastPara="1" rIns="91425" wrap="square" tIns="91425">
+            <a:noAutofit/>
+          </a:bodyPr>
+          <a:lstStyle/>
+          <a:p>
+            <a:pPr indent="0" lvl="0" marL="0" rtl="0" algn="l">
+              <a:spcBef>
+                <a:spcPts val="0"/>
+              </a:spcBef>
+              <a:spcAft>
+                <a:spcPts val="0"/>
+              </a:spcAft>
+              <a:buNone/>
+            </a:pPr>
+            <a:r>
+              <a:rPr lang="en"/>
+              <a:t>yes</a:t>
+            </a:r>
+            <a:endParaRPr/>
+          </a:p>
+        </p:txBody>
+      </p:sp>
+      <p:sp>
+        <p:nvSpPr>
+          <p:cNvPr id="159" name="Google Shape;159;p18"/>
+          <p:cNvSpPr txBox="1"/>
+          <p:nvPr/>
+        </p:nvSpPr>
+        <p:spPr>
+          <a:xfrm>
+            <a:off x="3712500" y="2296450"/>
+            <a:ext cx="859500" cy="429600"/>
+          </a:xfrm>
+          <a:prstGeom prst="rect">
+            <a:avLst/>
+          </a:prstGeom>
+          <a:noFill/>
+          <a:ln>
+            <a:noFill/>
+          </a:ln>
+        </p:spPr>
+        <p:txBody>
+          <a:bodyPr anchorCtr="0" anchor="t" bIns="91425" lIns="91425" spcFirstLastPara="1" rIns="91425" wrap="square" tIns="91425">
+            <a:noAutofit/>
+          </a:bodyPr>
+          <a:lstStyle/>
+          <a:p>
+            <a:pPr indent="0" lvl="0" marL="0" rtl="0" algn="l">
+              <a:spcBef>
+                <a:spcPts val="0"/>
+              </a:spcBef>
+              <a:spcAft>
+                <a:spcPts val="0"/>
+              </a:spcAft>
+              <a:buNone/>
+            </a:pPr>
+            <a:r>
+              <a:rPr lang="en"/>
+              <a:t>no</a:t>
+            </a:r>
+            <a:endParaRPr/>
+          </a:p>
+        </p:txBody>
+      </p:sp>
+      <p:sp>
+        <p:nvSpPr>
+          <p:cNvPr id="160" name="Google Shape;160;p18"/>
           <p:cNvSpPr/>
           <p:nvPr/>
         </p:nvSpPr>
         <p:spPr>
           <a:xfrm>
-            <a:off x="308875" y="644625"/>
-            <a:ext cx="2672400" cy="1624800"/>
-          </a:xfrm>
-          <a:prstGeom prst="roundRect">
-            <a:avLst>
-              <a:gd fmla="val 16667" name="adj"/>
-            </a:avLst>
+            <a:off x="5694100" y="2491125"/>
+            <a:ext cx="1974125" cy="1450400"/>
+          </a:xfrm>
+          <a:prstGeom prst="flowChartDecision">
+            <a:avLst/>
           </a:prstGeom>
           <a:solidFill>
-            <a:srgbClr val="6AA84F"/>
+            <a:srgbClr val="3C78D8"/>
           </a:solidFill>
           <a:ln cap="flat" cmpd="sng" w="9525">
             <a:solidFill>
-              <a:srgbClr val="595959"/>
+              <a:schemeClr val="dk2"/>
             </a:solidFill>
             <a:prstDash val="solid"/>
             <a:round/>
@@ -11916,7 +13081,7 @@
             </a:pPr>
             <a:r>
               <a:rPr lang="en"/>
-              <a:t>Duing mine-dispatch stockpile allocation takes place. </a:t>
+              <a:t>Queue length &gt; threshold</a:t>
             </a:r>
             <a:endParaRPr/>
           </a:p>
@@ -11924,14 +13089,205 @@
       </p:sp>
       <p:sp>
         <p:nvSpPr>
-          <p:cNvPr id="128" name="Google Shape;128;p20"/>
+          <p:cNvPr id="161" name="Google Shape;161;p18"/>
+          <p:cNvSpPr/>
+          <p:nvPr/>
+        </p:nvSpPr>
+        <p:spPr>
+          <a:xfrm>
+            <a:off x="1933850" y="4257250"/>
+            <a:ext cx="3102300" cy="819000"/>
+          </a:xfrm>
+          <a:prstGeom prst="roundRect">
+            <a:avLst>
+              <a:gd fmla="val 16667" name="adj"/>
+            </a:avLst>
+          </a:prstGeom>
+          <a:solidFill>
+            <a:srgbClr val="3C78D8"/>
+          </a:solidFill>
+          <a:ln cap="flat" cmpd="sng" w="9525">
+            <a:solidFill>
+              <a:schemeClr val="dk2"/>
+            </a:solidFill>
+            <a:prstDash val="solid"/>
+            <a:round/>
+            <a:headEnd len="sm" w="sm" type="none"/>
+            <a:tailEnd len="sm" w="sm" type="none"/>
+          </a:ln>
+        </p:spPr>
+        <p:txBody>
+          <a:bodyPr anchorCtr="0" anchor="ctr" bIns="91425" lIns="91425" spcFirstLastPara="1" rIns="91425" wrap="square" tIns="91425">
+            <a:noAutofit/>
+          </a:bodyPr>
+          <a:lstStyle/>
+          <a:p>
+            <a:pPr indent="0" lvl="0" marL="0" rtl="0" algn="l">
+              <a:spcBef>
+                <a:spcPts val="0"/>
+              </a:spcBef>
+              <a:spcAft>
+                <a:spcPts val="0"/>
+              </a:spcAft>
+              <a:buNone/>
+            </a:pPr>
+            <a:r>
+              <a:rPr lang="en"/>
+              <a:t>Stockpile is considered and allocated.</a:t>
+            </a:r>
+            <a:endParaRPr/>
+          </a:p>
+        </p:txBody>
+      </p:sp>
+      <p:sp>
+        <p:nvSpPr>
+          <p:cNvPr id="162" name="Google Shape;162;p18"/>
+          <p:cNvSpPr/>
+          <p:nvPr/>
+        </p:nvSpPr>
+        <p:spPr>
+          <a:xfrm>
+            <a:off x="7251925" y="4297450"/>
+            <a:ext cx="1974000" cy="738600"/>
+          </a:xfrm>
+          <a:prstGeom prst="roundRect">
+            <a:avLst>
+              <a:gd fmla="val 16667" name="adj"/>
+            </a:avLst>
+          </a:prstGeom>
+          <a:solidFill>
+            <a:srgbClr val="3C78D8"/>
+          </a:solidFill>
+          <a:ln cap="flat" cmpd="sng" w="9525">
+            <a:solidFill>
+              <a:schemeClr val="dk2"/>
+            </a:solidFill>
+            <a:prstDash val="solid"/>
+            <a:round/>
+            <a:headEnd len="sm" w="sm" type="none"/>
+            <a:tailEnd len="sm" w="sm" type="none"/>
+          </a:ln>
+        </p:spPr>
+        <p:txBody>
+          <a:bodyPr anchorCtr="0" anchor="ctr" bIns="91425" lIns="91425" spcFirstLastPara="1" rIns="91425" wrap="square" tIns="91425">
+            <a:noAutofit/>
+          </a:bodyPr>
+          <a:lstStyle/>
+          <a:p>
+            <a:pPr indent="0" lvl="0" marL="0" rtl="0" algn="l">
+              <a:spcBef>
+                <a:spcPts val="0"/>
+              </a:spcBef>
+              <a:spcAft>
+                <a:spcPts val="0"/>
+              </a:spcAft>
+              <a:buNone/>
+            </a:pPr>
+            <a:r>
+              <a:rPr lang="en"/>
+              <a:t>Stockpile is not considered.</a:t>
+            </a:r>
+            <a:endParaRPr/>
+          </a:p>
+        </p:txBody>
+      </p:sp>
+      <p:cxnSp>
+        <p:nvCxnSpPr>
+          <p:cNvPr id="163" name="Google Shape;163;p18"/>
+          <p:cNvCxnSpPr>
+            <a:stCxn id="154" idx="2"/>
+            <a:endCxn id="160" idx="0"/>
+          </p:cNvCxnSpPr>
+          <p:nvPr/>
+        </p:nvCxnSpPr>
+        <p:spPr>
+          <a:xfrm flipH="1">
+            <a:off x="6681100" y="2135200"/>
+            <a:ext cx="1047600" cy="355800"/>
+          </a:xfrm>
+          <a:prstGeom prst="straightConnector1">
+            <a:avLst/>
+          </a:prstGeom>
+          <a:noFill/>
+          <a:ln cap="flat" cmpd="sng" w="9525">
+            <a:solidFill>
+              <a:schemeClr val="dk2"/>
+            </a:solidFill>
+            <a:prstDash val="solid"/>
+            <a:round/>
+            <a:headEnd len="med" w="med" type="none"/>
+            <a:tailEnd len="med" w="med" type="triangle"/>
+          </a:ln>
+        </p:spPr>
+      </p:cxnSp>
+      <p:cxnSp>
+        <p:nvCxnSpPr>
+          <p:cNvPr id="164" name="Google Shape;164;p18"/>
+          <p:cNvCxnSpPr>
+            <a:stCxn id="160" idx="2"/>
+            <a:endCxn id="161" idx="3"/>
+          </p:cNvCxnSpPr>
+          <p:nvPr/>
+        </p:nvCxnSpPr>
+        <p:spPr>
+          <a:xfrm flipH="1">
+            <a:off x="5036263" y="3941525"/>
+            <a:ext cx="1644900" cy="725100"/>
+          </a:xfrm>
+          <a:prstGeom prst="straightConnector1">
+            <a:avLst/>
+          </a:prstGeom>
+          <a:noFill/>
+          <a:ln cap="flat" cmpd="sng" w="9525">
+            <a:solidFill>
+              <a:schemeClr val="dk2"/>
+            </a:solidFill>
+            <a:prstDash val="solid"/>
+            <a:round/>
+            <a:headEnd len="med" w="med" type="none"/>
+            <a:tailEnd len="med" w="med" type="triangle"/>
+          </a:ln>
+        </p:spPr>
+      </p:cxnSp>
+      <p:cxnSp>
+        <p:nvCxnSpPr>
+          <p:cNvPr id="165" name="Google Shape;165;p18"/>
+          <p:cNvCxnSpPr>
+            <a:stCxn id="160" idx="2"/>
+            <a:endCxn id="162" idx="1"/>
+          </p:cNvCxnSpPr>
+          <p:nvPr/>
+        </p:nvCxnSpPr>
+        <p:spPr>
+          <a:xfrm>
+            <a:off x="6681163" y="3941525"/>
+            <a:ext cx="570900" cy="725100"/>
+          </a:xfrm>
+          <a:prstGeom prst="straightConnector1">
+            <a:avLst/>
+          </a:prstGeom>
+          <a:noFill/>
+          <a:ln cap="flat" cmpd="sng" w="9525">
+            <a:solidFill>
+              <a:schemeClr val="dk2"/>
+            </a:solidFill>
+            <a:prstDash val="solid"/>
+            <a:round/>
+            <a:headEnd len="med" w="med" type="none"/>
+            <a:tailEnd len="med" w="med" type="triangle"/>
+          </a:ln>
+        </p:spPr>
+      </p:cxnSp>
+      <p:sp>
+        <p:nvSpPr>
+          <p:cNvPr id="166" name="Google Shape;166;p18"/>
           <p:cNvSpPr txBox="1"/>
           <p:nvPr/>
         </p:nvSpPr>
         <p:spPr>
           <a:xfrm>
-            <a:off x="335750" y="-80575"/>
-            <a:ext cx="1383300" cy="564000"/>
+            <a:off x="5519525" y="3934850"/>
+            <a:ext cx="486900" cy="355800"/>
           </a:xfrm>
           <a:prstGeom prst="rect">
             <a:avLst/>
@@ -11958,7 +13314,7 @@
             </a:pPr>
             <a:r>
               <a:rPr lang="en"/>
-              <a:t>Stockpile Allocation</a:t>
+              <a:t>yes</a:t>
             </a:r>
             <a:endParaRPr/>
           </a:p>
@@ -11966,35 +13322,25 @@
       </p:sp>
       <p:sp>
         <p:nvSpPr>
-          <p:cNvPr id="129" name="Google Shape;129;p20"/>
-          <p:cNvSpPr/>
+          <p:cNvPr id="167" name="Google Shape;167;p18"/>
+          <p:cNvSpPr txBox="1"/>
           <p:nvPr/>
         </p:nvSpPr>
         <p:spPr>
           <a:xfrm>
-            <a:off x="3827400" y="725200"/>
-            <a:ext cx="2551500" cy="1584600"/>
-          </a:xfrm>
-          <a:prstGeom prst="roundRect">
-            <a:avLst>
-              <a:gd fmla="val 16667" name="adj"/>
-            </a:avLst>
+            <a:off x="6919450" y="3958250"/>
+            <a:ext cx="570900" cy="309000"/>
+          </a:xfrm>
+          <a:prstGeom prst="rect">
+            <a:avLst/>
           </a:prstGeom>
-          <a:solidFill>
-            <a:srgbClr val="000000"/>
-          </a:solidFill>
-          <a:ln cap="flat" cmpd="sng" w="9525">
-            <a:solidFill>
-              <a:srgbClr val="595959"/>
-            </a:solidFill>
-            <a:prstDash val="solid"/>
-            <a:round/>
-            <a:headEnd len="sm" w="sm" type="none"/>
-            <a:tailEnd len="sm" w="sm" type="none"/>
+          <a:noFill/>
+          <a:ln>
+            <a:noFill/>
           </a:ln>
         </p:spPr>
         <p:txBody>
-          <a:bodyPr anchorCtr="0" anchor="ctr" bIns="91425" lIns="91425" spcFirstLastPara="1" rIns="91425" wrap="square" tIns="91425">
+          <a:bodyPr anchorCtr="0" anchor="t" bIns="91425" lIns="91425" spcFirstLastPara="1" rIns="91425" wrap="square" tIns="91425">
             <a:noAutofit/>
           </a:bodyPr>
           <a:lstStyle/>
@@ -12009,120 +13355,8 @@
               <a:buNone/>
             </a:pPr>
             <a:r>
-              <a:rPr lang="en">
-                <a:solidFill>
-                  <a:srgbClr val="FFFFFF"/>
-                </a:solidFill>
-              </a:rPr>
-              <a:t> Internally, a blend script is called which will allocate a stockpile based on the stock allocation method.</a:t>
-            </a:r>
-            <a:endParaRPr>
-              <a:solidFill>
-                <a:srgbClr val="FFFFFF"/>
-              </a:solidFill>
-            </a:endParaRPr>
-          </a:p>
-        </p:txBody>
-      </p:sp>
-      <p:sp>
-        <p:nvSpPr>
-          <p:cNvPr id="130" name="Google Shape;130;p20"/>
-          <p:cNvSpPr/>
-          <p:nvPr/>
-        </p:nvSpPr>
-        <p:spPr>
-          <a:xfrm>
-            <a:off x="3800550" y="3008200"/>
-            <a:ext cx="2672400" cy="1463700"/>
-          </a:xfrm>
-          <a:prstGeom prst="roundRect">
-            <a:avLst>
-              <a:gd fmla="val 16667" name="adj"/>
-            </a:avLst>
-          </a:prstGeom>
-          <a:solidFill>
-            <a:srgbClr val="6AA84F"/>
-          </a:solidFill>
-          <a:ln cap="flat" cmpd="sng" w="9525">
-            <a:solidFill>
-              <a:srgbClr val="595959"/>
-            </a:solidFill>
-            <a:prstDash val="solid"/>
-            <a:round/>
-            <a:headEnd len="sm" w="sm" type="none"/>
-            <a:tailEnd len="sm" w="sm" type="none"/>
-          </a:ln>
-        </p:spPr>
-        <p:txBody>
-          <a:bodyPr anchorCtr="0" anchor="ctr" bIns="91425" lIns="91425" spcFirstLastPara="1" rIns="91425" wrap="square" tIns="91425">
-            <a:noAutofit/>
-          </a:bodyPr>
-          <a:lstStyle/>
-          <a:p>
-            <a:pPr indent="0" lvl="0" marL="0" rtl="0" algn="l">
-              <a:spcBef>
-                <a:spcPts val="0"/>
-              </a:spcBef>
-              <a:spcAft>
-                <a:spcPts val="0"/>
-              </a:spcAft>
-              <a:buNone/>
-            </a:pPr>
-            <a:r>
               <a:rPr lang="en"/>
-              <a:t>If no stockpile  is allocated, the user shall use the “reallocate by vehicle” tab in stockpile management to allocate.</a:t>
-            </a:r>
-            <a:endParaRPr/>
-          </a:p>
-        </p:txBody>
-      </p:sp>
-      <p:sp>
-        <p:nvSpPr>
-          <p:cNvPr id="131" name="Google Shape;131;p20"/>
-          <p:cNvSpPr/>
-          <p:nvPr/>
-        </p:nvSpPr>
-        <p:spPr>
-          <a:xfrm>
-            <a:off x="7789100" y="792350"/>
-            <a:ext cx="1772700" cy="2081700"/>
-          </a:xfrm>
-          <a:prstGeom prst="can">
-            <a:avLst>
-              <a:gd fmla="val 25000" name="adj"/>
-            </a:avLst>
-          </a:prstGeom>
-          <a:solidFill>
-            <a:srgbClr val="6D9EEB"/>
-          </a:solidFill>
-          <a:ln cap="flat" cmpd="sng" w="9525">
-            <a:solidFill>
-              <a:srgbClr val="595959"/>
-            </a:solidFill>
-            <a:prstDash val="solid"/>
-            <a:round/>
-            <a:headEnd len="sm" w="sm" type="none"/>
-            <a:tailEnd len="sm" w="sm" type="none"/>
-          </a:ln>
-        </p:spPr>
-        <p:txBody>
-          <a:bodyPr anchorCtr="0" anchor="ctr" bIns="91425" lIns="91425" spcFirstLastPara="1" rIns="91425" wrap="square" tIns="91425">
-            <a:noAutofit/>
-          </a:bodyPr>
-          <a:lstStyle/>
-          <a:p>
-            <a:pPr indent="0" lvl="0" marL="0" rtl="0" algn="ctr">
-              <a:spcBef>
-                <a:spcPts val="0"/>
-              </a:spcBef>
-              <a:spcAft>
-                <a:spcPts val="0"/>
-              </a:spcAft>
-              <a:buNone/>
-            </a:pPr>
-            <a:r>
-              <a:rPr lang="en"/>
-              <a:t>DB</a:t>
+              <a:t>no</a:t>
             </a:r>
             <a:endParaRPr/>
           </a:p>
@@ -12130,17 +13364,17 @@
       </p:sp>
       <p:cxnSp>
         <p:nvCxnSpPr>
-          <p:cNvPr id="132" name="Google Shape;132;p20"/>
+          <p:cNvPr id="168" name="Google Shape;168;p18"/>
           <p:cNvCxnSpPr>
-            <a:stCxn id="127" idx="3"/>
-            <a:endCxn id="129" idx="1"/>
+            <a:stCxn id="152" idx="3"/>
+            <a:endCxn id="153" idx="1"/>
           </p:cNvCxnSpPr>
           <p:nvPr/>
         </p:nvCxnSpPr>
         <p:spPr>
           <a:xfrm>
-            <a:off x="2981275" y="1457025"/>
-            <a:ext cx="846000" cy="60600"/>
+            <a:off x="2457550" y="1564525"/>
+            <a:ext cx="792600" cy="6600"/>
           </a:xfrm>
           <a:prstGeom prst="straightConnector1">
             <a:avLst/>
@@ -12148,65 +13382,7 @@
           <a:noFill/>
           <a:ln cap="flat" cmpd="sng" w="9525">
             <a:solidFill>
-              <a:srgbClr val="595959"/>
-            </a:solidFill>
-            <a:prstDash val="solid"/>
-            <a:round/>
-            <a:headEnd len="med" w="med" type="none"/>
-            <a:tailEnd len="med" w="med" type="triangle"/>
-          </a:ln>
-        </p:spPr>
-      </p:cxnSp>
-      <p:cxnSp>
-        <p:nvCxnSpPr>
-          <p:cNvPr id="133" name="Google Shape;133;p20"/>
-          <p:cNvCxnSpPr>
-            <a:stCxn id="129" idx="3"/>
-            <a:endCxn id="131" idx="2"/>
-          </p:cNvCxnSpPr>
-          <p:nvPr/>
-        </p:nvCxnSpPr>
-        <p:spPr>
-          <a:xfrm>
-            <a:off x="6378900" y="1517500"/>
-            <a:ext cx="1410300" cy="315600"/>
-          </a:xfrm>
-          <a:prstGeom prst="straightConnector1">
-            <a:avLst/>
-          </a:prstGeom>
-          <a:noFill/>
-          <a:ln cap="flat" cmpd="sng" w="9525">
-            <a:solidFill>
-              <a:srgbClr val="595959"/>
-            </a:solidFill>
-            <a:prstDash val="solid"/>
-            <a:round/>
-            <a:headEnd len="med" w="med" type="none"/>
-            <a:tailEnd len="med" w="med" type="triangle"/>
-          </a:ln>
-        </p:spPr>
-      </p:cxnSp>
-      <p:cxnSp>
-        <p:nvCxnSpPr>
-          <p:cNvPr id="134" name="Google Shape;134;p20"/>
-          <p:cNvCxnSpPr>
-            <a:stCxn id="130" idx="3"/>
-            <a:endCxn id="131" idx="2"/>
-          </p:cNvCxnSpPr>
-          <p:nvPr/>
-        </p:nvCxnSpPr>
-        <p:spPr>
-          <a:xfrm flipH="1" rot="10800000">
-            <a:off x="6472950" y="1833250"/>
-            <a:ext cx="1316100" cy="1906800"/>
-          </a:xfrm>
-          <a:prstGeom prst="straightConnector1">
-            <a:avLst/>
-          </a:prstGeom>
-          <a:noFill/>
-          <a:ln cap="flat" cmpd="sng" w="9525">
-            <a:solidFill>
-              <a:srgbClr val="595959"/>
+              <a:schemeClr val="dk2"/>
             </a:solidFill>
             <a:prstDash val="solid"/>
             <a:round/>
@@ -12224,6 +13400,285 @@
 </file>
 
 <file path=ppt/theme/theme1.xml><?xml version="1.0" encoding="utf-8"?>
+<a:theme xmlns:a="http://schemas.openxmlformats.org/drawingml/2006/main" xmlns:r="http://schemas.openxmlformats.org/officeDocument/2006/relationships">
+  <a:themeElements>
+    <a:clrScheme name="Default">
+      <a:dk1>
+        <a:srgbClr val="000000"/>
+      </a:dk1>
+      <a:lt1>
+        <a:srgbClr val="FFFFFF"/>
+      </a:lt1>
+      <a:dk2>
+        <a:srgbClr val="158158"/>
+      </a:dk2>
+      <a:lt2>
+        <a:srgbClr val="F3F3F3"/>
+      </a:lt2>
+      <a:accent1>
+        <a:srgbClr val="058DC7"/>
+      </a:accent1>
+      <a:accent2>
+        <a:srgbClr val="50B432"/>
+      </a:accent2>
+      <a:accent3>
+        <a:srgbClr val="ED561B"/>
+      </a:accent3>
+      <a:accent4>
+        <a:srgbClr val="EDEF00"/>
+      </a:accent4>
+      <a:accent5>
+        <a:srgbClr val="24CBE5"/>
+      </a:accent5>
+      <a:accent6>
+        <a:srgbClr val="64E572"/>
+      </a:accent6>
+      <a:hlink>
+        <a:srgbClr val="2200CC"/>
+      </a:hlink>
+      <a:folHlink>
+        <a:srgbClr val="551A8B"/>
+      </a:folHlink>
+    </a:clrScheme>
+    <a:fontScheme name="Office">
+      <a:majorFont>
+        <a:latin typeface="Arial"/>
+        <a:ea typeface=""/>
+        <a:cs typeface=""/>
+        <a:font script="Jpan" typeface="ＭＳ Ｐゴシック"/>
+        <a:font script="Hang" typeface="맑은 고딕"/>
+        <a:font script="Hans" typeface="宋体"/>
+        <a:font script="Hant" typeface="新細明體"/>
+        <a:font script="Arab" typeface="Times New Roman"/>
+        <a:font script="Hebr" typeface="Times New Roman"/>
+        <a:font script="Thai" typeface="Angsana New"/>
+        <a:font script="Ethi" typeface="Nyala"/>
+        <a:font script="Beng" typeface="Vrinda"/>
+        <a:font script="Gujr" typeface="Shruti"/>
+        <a:font script="Khmr" typeface="MoolBoran"/>
+        <a:font script="Knda" typeface="Tunga"/>
+        <a:font script="Guru" typeface="Raavi"/>
+        <a:font script="Cans" typeface="Euphemia"/>
+        <a:font script="Cher" typeface="Plantagenet Cherokee"/>
+        <a:font script="Yiii" typeface="Microsoft Yi Baiti"/>
+        <a:font script="Tibt" typeface="Microsoft Himalaya"/>
+        <a:font script="Thaa" typeface="MV Boli"/>
+        <a:font script="Deva" typeface="Mangal"/>
+        <a:font script="Telu" typeface="Gautami"/>
+        <a:font script="Taml" typeface="Latha"/>
+        <a:font script="Syrc" typeface="Estrangelo Edessa"/>
+        <a:font script="Orya" typeface="Kalinga"/>
+        <a:font script="Mlym" typeface="Kartika"/>
+        <a:font script="Laoo" typeface="DokChampa"/>
+        <a:font script="Sinh" typeface="Iskoola Pota"/>
+        <a:font script="Mong" typeface="Mongolian Baiti"/>
+        <a:font script="Viet" typeface="Times New Roman"/>
+        <a:font script="Uigh" typeface="Microsoft Uighur"/>
+        <a:font script="Geor" typeface="Sylfaen"/>
+      </a:majorFont>
+      <a:minorFont>
+        <a:latin typeface="Arial"/>
+        <a:ea typeface=""/>
+        <a:cs typeface=""/>
+        <a:font script="Jpan" typeface="ＭＳ Ｐゴシック"/>
+        <a:font script="Hang" typeface="맑은 고딕"/>
+        <a:font script="Hans" typeface="宋体"/>
+        <a:font script="Hant" typeface="新細明體"/>
+        <a:font script="Arab" typeface="Arial"/>
+        <a:font script="Hebr" typeface="Arial"/>
+        <a:font script="Thai" typeface="Cordia New"/>
+        <a:font script="Ethi" typeface="Nyala"/>
+        <a:font script="Beng" typeface="Vrinda"/>
+        <a:font script="Gujr" typeface="Shruti"/>
+        <a:font script="Khmr" typeface="DaunPenh"/>
+        <a:font script="Knda" typeface="Tunga"/>
+        <a:font script="Guru" typeface="Raavi"/>
+        <a:font script="Cans" typeface="Euphemia"/>
+        <a:font script="Cher" typeface="Plantagenet Cherokee"/>
+        <a:font script="Yiii" typeface="Microsoft Yi Baiti"/>
+        <a:font script="Tibt" typeface="Microsoft Himalaya"/>
+        <a:font script="Thaa" typeface="MV Boli"/>
+        <a:font script="Deva" typeface="Mangal"/>
+        <a:font script="Telu" typeface="Gautami"/>
+        <a:font script="Taml" typeface="Latha"/>
+        <a:font script="Syrc" typeface="Estrangelo Edessa"/>
+        <a:font script="Orya" typeface="Kalinga"/>
+        <a:font script="Mlym" typeface="Kartika"/>
+        <a:font script="Laoo" typeface="DokChampa"/>
+        <a:font script="Sinh" typeface="Iskoola Pota"/>
+        <a:font script="Mong" typeface="Mongolian Baiti"/>
+        <a:font script="Viet" typeface="Arial"/>
+        <a:font script="Uigh" typeface="Microsoft Uighur"/>
+        <a:font script="Geor" typeface="Sylfaen"/>
+      </a:minorFont>
+    </a:fontScheme>
+    <a:fmtScheme name="Office">
+      <a:fillStyleLst>
+        <a:solidFill>
+          <a:schemeClr val="phClr"/>
+        </a:solidFill>
+        <a:gradFill rotWithShape="1">
+          <a:gsLst>
+            <a:gs pos="0">
+              <a:schemeClr val="phClr">
+                <a:tint val="50000"/>
+                <a:satMod val="300000"/>
+              </a:schemeClr>
+            </a:gs>
+            <a:gs pos="35000">
+              <a:schemeClr val="phClr">
+                <a:tint val="37000"/>
+                <a:satMod val="300000"/>
+              </a:schemeClr>
+            </a:gs>
+            <a:gs pos="100000">
+              <a:schemeClr val="phClr">
+                <a:tint val="15000"/>
+                <a:satMod val="350000"/>
+              </a:schemeClr>
+            </a:gs>
+          </a:gsLst>
+          <a:lin ang="16200000" scaled="1"/>
+        </a:gradFill>
+        <a:gradFill rotWithShape="1">
+          <a:gsLst>
+            <a:gs pos="0">
+              <a:schemeClr val="phClr">
+                <a:tint val="100000"/>
+                <a:shade val="100000"/>
+                <a:satMod val="130000"/>
+              </a:schemeClr>
+            </a:gs>
+            <a:gs pos="100000">
+              <a:schemeClr val="phClr">
+                <a:tint val="50000"/>
+                <a:shade val="100000"/>
+                <a:satMod val="350000"/>
+              </a:schemeClr>
+            </a:gs>
+          </a:gsLst>
+          <a:lin ang="16200000" scaled="0"/>
+        </a:gradFill>
+      </a:fillStyleLst>
+      <a:lnStyleLst>
+        <a:ln w="9525" cap="flat" cmpd="sng" algn="ctr">
+          <a:solidFill>
+            <a:schemeClr val="phClr">
+              <a:shade val="95000"/>
+              <a:satMod val="105000"/>
+            </a:schemeClr>
+          </a:solidFill>
+          <a:prstDash val="solid"/>
+        </a:ln>
+        <a:ln w="25400" cap="flat" cmpd="sng" algn="ctr">
+          <a:solidFill>
+            <a:schemeClr val="phClr"/>
+          </a:solidFill>
+          <a:prstDash val="solid"/>
+        </a:ln>
+        <a:ln w="38100" cap="flat" cmpd="sng" algn="ctr">
+          <a:solidFill>
+            <a:schemeClr val="phClr"/>
+          </a:solidFill>
+          <a:prstDash val="solid"/>
+        </a:ln>
+      </a:lnStyleLst>
+      <a:effectStyleLst>
+        <a:effectStyle>
+          <a:effectLst>
+            <a:outerShdw blurRad="40000" dist="20000" dir="5400000" rotWithShape="0">
+              <a:srgbClr val="000000">
+                <a:alpha val="38000"/>
+              </a:srgbClr>
+            </a:outerShdw>
+          </a:effectLst>
+        </a:effectStyle>
+        <a:effectStyle>
+          <a:effectLst>
+            <a:outerShdw blurRad="40000" dist="23000" dir="5400000" rotWithShape="0">
+              <a:srgbClr val="000000">
+                <a:alpha val="35000"/>
+              </a:srgbClr>
+            </a:outerShdw>
+          </a:effectLst>
+        </a:effectStyle>
+        <a:effectStyle>
+          <a:effectLst>
+            <a:outerShdw blurRad="40000" dist="23000" dir="5400000" rotWithShape="0">
+              <a:srgbClr val="000000">
+                <a:alpha val="35000"/>
+              </a:srgbClr>
+            </a:outerShdw>
+          </a:effectLst>
+          <a:scene3d>
+            <a:camera prst="orthographicFront">
+              <a:rot lat="0" lon="0" rev="0"/>
+            </a:camera>
+            <a:lightRig rig="threePt" dir="t">
+              <a:rot lat="0" lon="0" rev="1200000"/>
+            </a:lightRig>
+          </a:scene3d>
+          <a:sp3d>
+            <a:bevelT w="63500" h="25400"/>
+          </a:sp3d>
+        </a:effectStyle>
+      </a:effectStyleLst>
+      <a:bgFillStyleLst>
+        <a:solidFill>
+          <a:schemeClr val="phClr"/>
+        </a:solidFill>
+        <a:gradFill rotWithShape="1">
+          <a:gsLst>
+            <a:gs pos="0">
+              <a:schemeClr val="phClr">
+                <a:tint val="40000"/>
+                <a:satMod val="350000"/>
+              </a:schemeClr>
+            </a:gs>
+            <a:gs pos="40000">
+              <a:schemeClr val="phClr">
+                <a:tint val="45000"/>
+                <a:shade val="99000"/>
+                <a:satMod val="350000"/>
+              </a:schemeClr>
+            </a:gs>
+            <a:gs pos="100000">
+              <a:schemeClr val="phClr">
+                <a:shade val="20000"/>
+                <a:satMod val="255000"/>
+              </a:schemeClr>
+            </a:gs>
+          </a:gsLst>
+          <a:path path="circle">
+            <a:fillToRect l="50000" t="-80000" r="50000" b="180000"/>
+          </a:path>
+        </a:gradFill>
+        <a:gradFill rotWithShape="1">
+          <a:gsLst>
+            <a:gs pos="0">
+              <a:schemeClr val="phClr">
+                <a:tint val="80000"/>
+                <a:satMod val="300000"/>
+              </a:schemeClr>
+            </a:gs>
+            <a:gs pos="100000">
+              <a:schemeClr val="phClr">
+                <a:shade val="30000"/>
+                <a:satMod val="200000"/>
+              </a:schemeClr>
+            </a:gs>
+          </a:gsLst>
+          <a:path path="circle">
+            <a:fillToRect l="50000" t="50000" r="50000" b="50000"/>
+          </a:path>
+        </a:gradFill>
+      </a:bgFillStyleLst>
+    </a:fmtScheme>
+  </a:themeElements>
+</a:theme>
+</file>
+
+<file path=ppt/theme/theme2.xml><?xml version="1.0" encoding="utf-8"?>
 <a:theme xmlns:a="http://schemas.openxmlformats.org/drawingml/2006/main" xmlns:r="http://schemas.openxmlformats.org/officeDocument/2006/relationships" name="Simple Light">
   <a:themeElements>
     <a:clrScheme name="Simple Light">
@@ -12500,283 +13955,4 @@
     </a:fmtScheme>
   </a:themeElements>
 </a:theme>
-</file>
-
-<file path=ppt/theme/theme2.xml><?xml version="1.0" encoding="utf-8"?>
-<a:theme xmlns:a="http://schemas.openxmlformats.org/drawingml/2006/main" xmlns:r="http://schemas.openxmlformats.org/officeDocument/2006/relationships">
-  <a:themeElements>
-    <a:clrScheme name="Default">
-      <a:dk1>
-        <a:srgbClr val="000000"/>
-      </a:dk1>
-      <a:lt1>
-        <a:srgbClr val="FFFFFF"/>
-      </a:lt1>
-      <a:dk2>
-        <a:srgbClr val="158158"/>
-      </a:dk2>
-      <a:lt2>
-        <a:srgbClr val="F3F3F3"/>
-      </a:lt2>
-      <a:accent1>
-        <a:srgbClr val="058DC7"/>
-      </a:accent1>
-      <a:accent2>
-        <a:srgbClr val="50B432"/>
-      </a:accent2>
-      <a:accent3>
-        <a:srgbClr val="ED561B"/>
-      </a:accent3>
-      <a:accent4>
-        <a:srgbClr val="EDEF00"/>
-      </a:accent4>
-      <a:accent5>
-        <a:srgbClr val="24CBE5"/>
-      </a:accent5>
-      <a:accent6>
-        <a:srgbClr val="64E572"/>
-      </a:accent6>
-      <a:hlink>
-        <a:srgbClr val="2200CC"/>
-      </a:hlink>
-      <a:folHlink>
-        <a:srgbClr val="551A8B"/>
-      </a:folHlink>
-    </a:clrScheme>
-    <a:fontScheme name="Office">
-      <a:majorFont>
-        <a:latin typeface="Arial"/>
-        <a:ea typeface=""/>
-        <a:cs typeface=""/>
-        <a:font script="Jpan" typeface="ＭＳ Ｐゴシック"/>
-        <a:font script="Hang" typeface="맑은 고딕"/>
-        <a:font script="Hans" typeface="宋体"/>
-        <a:font script="Hant" typeface="新細明體"/>
-        <a:font script="Arab" typeface="Times New Roman"/>
-        <a:font script="Hebr" typeface="Times New Roman"/>
-        <a:font script="Thai" typeface="Angsana New"/>
-        <a:font script="Ethi" typeface="Nyala"/>
-        <a:font script="Beng" typeface="Vrinda"/>
-        <a:font script="Gujr" typeface="Shruti"/>
-        <a:font script="Khmr" typeface="MoolBoran"/>
-        <a:font script="Knda" typeface="Tunga"/>
-        <a:font script="Guru" typeface="Raavi"/>
-        <a:font script="Cans" typeface="Euphemia"/>
-        <a:font script="Cher" typeface="Plantagenet Cherokee"/>
-        <a:font script="Yiii" typeface="Microsoft Yi Baiti"/>
-        <a:font script="Tibt" typeface="Microsoft Himalaya"/>
-        <a:font script="Thaa" typeface="MV Boli"/>
-        <a:font script="Deva" typeface="Mangal"/>
-        <a:font script="Telu" typeface="Gautami"/>
-        <a:font script="Taml" typeface="Latha"/>
-        <a:font script="Syrc" typeface="Estrangelo Edessa"/>
-        <a:font script="Orya" typeface="Kalinga"/>
-        <a:font script="Mlym" typeface="Kartika"/>
-        <a:font script="Laoo" typeface="DokChampa"/>
-        <a:font script="Sinh" typeface="Iskoola Pota"/>
-        <a:font script="Mong" typeface="Mongolian Baiti"/>
-        <a:font script="Viet" typeface="Times New Roman"/>
-        <a:font script="Uigh" typeface="Microsoft Uighur"/>
-        <a:font script="Geor" typeface="Sylfaen"/>
-      </a:majorFont>
-      <a:minorFont>
-        <a:latin typeface="Arial"/>
-        <a:ea typeface=""/>
-        <a:cs typeface=""/>
-        <a:font script="Jpan" typeface="ＭＳ Ｐゴシック"/>
-        <a:font script="Hang" typeface="맑은 고딕"/>
-        <a:font script="Hans" typeface="宋体"/>
-        <a:font script="Hant" typeface="新細明體"/>
-        <a:font script="Arab" typeface="Arial"/>
-        <a:font script="Hebr" typeface="Arial"/>
-        <a:font script="Thai" typeface="Cordia New"/>
-        <a:font script="Ethi" typeface="Nyala"/>
-        <a:font script="Beng" typeface="Vrinda"/>
-        <a:font script="Gujr" typeface="Shruti"/>
-        <a:font script="Khmr" typeface="DaunPenh"/>
-        <a:font script="Knda" typeface="Tunga"/>
-        <a:font script="Guru" typeface="Raavi"/>
-        <a:font script="Cans" typeface="Euphemia"/>
-        <a:font script="Cher" typeface="Plantagenet Cherokee"/>
-        <a:font script="Yiii" typeface="Microsoft Yi Baiti"/>
-        <a:font script="Tibt" typeface="Microsoft Himalaya"/>
-        <a:font script="Thaa" typeface="MV Boli"/>
-        <a:font script="Deva" typeface="Mangal"/>
-        <a:font script="Telu" typeface="Gautami"/>
-        <a:font script="Taml" typeface="Latha"/>
-        <a:font script="Syrc" typeface="Estrangelo Edessa"/>
-        <a:font script="Orya" typeface="Kalinga"/>
-        <a:font script="Mlym" typeface="Kartika"/>
-        <a:font script="Laoo" typeface="DokChampa"/>
-        <a:font script="Sinh" typeface="Iskoola Pota"/>
-        <a:font script="Mong" typeface="Mongolian Baiti"/>
-        <a:font script="Viet" typeface="Arial"/>
-        <a:font script="Uigh" typeface="Microsoft Uighur"/>
-        <a:font script="Geor" typeface="Sylfaen"/>
-      </a:minorFont>
-    </a:fontScheme>
-    <a:fmtScheme name="Office">
-      <a:fillStyleLst>
-        <a:solidFill>
-          <a:schemeClr val="phClr"/>
-        </a:solidFill>
-        <a:gradFill rotWithShape="1">
-          <a:gsLst>
-            <a:gs pos="0">
-              <a:schemeClr val="phClr">
-                <a:tint val="50000"/>
-                <a:satMod val="300000"/>
-              </a:schemeClr>
-            </a:gs>
-            <a:gs pos="35000">
-              <a:schemeClr val="phClr">
-                <a:tint val="37000"/>
-                <a:satMod val="300000"/>
-              </a:schemeClr>
-            </a:gs>
-            <a:gs pos="100000">
-              <a:schemeClr val="phClr">
-                <a:tint val="15000"/>
-                <a:satMod val="350000"/>
-              </a:schemeClr>
-            </a:gs>
-          </a:gsLst>
-          <a:lin ang="16200000" scaled="1"/>
-        </a:gradFill>
-        <a:gradFill rotWithShape="1">
-          <a:gsLst>
-            <a:gs pos="0">
-              <a:schemeClr val="phClr">
-                <a:tint val="100000"/>
-                <a:shade val="100000"/>
-                <a:satMod val="130000"/>
-              </a:schemeClr>
-            </a:gs>
-            <a:gs pos="100000">
-              <a:schemeClr val="phClr">
-                <a:tint val="50000"/>
-                <a:shade val="100000"/>
-                <a:satMod val="350000"/>
-              </a:schemeClr>
-            </a:gs>
-          </a:gsLst>
-          <a:lin ang="16200000" scaled="0"/>
-        </a:gradFill>
-      </a:fillStyleLst>
-      <a:lnStyleLst>
-        <a:ln w="9525" cap="flat" cmpd="sng" algn="ctr">
-          <a:solidFill>
-            <a:schemeClr val="phClr">
-              <a:shade val="95000"/>
-              <a:satMod val="105000"/>
-            </a:schemeClr>
-          </a:solidFill>
-          <a:prstDash val="solid"/>
-        </a:ln>
-        <a:ln w="25400" cap="flat" cmpd="sng" algn="ctr">
-          <a:solidFill>
-            <a:schemeClr val="phClr"/>
-          </a:solidFill>
-          <a:prstDash val="solid"/>
-        </a:ln>
-        <a:ln w="38100" cap="flat" cmpd="sng" algn="ctr">
-          <a:solidFill>
-            <a:schemeClr val="phClr"/>
-          </a:solidFill>
-          <a:prstDash val="solid"/>
-        </a:ln>
-      </a:lnStyleLst>
-      <a:effectStyleLst>
-        <a:effectStyle>
-          <a:effectLst>
-            <a:outerShdw blurRad="40000" dist="20000" dir="5400000" rotWithShape="0">
-              <a:srgbClr val="000000">
-                <a:alpha val="38000"/>
-              </a:srgbClr>
-            </a:outerShdw>
-          </a:effectLst>
-        </a:effectStyle>
-        <a:effectStyle>
-          <a:effectLst>
-            <a:outerShdw blurRad="40000" dist="23000" dir="5400000" rotWithShape="0">
-              <a:srgbClr val="000000">
-                <a:alpha val="35000"/>
-              </a:srgbClr>
-            </a:outerShdw>
-          </a:effectLst>
-        </a:effectStyle>
-        <a:effectStyle>
-          <a:effectLst>
-            <a:outerShdw blurRad="40000" dist="23000" dir="5400000" rotWithShape="0">
-              <a:srgbClr val="000000">
-                <a:alpha val="35000"/>
-              </a:srgbClr>
-            </a:outerShdw>
-          </a:effectLst>
-          <a:scene3d>
-            <a:camera prst="orthographicFront">
-              <a:rot lat="0" lon="0" rev="0"/>
-            </a:camera>
-            <a:lightRig rig="threePt" dir="t">
-              <a:rot lat="0" lon="0" rev="1200000"/>
-            </a:lightRig>
-          </a:scene3d>
-          <a:sp3d>
-            <a:bevelT w="63500" h="25400"/>
-          </a:sp3d>
-        </a:effectStyle>
-      </a:effectStyleLst>
-      <a:bgFillStyleLst>
-        <a:solidFill>
-          <a:schemeClr val="phClr"/>
-        </a:solidFill>
-        <a:gradFill rotWithShape="1">
-          <a:gsLst>
-            <a:gs pos="0">
-              <a:schemeClr val="phClr">
-                <a:tint val="40000"/>
-                <a:satMod val="350000"/>
-              </a:schemeClr>
-            </a:gs>
-            <a:gs pos="40000">
-              <a:schemeClr val="phClr">
-                <a:tint val="45000"/>
-                <a:shade val="99000"/>
-                <a:satMod val="350000"/>
-              </a:schemeClr>
-            </a:gs>
-            <a:gs pos="100000">
-              <a:schemeClr val="phClr">
-                <a:shade val="20000"/>
-                <a:satMod val="255000"/>
-              </a:schemeClr>
-            </a:gs>
-          </a:gsLst>
-          <a:path path="circle">
-            <a:fillToRect l="50000" t="-80000" r="50000" b="180000"/>
-          </a:path>
-        </a:gradFill>
-        <a:gradFill rotWithShape="1">
-          <a:gsLst>
-            <a:gs pos="0">
-              <a:schemeClr val="phClr">
-                <a:tint val="80000"/>
-                <a:satMod val="300000"/>
-              </a:schemeClr>
-            </a:gs>
-            <a:gs pos="100000">
-              <a:schemeClr val="phClr">
-                <a:shade val="30000"/>
-                <a:satMod val="200000"/>
-              </a:schemeClr>
-            </a:gs>
-          </a:gsLst>
-          <a:path path="circle">
-            <a:fillToRect l="50000" t="50000" r="50000" b="50000"/>
-          </a:path>
-        </a:gradFill>
-      </a:bgFillStyleLst>
-    </a:fmtScheme>
-  </a:themeElements>
-</a:theme>
 </file>